--- a/files/figures.pptx
+++ b/files/figures.pptx
@@ -5,8 +5,13 @@
     <p:sldMasterId id="2147483648" r:id="rId1"/>
   </p:sldMasterIdLst>
   <p:sldIdLst>
-    <p:sldId id="256" r:id="rId2"/>
-    <p:sldId id="257" r:id="rId3"/>
+    <p:sldId id="257" r:id="rId2"/>
+    <p:sldId id="258" r:id="rId3"/>
+    <p:sldId id="259" r:id="rId4"/>
+    <p:sldId id="260" r:id="rId5"/>
+    <p:sldId id="261" r:id="rId6"/>
+    <p:sldId id="262" r:id="rId7"/>
+    <p:sldId id="263" r:id="rId8"/>
   </p:sldIdLst>
   <p:sldSz cx="12192000" cy="6858000"/>
   <p:notesSz cx="6858000" cy="9144000"/>
@@ -105,6 +110,11 @@
       </a:defRPr>
     </a:lvl9pPr>
   </p:defaultTextStyle>
+  <p:extLst>
+    <p:ext uri="{EFAFB233-063F-42B5-8137-9DF3F51BA10A}">
+      <p15:sldGuideLst xmlns:p15="http://schemas.microsoft.com/office/powerpoint/2012/main"/>
+    </p:ext>
+  </p:extLst>
 </p:presentation>
 </file>
 
@@ -255,7 +265,7 @@
           <a:p>
             <a:fld id="{647B7DBB-0357-3D42-8A12-9DF2FF39C546}" type="datetimeFigureOut">
               <a:rPr lang="en-US" smtClean="0"/>
-              <a:t>5/25/18</a:t>
+              <a:t>7/10/18</a:t>
             </a:fld>
             <a:endParaRPr lang="en-US"/>
           </a:p>
@@ -453,7 +463,7 @@
           <a:p>
             <a:fld id="{647B7DBB-0357-3D42-8A12-9DF2FF39C546}" type="datetimeFigureOut">
               <a:rPr lang="en-US" smtClean="0"/>
-              <a:t>5/25/18</a:t>
+              <a:t>7/10/18</a:t>
             </a:fld>
             <a:endParaRPr lang="en-US"/>
           </a:p>
@@ -661,7 +671,7 @@
           <a:p>
             <a:fld id="{647B7DBB-0357-3D42-8A12-9DF2FF39C546}" type="datetimeFigureOut">
               <a:rPr lang="en-US" smtClean="0"/>
-              <a:t>5/25/18</a:t>
+              <a:t>7/10/18</a:t>
             </a:fld>
             <a:endParaRPr lang="en-US"/>
           </a:p>
@@ -859,7 +869,7 @@
           <a:p>
             <a:fld id="{647B7DBB-0357-3D42-8A12-9DF2FF39C546}" type="datetimeFigureOut">
               <a:rPr lang="en-US" smtClean="0"/>
-              <a:t>5/25/18</a:t>
+              <a:t>7/10/18</a:t>
             </a:fld>
             <a:endParaRPr lang="en-US"/>
           </a:p>
@@ -1134,7 +1144,7 @@
           <a:p>
             <a:fld id="{647B7DBB-0357-3D42-8A12-9DF2FF39C546}" type="datetimeFigureOut">
               <a:rPr lang="en-US" smtClean="0"/>
-              <a:t>5/25/18</a:t>
+              <a:t>7/10/18</a:t>
             </a:fld>
             <a:endParaRPr lang="en-US"/>
           </a:p>
@@ -1399,7 +1409,7 @@
           <a:p>
             <a:fld id="{647B7DBB-0357-3D42-8A12-9DF2FF39C546}" type="datetimeFigureOut">
               <a:rPr lang="en-US" smtClean="0"/>
-              <a:t>5/25/18</a:t>
+              <a:t>7/10/18</a:t>
             </a:fld>
             <a:endParaRPr lang="en-US"/>
           </a:p>
@@ -1811,7 +1821,7 @@
           <a:p>
             <a:fld id="{647B7DBB-0357-3D42-8A12-9DF2FF39C546}" type="datetimeFigureOut">
               <a:rPr lang="en-US" smtClean="0"/>
-              <a:t>5/25/18</a:t>
+              <a:t>7/10/18</a:t>
             </a:fld>
             <a:endParaRPr lang="en-US"/>
           </a:p>
@@ -1952,7 +1962,7 @@
           <a:p>
             <a:fld id="{647B7DBB-0357-3D42-8A12-9DF2FF39C546}" type="datetimeFigureOut">
               <a:rPr lang="en-US" smtClean="0"/>
-              <a:t>5/25/18</a:t>
+              <a:t>7/10/18</a:t>
             </a:fld>
             <a:endParaRPr lang="en-US"/>
           </a:p>
@@ -2065,7 +2075,7 @@
           <a:p>
             <a:fld id="{647B7DBB-0357-3D42-8A12-9DF2FF39C546}" type="datetimeFigureOut">
               <a:rPr lang="en-US" smtClean="0"/>
-              <a:t>5/25/18</a:t>
+              <a:t>7/10/18</a:t>
             </a:fld>
             <a:endParaRPr lang="en-US"/>
           </a:p>
@@ -2376,7 +2386,7 @@
           <a:p>
             <a:fld id="{647B7DBB-0357-3D42-8A12-9DF2FF39C546}" type="datetimeFigureOut">
               <a:rPr lang="en-US" smtClean="0"/>
-              <a:t>5/25/18</a:t>
+              <a:t>7/10/18</a:t>
             </a:fld>
             <a:endParaRPr lang="en-US"/>
           </a:p>
@@ -2664,7 +2674,7 @@
           <a:p>
             <a:fld id="{647B7DBB-0357-3D42-8A12-9DF2FF39C546}" type="datetimeFigureOut">
               <a:rPr lang="en-US" smtClean="0"/>
-              <a:t>5/25/18</a:t>
+              <a:t>7/10/18</a:t>
             </a:fld>
             <a:endParaRPr lang="en-US"/>
           </a:p>
@@ -2905,7 +2915,7 @@
           <a:p>
             <a:fld id="{647B7DBB-0357-3D42-8A12-9DF2FF39C546}" type="datetimeFigureOut">
               <a:rPr lang="en-US" smtClean="0"/>
-              <a:t>5/25/18</a:t>
+              <a:t>7/10/18</a:t>
             </a:fld>
             <a:endParaRPr lang="en-US"/>
           </a:p>
@@ -3322,86 +3332,6 @@
           <a:chExt cx="0" cy="0"/>
         </a:xfrm>
       </p:grpSpPr>
-      <p:sp>
-        <p:nvSpPr>
-          <p:cNvPr id="2" name="Title 1">
-            <a:extLst>
-              <a:ext uri="{FF2B5EF4-FFF2-40B4-BE49-F238E27FC236}">
-                <a16:creationId xmlns:a16="http://schemas.microsoft.com/office/drawing/2014/main" id="{FF6B9F1A-2864-6A42-83D0-67EB86C3CB2A}"/>
-              </a:ext>
-            </a:extLst>
-          </p:cNvPr>
-          <p:cNvSpPr>
-            <a:spLocks noGrp="1"/>
-          </p:cNvSpPr>
-          <p:nvPr>
-            <p:ph type="ctrTitle"/>
-          </p:nvPr>
-        </p:nvSpPr>
-        <p:spPr/>
-        <p:txBody>
-          <a:bodyPr/>
-          <a:lstStyle/>
-          <a:p>
-            <a:endParaRPr lang="en-US"/>
-          </a:p>
-        </p:txBody>
-      </p:sp>
-      <p:sp>
-        <p:nvSpPr>
-          <p:cNvPr id="3" name="Subtitle 2">
-            <a:extLst>
-              <a:ext uri="{FF2B5EF4-FFF2-40B4-BE49-F238E27FC236}">
-                <a16:creationId xmlns:a16="http://schemas.microsoft.com/office/drawing/2014/main" id="{985E1742-98BF-5D4C-9FEC-A8FFA49A9A6D}"/>
-              </a:ext>
-            </a:extLst>
-          </p:cNvPr>
-          <p:cNvSpPr>
-            <a:spLocks noGrp="1"/>
-          </p:cNvSpPr>
-          <p:nvPr>
-            <p:ph type="subTitle" idx="1"/>
-          </p:nvPr>
-        </p:nvSpPr>
-        <p:spPr/>
-        <p:txBody>
-          <a:bodyPr/>
-          <a:lstStyle/>
-          <a:p>
-            <a:endParaRPr lang="en-US"/>
-          </a:p>
-        </p:txBody>
-      </p:sp>
-    </p:spTree>
-    <p:extLst>
-      <p:ext uri="{BB962C8B-B14F-4D97-AF65-F5344CB8AC3E}">
-        <p14:creationId xmlns:p14="http://schemas.microsoft.com/office/powerpoint/2010/main" val="4107561298"/>
-      </p:ext>
-    </p:extLst>
-  </p:cSld>
-  <p:clrMapOvr>
-    <a:masterClrMapping/>
-  </p:clrMapOvr>
-</p:sld>
-</file>
-
-<file path=ppt/slides/slide2.xml><?xml version="1.0" encoding="utf-8"?>
-<p:sld xmlns:a="http://schemas.openxmlformats.org/drawingml/2006/main" xmlns:r="http://schemas.openxmlformats.org/officeDocument/2006/relationships" xmlns:p="http://schemas.openxmlformats.org/presentationml/2006/main">
-  <p:cSld>
-    <p:spTree>
-      <p:nvGrpSpPr>
-        <p:cNvPr id="1" name=""/>
-        <p:cNvGrpSpPr/>
-        <p:nvPr/>
-      </p:nvGrpSpPr>
-      <p:grpSpPr>
-        <a:xfrm>
-          <a:off x="0" y="0"/>
-          <a:ext cx="0" cy="0"/>
-          <a:chOff x="0" y="0"/>
-          <a:chExt cx="0" cy="0"/>
-        </a:xfrm>
-      </p:grpSpPr>
       <p:grpSp>
         <p:nvGrpSpPr>
           <p:cNvPr id="39" name="Group 38">
@@ -4237,6 +4167,6399 @@
     <p:extLst>
       <p:ext uri="{BB962C8B-B14F-4D97-AF65-F5344CB8AC3E}">
         <p14:creationId xmlns:p14="http://schemas.microsoft.com/office/powerpoint/2010/main" val="1914798039"/>
+      </p:ext>
+    </p:extLst>
+  </p:cSld>
+  <p:clrMapOvr>
+    <a:masterClrMapping/>
+  </p:clrMapOvr>
+</p:sld>
+</file>
+
+<file path=ppt/slides/slide2.xml><?xml version="1.0" encoding="utf-8"?>
+<p:sld xmlns:a="http://schemas.openxmlformats.org/drawingml/2006/main" xmlns:r="http://schemas.openxmlformats.org/officeDocument/2006/relationships" xmlns:p="http://schemas.openxmlformats.org/presentationml/2006/main">
+  <p:cSld>
+    <p:spTree>
+      <p:nvGrpSpPr>
+        <p:cNvPr id="1" name=""/>
+        <p:cNvGrpSpPr/>
+        <p:nvPr/>
+      </p:nvGrpSpPr>
+      <p:grpSpPr>
+        <a:xfrm>
+          <a:off x="0" y="0"/>
+          <a:ext cx="0" cy="0"/>
+          <a:chOff x="0" y="0"/>
+          <a:chExt cx="0" cy="0"/>
+        </a:xfrm>
+      </p:grpSpPr>
+      <p:sp>
+        <p:nvSpPr>
+          <p:cNvPr id="4" name="Rectangle 3">
+            <a:extLst>
+              <a:ext uri="{FF2B5EF4-FFF2-40B4-BE49-F238E27FC236}">
+                <a16:creationId xmlns:a16="http://schemas.microsoft.com/office/drawing/2014/main" id="{D95C45DD-CAAC-E64D-88ED-62D72CDC3C63}"/>
+              </a:ext>
+            </a:extLst>
+          </p:cNvPr>
+          <p:cNvSpPr/>
+          <p:nvPr/>
+        </p:nvSpPr>
+        <p:spPr>
+          <a:xfrm>
+            <a:off x="4063663" y="2578142"/>
+            <a:ext cx="1034143" cy="500743"/>
+          </a:xfrm>
+          <a:prstGeom prst="rect">
+            <a:avLst/>
+          </a:prstGeom>
+          <a:noFill/>
+        </p:spPr>
+        <p:style>
+          <a:lnRef idx="2">
+            <a:schemeClr val="dk1"/>
+          </a:lnRef>
+          <a:fillRef idx="1">
+            <a:schemeClr val="lt1"/>
+          </a:fillRef>
+          <a:effectRef idx="0">
+            <a:schemeClr val="dk1"/>
+          </a:effectRef>
+          <a:fontRef idx="minor">
+            <a:schemeClr val="dk1"/>
+          </a:fontRef>
+        </p:style>
+        <p:txBody>
+          <a:bodyPr rtlCol="0" anchor="ctr"/>
+          <a:lstStyle/>
+          <a:p>
+            <a:pPr algn="ctr"/>
+            <a:endParaRPr lang="en-US"/>
+          </a:p>
+        </p:txBody>
+      </p:sp>
+      <p:sp>
+        <p:nvSpPr>
+          <p:cNvPr id="7" name="Rectangle 6">
+            <a:extLst>
+              <a:ext uri="{FF2B5EF4-FFF2-40B4-BE49-F238E27FC236}">
+                <a16:creationId xmlns:a16="http://schemas.microsoft.com/office/drawing/2014/main" id="{FBB259EA-D99D-974A-A580-4C3B859E91AF}"/>
+              </a:ext>
+            </a:extLst>
+          </p:cNvPr>
+          <p:cNvSpPr/>
+          <p:nvPr/>
+        </p:nvSpPr>
+        <p:spPr>
+          <a:xfrm>
+            <a:off x="4063662" y="1750374"/>
+            <a:ext cx="1034143" cy="500743"/>
+          </a:xfrm>
+          <a:prstGeom prst="rect">
+            <a:avLst/>
+          </a:prstGeom>
+          <a:noFill/>
+        </p:spPr>
+        <p:style>
+          <a:lnRef idx="2">
+            <a:schemeClr val="dk1"/>
+          </a:lnRef>
+          <a:fillRef idx="1">
+            <a:schemeClr val="lt1"/>
+          </a:fillRef>
+          <a:effectRef idx="0">
+            <a:schemeClr val="dk1"/>
+          </a:effectRef>
+          <a:fontRef idx="minor">
+            <a:schemeClr val="dk1"/>
+          </a:fontRef>
+        </p:style>
+        <p:txBody>
+          <a:bodyPr rtlCol="0" anchor="ctr"/>
+          <a:lstStyle/>
+          <a:p>
+            <a:pPr algn="ctr"/>
+            <a:endParaRPr lang="en-US"/>
+          </a:p>
+        </p:txBody>
+      </p:sp>
+      <p:cxnSp>
+        <p:nvCxnSpPr>
+          <p:cNvPr id="10" name="Straight Arrow Connector 9">
+            <a:extLst>
+              <a:ext uri="{FF2B5EF4-FFF2-40B4-BE49-F238E27FC236}">
+                <a16:creationId xmlns:a16="http://schemas.microsoft.com/office/drawing/2014/main" id="{5351F819-9649-E74A-92A1-AF8D8B594E85}"/>
+              </a:ext>
+            </a:extLst>
+          </p:cNvPr>
+          <p:cNvCxnSpPr>
+            <a:cxnSpLocks/>
+            <a:stCxn id="25" idx="3"/>
+            <a:endCxn id="4" idx="1"/>
+          </p:cNvCxnSpPr>
+          <p:nvPr/>
+        </p:nvCxnSpPr>
+        <p:spPr>
+          <a:xfrm>
+            <a:off x="3238719" y="2824166"/>
+            <a:ext cx="824944" cy="4348"/>
+          </a:xfrm>
+          <a:prstGeom prst="straightConnector1">
+            <a:avLst/>
+          </a:prstGeom>
+          <a:ln>
+            <a:solidFill>
+              <a:schemeClr val="tx1"/>
+            </a:solidFill>
+            <a:tailEnd type="triangle"/>
+          </a:ln>
+          <a:effectLst/>
+        </p:spPr>
+        <p:style>
+          <a:lnRef idx="2">
+            <a:schemeClr val="accent1"/>
+          </a:lnRef>
+          <a:fillRef idx="0">
+            <a:schemeClr val="accent1"/>
+          </a:fillRef>
+          <a:effectRef idx="1">
+            <a:schemeClr val="accent1"/>
+          </a:effectRef>
+          <a:fontRef idx="minor">
+            <a:schemeClr val="tx1"/>
+          </a:fontRef>
+        </p:style>
+      </p:cxnSp>
+      <p:cxnSp>
+        <p:nvCxnSpPr>
+          <p:cNvPr id="11" name="Straight Arrow Connector 10">
+            <a:extLst>
+              <a:ext uri="{FF2B5EF4-FFF2-40B4-BE49-F238E27FC236}">
+                <a16:creationId xmlns:a16="http://schemas.microsoft.com/office/drawing/2014/main" id="{BC76CA9D-E36C-404D-9C8B-B0FD344631D8}"/>
+              </a:ext>
+            </a:extLst>
+          </p:cNvPr>
+          <p:cNvCxnSpPr>
+            <a:endCxn id="7" idx="1"/>
+          </p:cNvCxnSpPr>
+          <p:nvPr/>
+        </p:nvCxnSpPr>
+        <p:spPr>
+          <a:xfrm>
+            <a:off x="3214577" y="2000745"/>
+            <a:ext cx="849085" cy="1"/>
+          </a:xfrm>
+          <a:prstGeom prst="straightConnector1">
+            <a:avLst/>
+          </a:prstGeom>
+          <a:ln>
+            <a:solidFill>
+              <a:schemeClr val="tx1"/>
+            </a:solidFill>
+            <a:tailEnd type="triangle"/>
+          </a:ln>
+          <a:effectLst/>
+        </p:spPr>
+        <p:style>
+          <a:lnRef idx="2">
+            <a:schemeClr val="accent1"/>
+          </a:lnRef>
+          <a:fillRef idx="0">
+            <a:schemeClr val="accent1"/>
+          </a:fillRef>
+          <a:effectRef idx="1">
+            <a:schemeClr val="accent1"/>
+          </a:effectRef>
+          <a:fontRef idx="minor">
+            <a:schemeClr val="tx1"/>
+          </a:fontRef>
+        </p:style>
+      </p:cxnSp>
+      <p:sp>
+        <p:nvSpPr>
+          <p:cNvPr id="12" name="Oval 11">
+            <a:extLst>
+              <a:ext uri="{FF2B5EF4-FFF2-40B4-BE49-F238E27FC236}">
+                <a16:creationId xmlns:a16="http://schemas.microsoft.com/office/drawing/2014/main" id="{E0B85B97-B710-784B-AFDC-A4FCE1CFB5F7}"/>
+              </a:ext>
+            </a:extLst>
+          </p:cNvPr>
+          <p:cNvSpPr/>
+          <p:nvPr/>
+        </p:nvSpPr>
+        <p:spPr>
+          <a:xfrm>
+            <a:off x="5767276" y="2251117"/>
+            <a:ext cx="359228" cy="327025"/>
+          </a:xfrm>
+          <a:prstGeom prst="ellipse">
+            <a:avLst/>
+          </a:prstGeom>
+        </p:spPr>
+        <p:style>
+          <a:lnRef idx="2">
+            <a:schemeClr val="dk1"/>
+          </a:lnRef>
+          <a:fillRef idx="1">
+            <a:schemeClr val="lt1"/>
+          </a:fillRef>
+          <a:effectRef idx="0">
+            <a:schemeClr val="dk1"/>
+          </a:effectRef>
+          <a:fontRef idx="minor">
+            <a:schemeClr val="dk1"/>
+          </a:fontRef>
+        </p:style>
+        <p:txBody>
+          <a:bodyPr rtlCol="0" anchor="ctr"/>
+          <a:lstStyle/>
+          <a:p>
+            <a:pPr algn="ctr"/>
+            <a:endParaRPr lang="en-US"/>
+          </a:p>
+        </p:txBody>
+      </p:sp>
+      <p:cxnSp>
+        <p:nvCxnSpPr>
+          <p:cNvPr id="13" name="Straight Arrow Connector 12">
+            <a:extLst>
+              <a:ext uri="{FF2B5EF4-FFF2-40B4-BE49-F238E27FC236}">
+                <a16:creationId xmlns:a16="http://schemas.microsoft.com/office/drawing/2014/main" id="{4B21ABDF-0407-6443-8C38-0D28F95B19FA}"/>
+              </a:ext>
+            </a:extLst>
+          </p:cNvPr>
+          <p:cNvCxnSpPr>
+            <a:stCxn id="7" idx="3"/>
+          </p:cNvCxnSpPr>
+          <p:nvPr/>
+        </p:nvCxnSpPr>
+        <p:spPr>
+          <a:xfrm flipV="1">
+            <a:off x="5097805" y="2000745"/>
+            <a:ext cx="849085" cy="1"/>
+          </a:xfrm>
+          <a:prstGeom prst="straightConnector1">
+            <a:avLst/>
+          </a:prstGeom>
+          <a:ln>
+            <a:solidFill>
+              <a:schemeClr val="tx1"/>
+            </a:solidFill>
+            <a:tailEnd type="none"/>
+          </a:ln>
+          <a:effectLst/>
+        </p:spPr>
+        <p:style>
+          <a:lnRef idx="2">
+            <a:schemeClr val="accent1"/>
+          </a:lnRef>
+          <a:fillRef idx="0">
+            <a:schemeClr val="accent1"/>
+          </a:fillRef>
+          <a:effectRef idx="1">
+            <a:schemeClr val="accent1"/>
+          </a:effectRef>
+          <a:fontRef idx="minor">
+            <a:schemeClr val="tx1"/>
+          </a:fontRef>
+        </p:style>
+      </p:cxnSp>
+      <p:cxnSp>
+        <p:nvCxnSpPr>
+          <p:cNvPr id="14" name="Straight Arrow Connector 13">
+            <a:extLst>
+              <a:ext uri="{FF2B5EF4-FFF2-40B4-BE49-F238E27FC236}">
+                <a16:creationId xmlns:a16="http://schemas.microsoft.com/office/drawing/2014/main" id="{ACC87593-516D-6A47-91FF-F9A4C2F2D9F4}"/>
+              </a:ext>
+            </a:extLst>
+          </p:cNvPr>
+          <p:cNvCxnSpPr>
+            <a:endCxn id="12" idx="0"/>
+          </p:cNvCxnSpPr>
+          <p:nvPr/>
+        </p:nvCxnSpPr>
+        <p:spPr>
+          <a:xfrm>
+            <a:off x="5946890" y="2000745"/>
+            <a:ext cx="0" cy="250372"/>
+          </a:xfrm>
+          <a:prstGeom prst="straightConnector1">
+            <a:avLst/>
+          </a:prstGeom>
+          <a:ln>
+            <a:solidFill>
+              <a:schemeClr val="tx1"/>
+            </a:solidFill>
+            <a:tailEnd type="triangle"/>
+          </a:ln>
+          <a:effectLst/>
+        </p:spPr>
+        <p:style>
+          <a:lnRef idx="2">
+            <a:schemeClr val="accent1"/>
+          </a:lnRef>
+          <a:fillRef idx="0">
+            <a:schemeClr val="accent1"/>
+          </a:fillRef>
+          <a:effectRef idx="1">
+            <a:schemeClr val="accent1"/>
+          </a:effectRef>
+          <a:fontRef idx="minor">
+            <a:schemeClr val="tx1"/>
+          </a:fontRef>
+        </p:style>
+      </p:cxnSp>
+      <p:cxnSp>
+        <p:nvCxnSpPr>
+          <p:cNvPr id="15" name="Straight Arrow Connector 14">
+            <a:extLst>
+              <a:ext uri="{FF2B5EF4-FFF2-40B4-BE49-F238E27FC236}">
+                <a16:creationId xmlns:a16="http://schemas.microsoft.com/office/drawing/2014/main" id="{BC891721-E3B6-0941-8304-23C7E963187A}"/>
+              </a:ext>
+            </a:extLst>
+          </p:cNvPr>
+          <p:cNvCxnSpPr/>
+          <p:nvPr/>
+        </p:nvCxnSpPr>
+        <p:spPr>
+          <a:xfrm flipV="1">
+            <a:off x="5125019" y="2839399"/>
+            <a:ext cx="821871" cy="2"/>
+          </a:xfrm>
+          <a:prstGeom prst="straightConnector1">
+            <a:avLst/>
+          </a:prstGeom>
+          <a:ln>
+            <a:solidFill>
+              <a:schemeClr val="tx1"/>
+            </a:solidFill>
+            <a:tailEnd type="none"/>
+          </a:ln>
+          <a:effectLst/>
+        </p:spPr>
+        <p:style>
+          <a:lnRef idx="2">
+            <a:schemeClr val="accent1"/>
+          </a:lnRef>
+          <a:fillRef idx="0">
+            <a:schemeClr val="accent1"/>
+          </a:fillRef>
+          <a:effectRef idx="1">
+            <a:schemeClr val="accent1"/>
+          </a:effectRef>
+          <a:fontRef idx="minor">
+            <a:schemeClr val="tx1"/>
+          </a:fontRef>
+        </p:style>
+      </p:cxnSp>
+      <p:cxnSp>
+        <p:nvCxnSpPr>
+          <p:cNvPr id="16" name="Straight Arrow Connector 15">
+            <a:extLst>
+              <a:ext uri="{FF2B5EF4-FFF2-40B4-BE49-F238E27FC236}">
+                <a16:creationId xmlns:a16="http://schemas.microsoft.com/office/drawing/2014/main" id="{F1F4E7A6-2C92-884E-89F8-DD413FF98B44}"/>
+              </a:ext>
+            </a:extLst>
+          </p:cNvPr>
+          <p:cNvCxnSpPr>
+            <a:endCxn id="12" idx="4"/>
+          </p:cNvCxnSpPr>
+          <p:nvPr/>
+        </p:nvCxnSpPr>
+        <p:spPr>
+          <a:xfrm flipV="1">
+            <a:off x="5946890" y="2578142"/>
+            <a:ext cx="0" cy="261257"/>
+          </a:xfrm>
+          <a:prstGeom prst="straightConnector1">
+            <a:avLst/>
+          </a:prstGeom>
+          <a:ln>
+            <a:solidFill>
+              <a:schemeClr val="tx1"/>
+            </a:solidFill>
+            <a:tailEnd type="triangle"/>
+          </a:ln>
+          <a:effectLst/>
+        </p:spPr>
+        <p:style>
+          <a:lnRef idx="2">
+            <a:schemeClr val="accent1"/>
+          </a:lnRef>
+          <a:fillRef idx="0">
+            <a:schemeClr val="accent1"/>
+          </a:fillRef>
+          <a:effectRef idx="1">
+            <a:schemeClr val="accent1"/>
+          </a:effectRef>
+          <a:fontRef idx="minor">
+            <a:schemeClr val="tx1"/>
+          </a:fontRef>
+        </p:style>
+      </p:cxnSp>
+      <p:cxnSp>
+        <p:nvCxnSpPr>
+          <p:cNvPr id="18" name="Straight Arrow Connector 17">
+            <a:extLst>
+              <a:ext uri="{FF2B5EF4-FFF2-40B4-BE49-F238E27FC236}">
+                <a16:creationId xmlns:a16="http://schemas.microsoft.com/office/drawing/2014/main" id="{E636E764-4213-0446-B4C0-14EACE217F59}"/>
+              </a:ext>
+            </a:extLst>
+          </p:cNvPr>
+          <p:cNvCxnSpPr/>
+          <p:nvPr/>
+        </p:nvCxnSpPr>
+        <p:spPr>
+          <a:xfrm>
+            <a:off x="6126504" y="2411314"/>
+            <a:ext cx="849085" cy="1"/>
+          </a:xfrm>
+          <a:prstGeom prst="straightConnector1">
+            <a:avLst/>
+          </a:prstGeom>
+          <a:ln>
+            <a:solidFill>
+              <a:schemeClr val="tx1"/>
+            </a:solidFill>
+            <a:tailEnd type="triangle"/>
+          </a:ln>
+          <a:effectLst/>
+        </p:spPr>
+        <p:style>
+          <a:lnRef idx="2">
+            <a:schemeClr val="accent1"/>
+          </a:lnRef>
+          <a:fillRef idx="0">
+            <a:schemeClr val="accent1"/>
+          </a:fillRef>
+          <a:effectRef idx="1">
+            <a:schemeClr val="accent1"/>
+          </a:effectRef>
+          <a:fontRef idx="minor">
+            <a:schemeClr val="tx1"/>
+          </a:fontRef>
+        </p:style>
+      </p:cxnSp>
+      <p:pic>
+        <p:nvPicPr>
+          <p:cNvPr id="19" name="Picture 18">
+            <a:extLst>
+              <a:ext uri="{FF2B5EF4-FFF2-40B4-BE49-F238E27FC236}">
+                <a16:creationId xmlns:a16="http://schemas.microsoft.com/office/drawing/2014/main" id="{727B6C9E-DA06-4E4C-BAE7-3601DC648BA5}"/>
+              </a:ext>
+            </a:extLst>
+          </p:cNvPr>
+          <p:cNvPicPr>
+            <a:picLocks noChangeAspect="1"/>
+          </p:cNvPicPr>
+          <p:nvPr/>
+        </p:nvPicPr>
+        <p:blipFill>
+          <a:blip r:embed="rId2"/>
+          <a:stretch>
+            <a:fillRect/>
+          </a:stretch>
+        </p:blipFill>
+        <p:spPr>
+          <a:xfrm>
+            <a:off x="6026785" y="2084272"/>
+            <a:ext cx="152400" cy="152400"/>
+          </a:xfrm>
+          <a:prstGeom prst="rect">
+            <a:avLst/>
+          </a:prstGeom>
+        </p:spPr>
+      </p:pic>
+      <p:pic>
+        <p:nvPicPr>
+          <p:cNvPr id="20" name="Picture 19">
+            <a:extLst>
+              <a:ext uri="{FF2B5EF4-FFF2-40B4-BE49-F238E27FC236}">
+                <a16:creationId xmlns:a16="http://schemas.microsoft.com/office/drawing/2014/main" id="{E8654D58-0D11-6B48-A8C5-57DBFE52342D}"/>
+              </a:ext>
+            </a:extLst>
+          </p:cNvPr>
+          <p:cNvPicPr>
+            <a:picLocks noChangeAspect="1"/>
+          </p:cNvPicPr>
+          <p:nvPr/>
+        </p:nvPicPr>
+        <p:blipFill>
+          <a:blip r:embed="rId2"/>
+          <a:stretch>
+            <a:fillRect/>
+          </a:stretch>
+        </p:blipFill>
+        <p:spPr>
+          <a:xfrm>
+            <a:off x="6026785" y="2600384"/>
+            <a:ext cx="152400" cy="152400"/>
+          </a:xfrm>
+          <a:prstGeom prst="rect">
+            <a:avLst/>
+          </a:prstGeom>
+        </p:spPr>
+      </p:pic>
+      <p:pic>
+        <p:nvPicPr>
+          <p:cNvPr id="21" name="Picture 20">
+            <a:extLst>
+              <a:ext uri="{FF2B5EF4-FFF2-40B4-BE49-F238E27FC236}">
+                <a16:creationId xmlns:a16="http://schemas.microsoft.com/office/drawing/2014/main" id="{E48C40DF-D492-EF44-B2E2-549A9EA96CA1}"/>
+              </a:ext>
+            </a:extLst>
+          </p:cNvPr>
+          <p:cNvPicPr>
+            <a:picLocks noChangeAspect="1"/>
+          </p:cNvPicPr>
+          <p:nvPr/>
+        </p:nvPicPr>
+        <p:blipFill>
+          <a:blip r:embed="rId3"/>
+          <a:stretch>
+            <a:fillRect/>
+          </a:stretch>
+        </p:blipFill>
+        <p:spPr>
+          <a:xfrm>
+            <a:off x="4196760" y="1917553"/>
+            <a:ext cx="800100" cy="215900"/>
+          </a:xfrm>
+          <a:prstGeom prst="rect">
+            <a:avLst/>
+          </a:prstGeom>
+        </p:spPr>
+      </p:pic>
+      <p:pic>
+        <p:nvPicPr>
+          <p:cNvPr id="22" name="Picture 21">
+            <a:extLst>
+              <a:ext uri="{FF2B5EF4-FFF2-40B4-BE49-F238E27FC236}">
+                <a16:creationId xmlns:a16="http://schemas.microsoft.com/office/drawing/2014/main" id="{7F85E0A3-F998-AF4E-A88F-2CC516B6F4DD}"/>
+              </a:ext>
+            </a:extLst>
+          </p:cNvPr>
+          <p:cNvPicPr>
+            <a:picLocks noChangeAspect="1"/>
+          </p:cNvPicPr>
+          <p:nvPr/>
+        </p:nvPicPr>
+        <p:blipFill>
+          <a:blip r:embed="rId4"/>
+          <a:stretch>
+            <a:fillRect/>
+          </a:stretch>
+        </p:blipFill>
+        <p:spPr>
+          <a:xfrm>
+            <a:off x="4188194" y="2714994"/>
+            <a:ext cx="774700" cy="215900"/>
+          </a:xfrm>
+          <a:prstGeom prst="rect">
+            <a:avLst/>
+          </a:prstGeom>
+        </p:spPr>
+      </p:pic>
+      <p:sp>
+        <p:nvSpPr>
+          <p:cNvPr id="23" name="TextBox 22">
+            <a:extLst>
+              <a:ext uri="{FF2B5EF4-FFF2-40B4-BE49-F238E27FC236}">
+                <a16:creationId xmlns:a16="http://schemas.microsoft.com/office/drawing/2014/main" id="{E87DA33D-8BF8-2E43-9318-9CE664D5E144}"/>
+              </a:ext>
+            </a:extLst>
+          </p:cNvPr>
+          <p:cNvSpPr txBox="1"/>
+          <p:nvPr/>
+        </p:nvSpPr>
+        <p:spPr>
+          <a:xfrm>
+            <a:off x="3827721" y="6018028"/>
+            <a:ext cx="2873992" cy="369332"/>
+          </a:xfrm>
+          <a:prstGeom prst="rect">
+            <a:avLst/>
+          </a:prstGeom>
+          <a:noFill/>
+        </p:spPr>
+        <p:txBody>
+          <a:bodyPr wrap="none" rtlCol="0">
+            <a:spAutoFit/>
+          </a:bodyPr>
+          <a:lstStyle/>
+          <a:p>
+            <a:r>
+              <a:rPr lang="en-US" dirty="0" err="1"/>
+              <a:t>Complementary_filter_naive</a:t>
+            </a:r>
+            <a:endParaRPr lang="en-US" dirty="0"/>
+          </a:p>
+        </p:txBody>
+      </p:sp>
+      <p:sp>
+        <p:nvSpPr>
+          <p:cNvPr id="25" name="Rectangle 24">
+            <a:extLst>
+              <a:ext uri="{FF2B5EF4-FFF2-40B4-BE49-F238E27FC236}">
+                <a16:creationId xmlns:a16="http://schemas.microsoft.com/office/drawing/2014/main" id="{0C92EBCD-3CA1-934A-95E4-7404DE3EBFC1}"/>
+              </a:ext>
+            </a:extLst>
+          </p:cNvPr>
+          <p:cNvSpPr/>
+          <p:nvPr/>
+        </p:nvSpPr>
+        <p:spPr>
+          <a:xfrm>
+            <a:off x="2669981" y="2499081"/>
+            <a:ext cx="568738" cy="650170"/>
+          </a:xfrm>
+          <a:prstGeom prst="rect">
+            <a:avLst/>
+          </a:prstGeom>
+          <a:noFill/>
+        </p:spPr>
+        <p:style>
+          <a:lnRef idx="2">
+            <a:schemeClr val="dk1"/>
+          </a:lnRef>
+          <a:fillRef idx="1">
+            <a:schemeClr val="lt1"/>
+          </a:fillRef>
+          <a:effectRef idx="0">
+            <a:schemeClr val="dk1"/>
+          </a:effectRef>
+          <a:fontRef idx="minor">
+            <a:schemeClr val="dk1"/>
+          </a:fontRef>
+        </p:style>
+        <p:txBody>
+          <a:bodyPr rtlCol="0" anchor="ctr"/>
+          <a:lstStyle/>
+          <a:p>
+            <a:pPr algn="ctr"/>
+            <a:endParaRPr lang="en-US"/>
+          </a:p>
+        </p:txBody>
+      </p:sp>
+      <p:pic>
+        <p:nvPicPr>
+          <p:cNvPr id="26" name="Picture 25">
+            <a:extLst>
+              <a:ext uri="{FF2B5EF4-FFF2-40B4-BE49-F238E27FC236}">
+                <a16:creationId xmlns:a16="http://schemas.microsoft.com/office/drawing/2014/main" id="{7F77F088-33EC-1C47-AFE7-455135B6923B}"/>
+              </a:ext>
+            </a:extLst>
+          </p:cNvPr>
+          <p:cNvPicPr>
+            <a:picLocks noChangeAspect="1"/>
+          </p:cNvPicPr>
+          <p:nvPr/>
+        </p:nvPicPr>
+        <p:blipFill>
+          <a:blip r:embed="rId5"/>
+          <a:stretch>
+            <a:fillRect/>
+          </a:stretch>
+        </p:blipFill>
+        <p:spPr>
+          <a:xfrm>
+            <a:off x="2896224" y="2611337"/>
+            <a:ext cx="114300" cy="431800"/>
+          </a:xfrm>
+          <a:prstGeom prst="rect">
+            <a:avLst/>
+          </a:prstGeom>
+        </p:spPr>
+      </p:pic>
+      <p:cxnSp>
+        <p:nvCxnSpPr>
+          <p:cNvPr id="28" name="Straight Arrow Connector 27">
+            <a:extLst>
+              <a:ext uri="{FF2B5EF4-FFF2-40B4-BE49-F238E27FC236}">
+                <a16:creationId xmlns:a16="http://schemas.microsoft.com/office/drawing/2014/main" id="{A189A633-26B3-6049-9DC9-3942F49F54DC}"/>
+              </a:ext>
+            </a:extLst>
+          </p:cNvPr>
+          <p:cNvCxnSpPr>
+            <a:cxnSpLocks/>
+            <a:endCxn id="25" idx="1"/>
+          </p:cNvCxnSpPr>
+          <p:nvPr/>
+        </p:nvCxnSpPr>
+        <p:spPr>
+          <a:xfrm>
+            <a:off x="2019631" y="2824166"/>
+            <a:ext cx="650350" cy="0"/>
+          </a:xfrm>
+          <a:prstGeom prst="straightConnector1">
+            <a:avLst/>
+          </a:prstGeom>
+          <a:ln>
+            <a:solidFill>
+              <a:schemeClr val="tx1"/>
+            </a:solidFill>
+            <a:tailEnd type="triangle"/>
+          </a:ln>
+          <a:effectLst/>
+        </p:spPr>
+        <p:style>
+          <a:lnRef idx="2">
+            <a:schemeClr val="accent1"/>
+          </a:lnRef>
+          <a:fillRef idx="0">
+            <a:schemeClr val="accent1"/>
+          </a:fillRef>
+          <a:effectRef idx="1">
+            <a:schemeClr val="accent1"/>
+          </a:effectRef>
+          <a:fontRef idx="minor">
+            <a:schemeClr val="tx1"/>
+          </a:fontRef>
+        </p:style>
+      </p:cxnSp>
+      <p:pic>
+        <p:nvPicPr>
+          <p:cNvPr id="31" name="Picture 30">
+            <a:extLst>
+              <a:ext uri="{FF2B5EF4-FFF2-40B4-BE49-F238E27FC236}">
+                <a16:creationId xmlns:a16="http://schemas.microsoft.com/office/drawing/2014/main" id="{B97F5B30-EAA6-A84C-9C37-9E66042B24A3}"/>
+              </a:ext>
+            </a:extLst>
+          </p:cNvPr>
+          <p:cNvPicPr>
+            <a:picLocks noChangeAspect="1"/>
+          </p:cNvPicPr>
+          <p:nvPr/>
+        </p:nvPicPr>
+        <p:blipFill>
+          <a:blip r:embed="rId6"/>
+          <a:stretch>
+            <a:fillRect/>
+          </a:stretch>
+        </p:blipFill>
+        <p:spPr>
+          <a:xfrm>
+            <a:off x="1777337" y="2530668"/>
+            <a:ext cx="558800" cy="190500"/>
+          </a:xfrm>
+          <a:prstGeom prst="rect">
+            <a:avLst/>
+          </a:prstGeom>
+        </p:spPr>
+      </p:pic>
+      <p:pic>
+        <p:nvPicPr>
+          <p:cNvPr id="32" name="Picture 31">
+            <a:extLst>
+              <a:ext uri="{FF2B5EF4-FFF2-40B4-BE49-F238E27FC236}">
+                <a16:creationId xmlns:a16="http://schemas.microsoft.com/office/drawing/2014/main" id="{A1BCEC7A-9B39-0A49-8285-C822BA0ECA95}"/>
+              </a:ext>
+            </a:extLst>
+          </p:cNvPr>
+          <p:cNvPicPr>
+            <a:picLocks noChangeAspect="1"/>
+          </p:cNvPicPr>
+          <p:nvPr/>
+        </p:nvPicPr>
+        <p:blipFill>
+          <a:blip r:embed="rId7"/>
+          <a:stretch>
+            <a:fillRect/>
+          </a:stretch>
+        </p:blipFill>
+        <p:spPr>
+          <a:xfrm>
+            <a:off x="6654303" y="1972587"/>
+            <a:ext cx="139700" cy="304800"/>
+          </a:xfrm>
+          <a:prstGeom prst="rect">
+            <a:avLst/>
+          </a:prstGeom>
+        </p:spPr>
+      </p:pic>
+      <p:pic>
+        <p:nvPicPr>
+          <p:cNvPr id="33" name="Picture 32">
+            <a:extLst>
+              <a:ext uri="{FF2B5EF4-FFF2-40B4-BE49-F238E27FC236}">
+                <a16:creationId xmlns:a16="http://schemas.microsoft.com/office/drawing/2014/main" id="{1360E95F-24FF-0E48-AAE9-72AFEEF612F8}"/>
+              </a:ext>
+            </a:extLst>
+          </p:cNvPr>
+          <p:cNvPicPr>
+            <a:picLocks noChangeAspect="1"/>
+          </p:cNvPicPr>
+          <p:nvPr/>
+        </p:nvPicPr>
+        <p:blipFill>
+          <a:blip r:embed="rId8"/>
+          <a:stretch>
+            <a:fillRect/>
+          </a:stretch>
+        </p:blipFill>
+        <p:spPr>
+          <a:xfrm>
+            <a:off x="3383501" y="2397208"/>
+            <a:ext cx="558800" cy="330200"/>
+          </a:xfrm>
+          <a:prstGeom prst="rect">
+            <a:avLst/>
+          </a:prstGeom>
+        </p:spPr>
+      </p:pic>
+      <p:pic>
+        <p:nvPicPr>
+          <p:cNvPr id="35" name="Picture 34">
+            <a:extLst>
+              <a:ext uri="{FF2B5EF4-FFF2-40B4-BE49-F238E27FC236}">
+                <a16:creationId xmlns:a16="http://schemas.microsoft.com/office/drawing/2014/main" id="{91FF9F8E-3694-654A-8F8D-FB482252CC88}"/>
+              </a:ext>
+            </a:extLst>
+          </p:cNvPr>
+          <p:cNvPicPr>
+            <a:picLocks noChangeAspect="1"/>
+          </p:cNvPicPr>
+          <p:nvPr/>
+        </p:nvPicPr>
+        <p:blipFill>
+          <a:blip r:embed="rId9"/>
+          <a:stretch>
+            <a:fillRect/>
+          </a:stretch>
+        </p:blipFill>
+        <p:spPr>
+          <a:xfrm>
+            <a:off x="2981187" y="1622729"/>
+            <a:ext cx="584200" cy="304800"/>
+          </a:xfrm>
+          <a:prstGeom prst="rect">
+            <a:avLst/>
+          </a:prstGeom>
+        </p:spPr>
+      </p:pic>
+    </p:spTree>
+    <p:extLst>
+      <p:ext uri="{BB962C8B-B14F-4D97-AF65-F5344CB8AC3E}">
+        <p14:creationId xmlns:p14="http://schemas.microsoft.com/office/powerpoint/2010/main" val="1349102418"/>
+      </p:ext>
+    </p:extLst>
+  </p:cSld>
+  <p:clrMapOvr>
+    <a:masterClrMapping/>
+  </p:clrMapOvr>
+</p:sld>
+</file>
+
+<file path=ppt/slides/slide3.xml><?xml version="1.0" encoding="utf-8"?>
+<p:sld xmlns:a="http://schemas.openxmlformats.org/drawingml/2006/main" xmlns:r="http://schemas.openxmlformats.org/officeDocument/2006/relationships" xmlns:p="http://schemas.openxmlformats.org/presentationml/2006/main">
+  <p:cSld>
+    <p:spTree>
+      <p:nvGrpSpPr>
+        <p:cNvPr id="1" name=""/>
+        <p:cNvGrpSpPr/>
+        <p:nvPr/>
+      </p:nvGrpSpPr>
+      <p:grpSpPr>
+        <a:xfrm>
+          <a:off x="0" y="0"/>
+          <a:ext cx="0" cy="0"/>
+          <a:chOff x="0" y="0"/>
+          <a:chExt cx="0" cy="0"/>
+        </a:xfrm>
+      </p:grpSpPr>
+      <p:sp>
+        <p:nvSpPr>
+          <p:cNvPr id="7" name="Rectangle 6">
+            <a:extLst>
+              <a:ext uri="{FF2B5EF4-FFF2-40B4-BE49-F238E27FC236}">
+                <a16:creationId xmlns:a16="http://schemas.microsoft.com/office/drawing/2014/main" id="{FBB259EA-D99D-974A-A580-4C3B859E91AF}"/>
+              </a:ext>
+            </a:extLst>
+          </p:cNvPr>
+          <p:cNvSpPr/>
+          <p:nvPr/>
+        </p:nvSpPr>
+        <p:spPr>
+          <a:xfrm>
+            <a:off x="3578488" y="1814170"/>
+            <a:ext cx="748964" cy="493096"/>
+          </a:xfrm>
+          <a:prstGeom prst="rect">
+            <a:avLst/>
+          </a:prstGeom>
+          <a:noFill/>
+        </p:spPr>
+        <p:style>
+          <a:lnRef idx="2">
+            <a:schemeClr val="dk1"/>
+          </a:lnRef>
+          <a:fillRef idx="1">
+            <a:schemeClr val="lt1"/>
+          </a:fillRef>
+          <a:effectRef idx="0">
+            <a:schemeClr val="dk1"/>
+          </a:effectRef>
+          <a:fontRef idx="minor">
+            <a:schemeClr val="dk1"/>
+          </a:fontRef>
+        </p:style>
+        <p:txBody>
+          <a:bodyPr rtlCol="0" anchor="ctr"/>
+          <a:lstStyle/>
+          <a:p>
+            <a:pPr algn="ctr"/>
+            <a:endParaRPr lang="en-US"/>
+          </a:p>
+        </p:txBody>
+      </p:sp>
+      <p:cxnSp>
+        <p:nvCxnSpPr>
+          <p:cNvPr id="11" name="Straight Arrow Connector 10">
+            <a:extLst>
+              <a:ext uri="{FF2B5EF4-FFF2-40B4-BE49-F238E27FC236}">
+                <a16:creationId xmlns:a16="http://schemas.microsoft.com/office/drawing/2014/main" id="{BC76CA9D-E36C-404D-9C8B-B0FD344631D8}"/>
+              </a:ext>
+            </a:extLst>
+          </p:cNvPr>
+          <p:cNvCxnSpPr>
+            <a:cxnSpLocks/>
+            <a:stCxn id="12" idx="6"/>
+            <a:endCxn id="7" idx="1"/>
+          </p:cNvCxnSpPr>
+          <p:nvPr/>
+        </p:nvCxnSpPr>
+        <p:spPr>
+          <a:xfrm flipV="1">
+            <a:off x="2936736" y="2060718"/>
+            <a:ext cx="641752" cy="3036"/>
+          </a:xfrm>
+          <a:prstGeom prst="straightConnector1">
+            <a:avLst/>
+          </a:prstGeom>
+          <a:ln>
+            <a:solidFill>
+              <a:schemeClr val="tx1"/>
+            </a:solidFill>
+            <a:tailEnd type="triangle"/>
+          </a:ln>
+          <a:effectLst/>
+        </p:spPr>
+        <p:style>
+          <a:lnRef idx="2">
+            <a:schemeClr val="accent1"/>
+          </a:lnRef>
+          <a:fillRef idx="0">
+            <a:schemeClr val="accent1"/>
+          </a:fillRef>
+          <a:effectRef idx="1">
+            <a:schemeClr val="accent1"/>
+          </a:effectRef>
+          <a:fontRef idx="minor">
+            <a:schemeClr val="tx1"/>
+          </a:fontRef>
+        </p:style>
+      </p:cxnSp>
+      <p:sp>
+        <p:nvSpPr>
+          <p:cNvPr id="12" name="Oval 11">
+            <a:extLst>
+              <a:ext uri="{FF2B5EF4-FFF2-40B4-BE49-F238E27FC236}">
+                <a16:creationId xmlns:a16="http://schemas.microsoft.com/office/drawing/2014/main" id="{E0B85B97-B710-784B-AFDC-A4FCE1CFB5F7}"/>
+              </a:ext>
+            </a:extLst>
+          </p:cNvPr>
+          <p:cNvSpPr/>
+          <p:nvPr/>
+        </p:nvSpPr>
+        <p:spPr>
+          <a:xfrm>
+            <a:off x="2577508" y="1900241"/>
+            <a:ext cx="359228" cy="327025"/>
+          </a:xfrm>
+          <a:prstGeom prst="ellipse">
+            <a:avLst/>
+          </a:prstGeom>
+        </p:spPr>
+        <p:style>
+          <a:lnRef idx="2">
+            <a:schemeClr val="dk1"/>
+          </a:lnRef>
+          <a:fillRef idx="1">
+            <a:schemeClr val="lt1"/>
+          </a:fillRef>
+          <a:effectRef idx="0">
+            <a:schemeClr val="dk1"/>
+          </a:effectRef>
+          <a:fontRef idx="minor">
+            <a:schemeClr val="dk1"/>
+          </a:fontRef>
+        </p:style>
+        <p:txBody>
+          <a:bodyPr rtlCol="0" anchor="ctr"/>
+          <a:lstStyle/>
+          <a:p>
+            <a:pPr algn="ctr"/>
+            <a:endParaRPr lang="en-US"/>
+          </a:p>
+        </p:txBody>
+      </p:sp>
+      <p:cxnSp>
+        <p:nvCxnSpPr>
+          <p:cNvPr id="14" name="Straight Arrow Connector 13">
+            <a:extLst>
+              <a:ext uri="{FF2B5EF4-FFF2-40B4-BE49-F238E27FC236}">
+                <a16:creationId xmlns:a16="http://schemas.microsoft.com/office/drawing/2014/main" id="{ACC87593-516D-6A47-91FF-F9A4C2F2D9F4}"/>
+              </a:ext>
+            </a:extLst>
+          </p:cNvPr>
+          <p:cNvCxnSpPr>
+            <a:cxnSpLocks/>
+            <a:endCxn id="12" idx="4"/>
+          </p:cNvCxnSpPr>
+          <p:nvPr/>
+        </p:nvCxnSpPr>
+        <p:spPr>
+          <a:xfrm flipV="1">
+            <a:off x="2757122" y="2227266"/>
+            <a:ext cx="0" cy="603483"/>
+          </a:xfrm>
+          <a:prstGeom prst="straightConnector1">
+            <a:avLst/>
+          </a:prstGeom>
+          <a:ln>
+            <a:solidFill>
+              <a:schemeClr val="tx1"/>
+            </a:solidFill>
+            <a:tailEnd type="triangle"/>
+          </a:ln>
+          <a:effectLst/>
+        </p:spPr>
+        <p:style>
+          <a:lnRef idx="2">
+            <a:schemeClr val="accent1"/>
+          </a:lnRef>
+          <a:fillRef idx="0">
+            <a:schemeClr val="accent1"/>
+          </a:fillRef>
+          <a:effectRef idx="1">
+            <a:schemeClr val="accent1"/>
+          </a:effectRef>
+          <a:fontRef idx="minor">
+            <a:schemeClr val="tx1"/>
+          </a:fontRef>
+        </p:style>
+      </p:cxnSp>
+      <p:cxnSp>
+        <p:nvCxnSpPr>
+          <p:cNvPr id="15" name="Straight Arrow Connector 14">
+            <a:extLst>
+              <a:ext uri="{FF2B5EF4-FFF2-40B4-BE49-F238E27FC236}">
+                <a16:creationId xmlns:a16="http://schemas.microsoft.com/office/drawing/2014/main" id="{BC891721-E3B6-0941-8304-23C7E963187A}"/>
+              </a:ext>
+            </a:extLst>
+          </p:cNvPr>
+          <p:cNvCxnSpPr>
+            <a:cxnSpLocks/>
+          </p:cNvCxnSpPr>
+          <p:nvPr/>
+        </p:nvCxnSpPr>
+        <p:spPr>
+          <a:xfrm>
+            <a:off x="7354111" y="2052535"/>
+            <a:ext cx="0" cy="768486"/>
+          </a:xfrm>
+          <a:prstGeom prst="straightConnector1">
+            <a:avLst/>
+          </a:prstGeom>
+          <a:ln>
+            <a:solidFill>
+              <a:schemeClr val="tx1"/>
+            </a:solidFill>
+            <a:tailEnd type="none"/>
+          </a:ln>
+          <a:effectLst/>
+        </p:spPr>
+        <p:style>
+          <a:lnRef idx="2">
+            <a:schemeClr val="accent1"/>
+          </a:lnRef>
+          <a:fillRef idx="0">
+            <a:schemeClr val="accent1"/>
+          </a:fillRef>
+          <a:effectRef idx="1">
+            <a:schemeClr val="accent1"/>
+          </a:effectRef>
+          <a:fontRef idx="minor">
+            <a:schemeClr val="tx1"/>
+          </a:fontRef>
+        </p:style>
+      </p:cxnSp>
+      <p:cxnSp>
+        <p:nvCxnSpPr>
+          <p:cNvPr id="16" name="Straight Arrow Connector 15">
+            <a:extLst>
+              <a:ext uri="{FF2B5EF4-FFF2-40B4-BE49-F238E27FC236}">
+                <a16:creationId xmlns:a16="http://schemas.microsoft.com/office/drawing/2014/main" id="{F1F4E7A6-2C92-884E-89F8-DD413FF98B44}"/>
+              </a:ext>
+            </a:extLst>
+          </p:cNvPr>
+          <p:cNvCxnSpPr>
+            <a:cxnSpLocks/>
+            <a:endCxn id="12" idx="2"/>
+          </p:cNvCxnSpPr>
+          <p:nvPr/>
+        </p:nvCxnSpPr>
+        <p:spPr>
+          <a:xfrm>
+            <a:off x="2137144" y="2063754"/>
+            <a:ext cx="440364" cy="0"/>
+          </a:xfrm>
+          <a:prstGeom prst="straightConnector1">
+            <a:avLst/>
+          </a:prstGeom>
+          <a:ln>
+            <a:solidFill>
+              <a:schemeClr val="tx1"/>
+            </a:solidFill>
+            <a:tailEnd type="triangle"/>
+          </a:ln>
+          <a:effectLst/>
+        </p:spPr>
+        <p:style>
+          <a:lnRef idx="2">
+            <a:schemeClr val="accent1"/>
+          </a:lnRef>
+          <a:fillRef idx="0">
+            <a:schemeClr val="accent1"/>
+          </a:fillRef>
+          <a:effectRef idx="1">
+            <a:schemeClr val="accent1"/>
+          </a:effectRef>
+          <a:fontRef idx="minor">
+            <a:schemeClr val="tx1"/>
+          </a:fontRef>
+        </p:style>
+      </p:cxnSp>
+      <p:cxnSp>
+        <p:nvCxnSpPr>
+          <p:cNvPr id="18" name="Straight Arrow Connector 17">
+            <a:extLst>
+              <a:ext uri="{FF2B5EF4-FFF2-40B4-BE49-F238E27FC236}">
+                <a16:creationId xmlns:a16="http://schemas.microsoft.com/office/drawing/2014/main" id="{E636E764-4213-0446-B4C0-14EACE217F59}"/>
+              </a:ext>
+            </a:extLst>
+          </p:cNvPr>
+          <p:cNvCxnSpPr>
+            <a:cxnSpLocks/>
+            <a:stCxn id="7" idx="3"/>
+            <a:endCxn id="28" idx="2"/>
+          </p:cNvCxnSpPr>
+          <p:nvPr/>
+        </p:nvCxnSpPr>
+        <p:spPr>
+          <a:xfrm flipV="1">
+            <a:off x="4327452" y="2057570"/>
+            <a:ext cx="486438" cy="3148"/>
+          </a:xfrm>
+          <a:prstGeom prst="straightConnector1">
+            <a:avLst/>
+          </a:prstGeom>
+          <a:ln>
+            <a:solidFill>
+              <a:schemeClr val="tx1"/>
+            </a:solidFill>
+            <a:tailEnd type="triangle"/>
+          </a:ln>
+          <a:effectLst/>
+        </p:spPr>
+        <p:style>
+          <a:lnRef idx="2">
+            <a:schemeClr val="accent1"/>
+          </a:lnRef>
+          <a:fillRef idx="0">
+            <a:schemeClr val="accent1"/>
+          </a:fillRef>
+          <a:effectRef idx="1">
+            <a:schemeClr val="accent1"/>
+          </a:effectRef>
+          <a:fontRef idx="minor">
+            <a:schemeClr val="tx1"/>
+          </a:fontRef>
+        </p:style>
+      </p:cxnSp>
+      <p:pic>
+        <p:nvPicPr>
+          <p:cNvPr id="19" name="Picture 18">
+            <a:extLst>
+              <a:ext uri="{FF2B5EF4-FFF2-40B4-BE49-F238E27FC236}">
+                <a16:creationId xmlns:a16="http://schemas.microsoft.com/office/drawing/2014/main" id="{727B6C9E-DA06-4E4C-BAE7-3601DC648BA5}"/>
+              </a:ext>
+            </a:extLst>
+          </p:cNvPr>
+          <p:cNvPicPr>
+            <a:picLocks noChangeAspect="1"/>
+          </p:cNvPicPr>
+          <p:nvPr/>
+        </p:nvPicPr>
+        <p:blipFill>
+          <a:blip r:embed="rId2"/>
+          <a:stretch>
+            <a:fillRect/>
+          </a:stretch>
+        </p:blipFill>
+        <p:spPr>
+          <a:xfrm>
+            <a:off x="7040723" y="1667566"/>
+            <a:ext cx="152400" cy="152400"/>
+          </a:xfrm>
+          <a:prstGeom prst="rect">
+            <a:avLst/>
+          </a:prstGeom>
+        </p:spPr>
+      </p:pic>
+      <p:pic>
+        <p:nvPicPr>
+          <p:cNvPr id="20" name="Picture 19">
+            <a:extLst>
+              <a:ext uri="{FF2B5EF4-FFF2-40B4-BE49-F238E27FC236}">
+                <a16:creationId xmlns:a16="http://schemas.microsoft.com/office/drawing/2014/main" id="{E8654D58-0D11-6B48-A8C5-57DBFE52342D}"/>
+              </a:ext>
+            </a:extLst>
+          </p:cNvPr>
+          <p:cNvPicPr>
+            <a:picLocks noChangeAspect="1"/>
+          </p:cNvPicPr>
+          <p:nvPr/>
+        </p:nvPicPr>
+        <p:blipFill>
+          <a:blip r:embed="rId2"/>
+          <a:stretch>
+            <a:fillRect/>
+          </a:stretch>
+        </p:blipFill>
+        <p:spPr>
+          <a:xfrm>
+            <a:off x="6583524" y="2154495"/>
+            <a:ext cx="152400" cy="152400"/>
+          </a:xfrm>
+          <a:prstGeom prst="rect">
+            <a:avLst/>
+          </a:prstGeom>
+        </p:spPr>
+      </p:pic>
+      <p:sp>
+        <p:nvSpPr>
+          <p:cNvPr id="23" name="TextBox 22">
+            <a:extLst>
+              <a:ext uri="{FF2B5EF4-FFF2-40B4-BE49-F238E27FC236}">
+                <a16:creationId xmlns:a16="http://schemas.microsoft.com/office/drawing/2014/main" id="{E87DA33D-8BF8-2E43-9318-9CE664D5E144}"/>
+              </a:ext>
+            </a:extLst>
+          </p:cNvPr>
+          <p:cNvSpPr txBox="1"/>
+          <p:nvPr/>
+        </p:nvSpPr>
+        <p:spPr>
+          <a:xfrm>
+            <a:off x="3827721" y="6018028"/>
+            <a:ext cx="1607941" cy="369332"/>
+          </a:xfrm>
+          <a:prstGeom prst="rect">
+            <a:avLst/>
+          </a:prstGeom>
+          <a:noFill/>
+        </p:spPr>
+        <p:txBody>
+          <a:bodyPr wrap="none" rtlCol="0">
+            <a:spAutoFit/>
+          </a:bodyPr>
+          <a:lstStyle/>
+          <a:p>
+            <a:r>
+              <a:rPr lang="en-US" dirty="0" err="1"/>
+              <a:t>Feedback_loop</a:t>
+            </a:r>
+            <a:endParaRPr lang="en-US" dirty="0"/>
+          </a:p>
+        </p:txBody>
+      </p:sp>
+      <p:sp>
+        <p:nvSpPr>
+          <p:cNvPr id="28" name="Oval 27">
+            <a:extLst>
+              <a:ext uri="{FF2B5EF4-FFF2-40B4-BE49-F238E27FC236}">
+                <a16:creationId xmlns:a16="http://schemas.microsoft.com/office/drawing/2014/main" id="{DA90CD17-CB4A-9240-BE1E-48A51FD3A7D2}"/>
+              </a:ext>
+            </a:extLst>
+          </p:cNvPr>
+          <p:cNvSpPr/>
+          <p:nvPr/>
+        </p:nvSpPr>
+        <p:spPr>
+          <a:xfrm>
+            <a:off x="4813890" y="1894057"/>
+            <a:ext cx="359228" cy="327025"/>
+          </a:xfrm>
+          <a:prstGeom prst="ellipse">
+            <a:avLst/>
+          </a:prstGeom>
+        </p:spPr>
+        <p:style>
+          <a:lnRef idx="2">
+            <a:schemeClr val="dk1"/>
+          </a:lnRef>
+          <a:fillRef idx="1">
+            <a:schemeClr val="lt1"/>
+          </a:fillRef>
+          <a:effectRef idx="0">
+            <a:schemeClr val="dk1"/>
+          </a:effectRef>
+          <a:fontRef idx="minor">
+            <a:schemeClr val="dk1"/>
+          </a:fontRef>
+        </p:style>
+        <p:txBody>
+          <a:bodyPr rtlCol="0" anchor="ctr"/>
+          <a:lstStyle/>
+          <a:p>
+            <a:pPr algn="ctr"/>
+            <a:endParaRPr lang="en-US"/>
+          </a:p>
+        </p:txBody>
+      </p:sp>
+      <p:sp>
+        <p:nvSpPr>
+          <p:cNvPr id="31" name="Rectangle 30">
+            <a:extLst>
+              <a:ext uri="{FF2B5EF4-FFF2-40B4-BE49-F238E27FC236}">
+                <a16:creationId xmlns:a16="http://schemas.microsoft.com/office/drawing/2014/main" id="{75A6FAD3-D98A-CE4B-A97D-A38519199096}"/>
+              </a:ext>
+            </a:extLst>
+          </p:cNvPr>
+          <p:cNvSpPr/>
+          <p:nvPr/>
+        </p:nvSpPr>
+        <p:spPr>
+          <a:xfrm>
+            <a:off x="5520777" y="1810928"/>
+            <a:ext cx="748964" cy="493096"/>
+          </a:xfrm>
+          <a:prstGeom prst="rect">
+            <a:avLst/>
+          </a:prstGeom>
+          <a:noFill/>
+        </p:spPr>
+        <p:style>
+          <a:lnRef idx="2">
+            <a:schemeClr val="dk1"/>
+          </a:lnRef>
+          <a:fillRef idx="1">
+            <a:schemeClr val="lt1"/>
+          </a:fillRef>
+          <a:effectRef idx="0">
+            <a:schemeClr val="dk1"/>
+          </a:effectRef>
+          <a:fontRef idx="minor">
+            <a:schemeClr val="dk1"/>
+          </a:fontRef>
+        </p:style>
+        <p:txBody>
+          <a:bodyPr rtlCol="0" anchor="ctr"/>
+          <a:lstStyle/>
+          <a:p>
+            <a:pPr algn="ctr"/>
+            <a:endParaRPr lang="en-US"/>
+          </a:p>
+        </p:txBody>
+      </p:sp>
+      <p:cxnSp>
+        <p:nvCxnSpPr>
+          <p:cNvPr id="32" name="Straight Arrow Connector 31">
+            <a:extLst>
+              <a:ext uri="{FF2B5EF4-FFF2-40B4-BE49-F238E27FC236}">
+                <a16:creationId xmlns:a16="http://schemas.microsoft.com/office/drawing/2014/main" id="{BC1B7C32-E23E-954C-8C2F-C233544F3BD7}"/>
+              </a:ext>
+            </a:extLst>
+          </p:cNvPr>
+          <p:cNvCxnSpPr>
+            <a:cxnSpLocks/>
+            <a:stCxn id="28" idx="6"/>
+            <a:endCxn id="31" idx="1"/>
+          </p:cNvCxnSpPr>
+          <p:nvPr/>
+        </p:nvCxnSpPr>
+        <p:spPr>
+          <a:xfrm flipV="1">
+            <a:off x="5173118" y="2057476"/>
+            <a:ext cx="347659" cy="94"/>
+          </a:xfrm>
+          <a:prstGeom prst="straightConnector1">
+            <a:avLst/>
+          </a:prstGeom>
+          <a:ln>
+            <a:solidFill>
+              <a:schemeClr val="tx1"/>
+            </a:solidFill>
+            <a:tailEnd type="triangle"/>
+          </a:ln>
+          <a:effectLst/>
+        </p:spPr>
+        <p:style>
+          <a:lnRef idx="2">
+            <a:schemeClr val="accent1"/>
+          </a:lnRef>
+          <a:fillRef idx="0">
+            <a:schemeClr val="accent1"/>
+          </a:fillRef>
+          <a:effectRef idx="1">
+            <a:schemeClr val="accent1"/>
+          </a:effectRef>
+          <a:fontRef idx="minor">
+            <a:schemeClr val="tx1"/>
+          </a:fontRef>
+        </p:style>
+      </p:cxnSp>
+      <p:cxnSp>
+        <p:nvCxnSpPr>
+          <p:cNvPr id="35" name="Straight Arrow Connector 34">
+            <a:extLst>
+              <a:ext uri="{FF2B5EF4-FFF2-40B4-BE49-F238E27FC236}">
+                <a16:creationId xmlns:a16="http://schemas.microsoft.com/office/drawing/2014/main" id="{13776A14-9401-ED47-96E6-3A843D47DEDB}"/>
+              </a:ext>
+            </a:extLst>
+          </p:cNvPr>
+          <p:cNvCxnSpPr>
+            <a:cxnSpLocks/>
+            <a:stCxn id="31" idx="3"/>
+            <a:endCxn id="38" idx="2"/>
+          </p:cNvCxnSpPr>
+          <p:nvPr/>
+        </p:nvCxnSpPr>
+        <p:spPr>
+          <a:xfrm flipV="1">
+            <a:off x="6269741" y="2054328"/>
+            <a:ext cx="515619" cy="3148"/>
+          </a:xfrm>
+          <a:prstGeom prst="straightConnector1">
+            <a:avLst/>
+          </a:prstGeom>
+          <a:ln>
+            <a:solidFill>
+              <a:schemeClr val="tx1"/>
+            </a:solidFill>
+            <a:tailEnd type="triangle"/>
+          </a:ln>
+          <a:effectLst/>
+        </p:spPr>
+        <p:style>
+          <a:lnRef idx="2">
+            <a:schemeClr val="accent1"/>
+          </a:lnRef>
+          <a:fillRef idx="0">
+            <a:schemeClr val="accent1"/>
+          </a:fillRef>
+          <a:effectRef idx="1">
+            <a:schemeClr val="accent1"/>
+          </a:effectRef>
+          <a:fontRef idx="minor">
+            <a:schemeClr val="tx1"/>
+          </a:fontRef>
+        </p:style>
+      </p:cxnSp>
+      <p:sp>
+        <p:nvSpPr>
+          <p:cNvPr id="38" name="Oval 37">
+            <a:extLst>
+              <a:ext uri="{FF2B5EF4-FFF2-40B4-BE49-F238E27FC236}">
+                <a16:creationId xmlns:a16="http://schemas.microsoft.com/office/drawing/2014/main" id="{A610B7BA-E624-1642-8FA2-BE02F4D6FF39}"/>
+              </a:ext>
+            </a:extLst>
+          </p:cNvPr>
+          <p:cNvSpPr/>
+          <p:nvPr/>
+        </p:nvSpPr>
+        <p:spPr>
+          <a:xfrm>
+            <a:off x="6785360" y="1890815"/>
+            <a:ext cx="359228" cy="327025"/>
+          </a:xfrm>
+          <a:prstGeom prst="ellipse">
+            <a:avLst/>
+          </a:prstGeom>
+        </p:spPr>
+        <p:style>
+          <a:lnRef idx="2">
+            <a:schemeClr val="dk1"/>
+          </a:lnRef>
+          <a:fillRef idx="1">
+            <a:schemeClr val="lt1"/>
+          </a:fillRef>
+          <a:effectRef idx="0">
+            <a:schemeClr val="dk1"/>
+          </a:effectRef>
+          <a:fontRef idx="minor">
+            <a:schemeClr val="dk1"/>
+          </a:fontRef>
+        </p:style>
+        <p:txBody>
+          <a:bodyPr rtlCol="0" anchor="ctr"/>
+          <a:lstStyle/>
+          <a:p>
+            <a:pPr algn="ctr"/>
+            <a:endParaRPr lang="en-US"/>
+          </a:p>
+        </p:txBody>
+      </p:sp>
+      <p:cxnSp>
+        <p:nvCxnSpPr>
+          <p:cNvPr id="40" name="Straight Arrow Connector 39">
+            <a:extLst>
+              <a:ext uri="{FF2B5EF4-FFF2-40B4-BE49-F238E27FC236}">
+                <a16:creationId xmlns:a16="http://schemas.microsoft.com/office/drawing/2014/main" id="{E05655D1-CECF-C745-852E-12503462789D}"/>
+              </a:ext>
+            </a:extLst>
+          </p:cNvPr>
+          <p:cNvCxnSpPr>
+            <a:cxnSpLocks/>
+            <a:stCxn id="38" idx="6"/>
+          </p:cNvCxnSpPr>
+          <p:nvPr/>
+        </p:nvCxnSpPr>
+        <p:spPr>
+          <a:xfrm>
+            <a:off x="7144588" y="2054328"/>
+            <a:ext cx="472169" cy="0"/>
+          </a:xfrm>
+          <a:prstGeom prst="straightConnector1">
+            <a:avLst/>
+          </a:prstGeom>
+          <a:ln>
+            <a:solidFill>
+              <a:schemeClr val="tx1"/>
+            </a:solidFill>
+            <a:tailEnd type="triangle"/>
+          </a:ln>
+          <a:effectLst/>
+        </p:spPr>
+        <p:style>
+          <a:lnRef idx="2">
+            <a:schemeClr val="accent1"/>
+          </a:lnRef>
+          <a:fillRef idx="0">
+            <a:schemeClr val="accent1"/>
+          </a:fillRef>
+          <a:effectRef idx="1">
+            <a:schemeClr val="accent1"/>
+          </a:effectRef>
+          <a:fontRef idx="minor">
+            <a:schemeClr val="tx1"/>
+          </a:fontRef>
+        </p:style>
+      </p:cxnSp>
+      <p:cxnSp>
+        <p:nvCxnSpPr>
+          <p:cNvPr id="43" name="Straight Arrow Connector 42">
+            <a:extLst>
+              <a:ext uri="{FF2B5EF4-FFF2-40B4-BE49-F238E27FC236}">
+                <a16:creationId xmlns:a16="http://schemas.microsoft.com/office/drawing/2014/main" id="{6DFBE277-62E6-AB44-B98D-0466AE3DC129}"/>
+              </a:ext>
+            </a:extLst>
+          </p:cNvPr>
+          <p:cNvCxnSpPr>
+            <a:cxnSpLocks/>
+            <a:endCxn id="38" idx="0"/>
+          </p:cNvCxnSpPr>
+          <p:nvPr/>
+        </p:nvCxnSpPr>
+        <p:spPr>
+          <a:xfrm>
+            <a:off x="6964974" y="1400783"/>
+            <a:ext cx="0" cy="490032"/>
+          </a:xfrm>
+          <a:prstGeom prst="straightConnector1">
+            <a:avLst/>
+          </a:prstGeom>
+          <a:ln>
+            <a:solidFill>
+              <a:schemeClr val="tx1"/>
+            </a:solidFill>
+            <a:tailEnd type="triangle"/>
+          </a:ln>
+          <a:effectLst/>
+        </p:spPr>
+        <p:style>
+          <a:lnRef idx="2">
+            <a:schemeClr val="accent1"/>
+          </a:lnRef>
+          <a:fillRef idx="0">
+            <a:schemeClr val="accent1"/>
+          </a:fillRef>
+          <a:effectRef idx="1">
+            <a:schemeClr val="accent1"/>
+          </a:effectRef>
+          <a:fontRef idx="minor">
+            <a:schemeClr val="tx1"/>
+          </a:fontRef>
+        </p:style>
+      </p:cxnSp>
+      <p:cxnSp>
+        <p:nvCxnSpPr>
+          <p:cNvPr id="46" name="Straight Arrow Connector 45">
+            <a:extLst>
+              <a:ext uri="{FF2B5EF4-FFF2-40B4-BE49-F238E27FC236}">
+                <a16:creationId xmlns:a16="http://schemas.microsoft.com/office/drawing/2014/main" id="{911C6A37-33AE-794C-9820-2038451CA553}"/>
+              </a:ext>
+            </a:extLst>
+          </p:cNvPr>
+          <p:cNvCxnSpPr>
+            <a:cxnSpLocks/>
+            <a:endCxn id="28" idx="0"/>
+          </p:cNvCxnSpPr>
+          <p:nvPr/>
+        </p:nvCxnSpPr>
+        <p:spPr>
+          <a:xfrm>
+            <a:off x="4993504" y="1332689"/>
+            <a:ext cx="0" cy="561368"/>
+          </a:xfrm>
+          <a:prstGeom prst="straightConnector1">
+            <a:avLst/>
+          </a:prstGeom>
+          <a:ln>
+            <a:solidFill>
+              <a:schemeClr val="tx1"/>
+            </a:solidFill>
+            <a:tailEnd type="triangle"/>
+          </a:ln>
+          <a:effectLst/>
+        </p:spPr>
+        <p:style>
+          <a:lnRef idx="2">
+            <a:schemeClr val="accent1"/>
+          </a:lnRef>
+          <a:fillRef idx="0">
+            <a:schemeClr val="accent1"/>
+          </a:fillRef>
+          <a:effectRef idx="1">
+            <a:schemeClr val="accent1"/>
+          </a:effectRef>
+          <a:fontRef idx="minor">
+            <a:schemeClr val="tx1"/>
+          </a:fontRef>
+        </p:style>
+      </p:cxnSp>
+      <p:cxnSp>
+        <p:nvCxnSpPr>
+          <p:cNvPr id="52" name="Straight Arrow Connector 51">
+            <a:extLst>
+              <a:ext uri="{FF2B5EF4-FFF2-40B4-BE49-F238E27FC236}">
+                <a16:creationId xmlns:a16="http://schemas.microsoft.com/office/drawing/2014/main" id="{3E8F693B-A9D2-7042-9F82-35A708EF93E1}"/>
+              </a:ext>
+            </a:extLst>
+          </p:cNvPr>
+          <p:cNvCxnSpPr>
+            <a:cxnSpLocks/>
+          </p:cNvCxnSpPr>
+          <p:nvPr/>
+        </p:nvCxnSpPr>
+        <p:spPr>
+          <a:xfrm flipH="1">
+            <a:off x="2752928" y="2821022"/>
+            <a:ext cx="4610910" cy="0"/>
+          </a:xfrm>
+          <a:prstGeom prst="straightConnector1">
+            <a:avLst/>
+          </a:prstGeom>
+          <a:ln>
+            <a:solidFill>
+              <a:schemeClr val="tx1"/>
+            </a:solidFill>
+            <a:tailEnd type="none"/>
+          </a:ln>
+          <a:effectLst/>
+        </p:spPr>
+        <p:style>
+          <a:lnRef idx="2">
+            <a:schemeClr val="accent1"/>
+          </a:lnRef>
+          <a:fillRef idx="0">
+            <a:schemeClr val="accent1"/>
+          </a:fillRef>
+          <a:effectRef idx="1">
+            <a:schemeClr val="accent1"/>
+          </a:effectRef>
+          <a:fontRef idx="minor">
+            <a:schemeClr val="tx1"/>
+          </a:fontRef>
+        </p:style>
+      </p:cxnSp>
+      <p:pic>
+        <p:nvPicPr>
+          <p:cNvPr id="56" name="Picture 55">
+            <a:extLst>
+              <a:ext uri="{FF2B5EF4-FFF2-40B4-BE49-F238E27FC236}">
+                <a16:creationId xmlns:a16="http://schemas.microsoft.com/office/drawing/2014/main" id="{351E6000-58E1-0B40-88DD-D950104A042F}"/>
+              </a:ext>
+            </a:extLst>
+          </p:cNvPr>
+          <p:cNvPicPr>
+            <a:picLocks noChangeAspect="1"/>
+          </p:cNvPicPr>
+          <p:nvPr/>
+        </p:nvPicPr>
+        <p:blipFill>
+          <a:blip r:embed="rId2"/>
+          <a:stretch>
+            <a:fillRect/>
+          </a:stretch>
+        </p:blipFill>
+        <p:spPr>
+          <a:xfrm>
+            <a:off x="5101677" y="1684325"/>
+            <a:ext cx="152400" cy="152400"/>
+          </a:xfrm>
+          <a:prstGeom prst="rect">
+            <a:avLst/>
+          </a:prstGeom>
+        </p:spPr>
+      </p:pic>
+      <p:pic>
+        <p:nvPicPr>
+          <p:cNvPr id="57" name="Picture 56">
+            <a:extLst>
+              <a:ext uri="{FF2B5EF4-FFF2-40B4-BE49-F238E27FC236}">
+                <a16:creationId xmlns:a16="http://schemas.microsoft.com/office/drawing/2014/main" id="{D7E825AC-518E-2342-8B5F-5264D110B6C9}"/>
+              </a:ext>
+            </a:extLst>
+          </p:cNvPr>
+          <p:cNvPicPr>
+            <a:picLocks noChangeAspect="1"/>
+          </p:cNvPicPr>
+          <p:nvPr/>
+        </p:nvPicPr>
+        <p:blipFill>
+          <a:blip r:embed="rId2"/>
+          <a:stretch>
+            <a:fillRect/>
+          </a:stretch>
+        </p:blipFill>
+        <p:spPr>
+          <a:xfrm>
+            <a:off x="4625022" y="2151252"/>
+            <a:ext cx="152400" cy="152400"/>
+          </a:xfrm>
+          <a:prstGeom prst="rect">
+            <a:avLst/>
+          </a:prstGeom>
+        </p:spPr>
+      </p:pic>
+      <p:pic>
+        <p:nvPicPr>
+          <p:cNvPr id="58" name="Picture 57">
+            <a:extLst>
+              <a:ext uri="{FF2B5EF4-FFF2-40B4-BE49-F238E27FC236}">
+                <a16:creationId xmlns:a16="http://schemas.microsoft.com/office/drawing/2014/main" id="{A26692AF-9C12-5745-AF38-2E70CA20797C}"/>
+              </a:ext>
+            </a:extLst>
+          </p:cNvPr>
+          <p:cNvPicPr>
+            <a:picLocks noChangeAspect="1"/>
+          </p:cNvPicPr>
+          <p:nvPr/>
+        </p:nvPicPr>
+        <p:blipFill>
+          <a:blip r:embed="rId2"/>
+          <a:stretch>
+            <a:fillRect/>
+          </a:stretch>
+        </p:blipFill>
+        <p:spPr>
+          <a:xfrm>
+            <a:off x="2309839" y="1820512"/>
+            <a:ext cx="152400" cy="152400"/>
+          </a:xfrm>
+          <a:prstGeom prst="rect">
+            <a:avLst/>
+          </a:prstGeom>
+        </p:spPr>
+      </p:pic>
+      <p:pic>
+        <p:nvPicPr>
+          <p:cNvPr id="59" name="Picture 58">
+            <a:extLst>
+              <a:ext uri="{FF2B5EF4-FFF2-40B4-BE49-F238E27FC236}">
+                <a16:creationId xmlns:a16="http://schemas.microsoft.com/office/drawing/2014/main" id="{B188BBDE-92B8-0F43-A304-2F069CFE536D}"/>
+              </a:ext>
+            </a:extLst>
+          </p:cNvPr>
+          <p:cNvPicPr>
+            <a:picLocks noChangeAspect="1"/>
+          </p:cNvPicPr>
+          <p:nvPr/>
+        </p:nvPicPr>
+        <p:blipFill>
+          <a:blip r:embed="rId3"/>
+          <a:stretch>
+            <a:fillRect/>
+          </a:stretch>
+        </p:blipFill>
+        <p:spPr>
+          <a:xfrm>
+            <a:off x="2426916" y="2346257"/>
+            <a:ext cx="139700" cy="25400"/>
+          </a:xfrm>
+          <a:prstGeom prst="rect">
+            <a:avLst/>
+          </a:prstGeom>
+        </p:spPr>
+      </p:pic>
+      <p:pic>
+        <p:nvPicPr>
+          <p:cNvPr id="60" name="Picture 59">
+            <a:extLst>
+              <a:ext uri="{FF2B5EF4-FFF2-40B4-BE49-F238E27FC236}">
+                <a16:creationId xmlns:a16="http://schemas.microsoft.com/office/drawing/2014/main" id="{4DA3215B-E685-D54C-82A9-AB7C0831308C}"/>
+              </a:ext>
+            </a:extLst>
+          </p:cNvPr>
+          <p:cNvPicPr>
+            <a:picLocks noChangeAspect="1"/>
+          </p:cNvPicPr>
+          <p:nvPr/>
+        </p:nvPicPr>
+        <p:blipFill>
+          <a:blip r:embed="rId4"/>
+          <a:stretch>
+            <a:fillRect/>
+          </a:stretch>
+        </p:blipFill>
+        <p:spPr>
+          <a:xfrm>
+            <a:off x="5685142" y="1988361"/>
+            <a:ext cx="393700" cy="215900"/>
+          </a:xfrm>
+          <a:prstGeom prst="rect">
+            <a:avLst/>
+          </a:prstGeom>
+        </p:spPr>
+      </p:pic>
+      <p:pic>
+        <p:nvPicPr>
+          <p:cNvPr id="61" name="Picture 60">
+            <a:extLst>
+              <a:ext uri="{FF2B5EF4-FFF2-40B4-BE49-F238E27FC236}">
+                <a16:creationId xmlns:a16="http://schemas.microsoft.com/office/drawing/2014/main" id="{95A363E6-BBB1-F747-8207-7BB287A978F1}"/>
+              </a:ext>
+            </a:extLst>
+          </p:cNvPr>
+          <p:cNvPicPr>
+            <a:picLocks noChangeAspect="1"/>
+          </p:cNvPicPr>
+          <p:nvPr/>
+        </p:nvPicPr>
+        <p:blipFill>
+          <a:blip r:embed="rId5"/>
+          <a:stretch>
+            <a:fillRect/>
+          </a:stretch>
+        </p:blipFill>
+        <p:spPr>
+          <a:xfrm>
+            <a:off x="3768792" y="1978633"/>
+            <a:ext cx="393700" cy="215900"/>
+          </a:xfrm>
+          <a:prstGeom prst="rect">
+            <a:avLst/>
+          </a:prstGeom>
+        </p:spPr>
+      </p:pic>
+      <p:pic>
+        <p:nvPicPr>
+          <p:cNvPr id="63" name="Picture 62">
+            <a:extLst>
+              <a:ext uri="{FF2B5EF4-FFF2-40B4-BE49-F238E27FC236}">
+                <a16:creationId xmlns:a16="http://schemas.microsoft.com/office/drawing/2014/main" id="{4320CAF2-5124-6C4A-AC25-6BF7A1FC727A}"/>
+              </a:ext>
+            </a:extLst>
+          </p:cNvPr>
+          <p:cNvPicPr>
+            <a:picLocks noChangeAspect="1"/>
+          </p:cNvPicPr>
+          <p:nvPr/>
+        </p:nvPicPr>
+        <p:blipFill>
+          <a:blip r:embed="rId6"/>
+          <a:stretch>
+            <a:fillRect/>
+          </a:stretch>
+        </p:blipFill>
+        <p:spPr>
+          <a:xfrm>
+            <a:off x="7495026" y="1760841"/>
+            <a:ext cx="139700" cy="165100"/>
+          </a:xfrm>
+          <a:prstGeom prst="rect">
+            <a:avLst/>
+          </a:prstGeom>
+        </p:spPr>
+      </p:pic>
+      <p:pic>
+        <p:nvPicPr>
+          <p:cNvPr id="64" name="Picture 63">
+            <a:extLst>
+              <a:ext uri="{FF2B5EF4-FFF2-40B4-BE49-F238E27FC236}">
+                <a16:creationId xmlns:a16="http://schemas.microsoft.com/office/drawing/2014/main" id="{ECCC4A2B-050C-9641-A877-32D54AC8297D}"/>
+              </a:ext>
+            </a:extLst>
+          </p:cNvPr>
+          <p:cNvPicPr>
+            <a:picLocks noChangeAspect="1"/>
+          </p:cNvPicPr>
+          <p:nvPr/>
+        </p:nvPicPr>
+        <p:blipFill>
+          <a:blip r:embed="rId7"/>
+          <a:stretch>
+            <a:fillRect/>
+          </a:stretch>
+        </p:blipFill>
+        <p:spPr>
+          <a:xfrm>
+            <a:off x="1839878" y="1857713"/>
+            <a:ext cx="127000" cy="127000"/>
+          </a:xfrm>
+          <a:prstGeom prst="rect">
+            <a:avLst/>
+          </a:prstGeom>
+        </p:spPr>
+      </p:pic>
+      <p:pic>
+        <p:nvPicPr>
+          <p:cNvPr id="65" name="Picture 64">
+            <a:extLst>
+              <a:ext uri="{FF2B5EF4-FFF2-40B4-BE49-F238E27FC236}">
+                <a16:creationId xmlns:a16="http://schemas.microsoft.com/office/drawing/2014/main" id="{83DCF9EB-9E09-6440-A09E-5431BB2B1567}"/>
+              </a:ext>
+            </a:extLst>
+          </p:cNvPr>
+          <p:cNvPicPr>
+            <a:picLocks noChangeAspect="1"/>
+          </p:cNvPicPr>
+          <p:nvPr/>
+        </p:nvPicPr>
+        <p:blipFill>
+          <a:blip r:embed="rId8"/>
+          <a:stretch>
+            <a:fillRect/>
+          </a:stretch>
+        </p:blipFill>
+        <p:spPr>
+          <a:xfrm>
+            <a:off x="4687516" y="1164887"/>
+            <a:ext cx="190500" cy="228600"/>
+          </a:xfrm>
+          <a:prstGeom prst="rect">
+            <a:avLst/>
+          </a:prstGeom>
+        </p:spPr>
+      </p:pic>
+      <p:pic>
+        <p:nvPicPr>
+          <p:cNvPr id="66" name="Picture 65">
+            <a:extLst>
+              <a:ext uri="{FF2B5EF4-FFF2-40B4-BE49-F238E27FC236}">
+                <a16:creationId xmlns:a16="http://schemas.microsoft.com/office/drawing/2014/main" id="{6C35D302-5555-E546-B8A8-4AC646615920}"/>
+              </a:ext>
+            </a:extLst>
+          </p:cNvPr>
+          <p:cNvPicPr>
+            <a:picLocks noChangeAspect="1"/>
+          </p:cNvPicPr>
+          <p:nvPr/>
+        </p:nvPicPr>
+        <p:blipFill>
+          <a:blip r:embed="rId9"/>
+          <a:stretch>
+            <a:fillRect/>
+          </a:stretch>
+        </p:blipFill>
+        <p:spPr>
+          <a:xfrm>
+            <a:off x="6662636" y="1203798"/>
+            <a:ext cx="228600" cy="228600"/>
+          </a:xfrm>
+          <a:prstGeom prst="rect">
+            <a:avLst/>
+          </a:prstGeom>
+        </p:spPr>
+      </p:pic>
+    </p:spTree>
+    <p:extLst>
+      <p:ext uri="{BB962C8B-B14F-4D97-AF65-F5344CB8AC3E}">
+        <p14:creationId xmlns:p14="http://schemas.microsoft.com/office/powerpoint/2010/main" val="2912051497"/>
+      </p:ext>
+    </p:extLst>
+  </p:cSld>
+  <p:clrMapOvr>
+    <a:masterClrMapping/>
+  </p:clrMapOvr>
+</p:sld>
+</file>
+
+<file path=ppt/slides/slide4.xml><?xml version="1.0" encoding="utf-8"?>
+<p:sld xmlns:a="http://schemas.openxmlformats.org/drawingml/2006/main" xmlns:r="http://schemas.openxmlformats.org/officeDocument/2006/relationships" xmlns:p="http://schemas.openxmlformats.org/presentationml/2006/main">
+  <p:cSld>
+    <p:spTree>
+      <p:nvGrpSpPr>
+        <p:cNvPr id="1" name=""/>
+        <p:cNvGrpSpPr/>
+        <p:nvPr/>
+      </p:nvGrpSpPr>
+      <p:grpSpPr>
+        <a:xfrm>
+          <a:off x="0" y="0"/>
+          <a:ext cx="0" cy="0"/>
+          <a:chOff x="0" y="0"/>
+          <a:chExt cx="0" cy="0"/>
+        </a:xfrm>
+      </p:grpSpPr>
+      <p:sp>
+        <p:nvSpPr>
+          <p:cNvPr id="7" name="Rectangle 6">
+            <a:extLst>
+              <a:ext uri="{FF2B5EF4-FFF2-40B4-BE49-F238E27FC236}">
+                <a16:creationId xmlns:a16="http://schemas.microsoft.com/office/drawing/2014/main" id="{FBB259EA-D99D-974A-A580-4C3B859E91AF}"/>
+              </a:ext>
+            </a:extLst>
+          </p:cNvPr>
+          <p:cNvSpPr/>
+          <p:nvPr/>
+        </p:nvSpPr>
+        <p:spPr>
+          <a:xfrm>
+            <a:off x="3578488" y="1814170"/>
+            <a:ext cx="748964" cy="493096"/>
+          </a:xfrm>
+          <a:prstGeom prst="rect">
+            <a:avLst/>
+          </a:prstGeom>
+          <a:noFill/>
+        </p:spPr>
+        <p:style>
+          <a:lnRef idx="2">
+            <a:schemeClr val="dk1"/>
+          </a:lnRef>
+          <a:fillRef idx="1">
+            <a:schemeClr val="lt1"/>
+          </a:fillRef>
+          <a:effectRef idx="0">
+            <a:schemeClr val="dk1"/>
+          </a:effectRef>
+          <a:fontRef idx="minor">
+            <a:schemeClr val="dk1"/>
+          </a:fontRef>
+        </p:style>
+        <p:txBody>
+          <a:bodyPr rtlCol="0" anchor="ctr"/>
+          <a:lstStyle/>
+          <a:p>
+            <a:pPr algn="ctr"/>
+            <a:endParaRPr lang="en-US"/>
+          </a:p>
+        </p:txBody>
+      </p:sp>
+      <p:cxnSp>
+        <p:nvCxnSpPr>
+          <p:cNvPr id="11" name="Straight Arrow Connector 10">
+            <a:extLst>
+              <a:ext uri="{FF2B5EF4-FFF2-40B4-BE49-F238E27FC236}">
+                <a16:creationId xmlns:a16="http://schemas.microsoft.com/office/drawing/2014/main" id="{BC76CA9D-E36C-404D-9C8B-B0FD344631D8}"/>
+              </a:ext>
+            </a:extLst>
+          </p:cNvPr>
+          <p:cNvCxnSpPr>
+            <a:cxnSpLocks/>
+            <a:stCxn id="12" idx="6"/>
+            <a:endCxn id="7" idx="1"/>
+          </p:cNvCxnSpPr>
+          <p:nvPr/>
+        </p:nvCxnSpPr>
+        <p:spPr>
+          <a:xfrm flipV="1">
+            <a:off x="2936736" y="2060718"/>
+            <a:ext cx="641752" cy="3036"/>
+          </a:xfrm>
+          <a:prstGeom prst="straightConnector1">
+            <a:avLst/>
+          </a:prstGeom>
+          <a:ln>
+            <a:solidFill>
+              <a:schemeClr val="tx1"/>
+            </a:solidFill>
+            <a:tailEnd type="triangle"/>
+          </a:ln>
+          <a:effectLst/>
+        </p:spPr>
+        <p:style>
+          <a:lnRef idx="2">
+            <a:schemeClr val="accent1"/>
+          </a:lnRef>
+          <a:fillRef idx="0">
+            <a:schemeClr val="accent1"/>
+          </a:fillRef>
+          <a:effectRef idx="1">
+            <a:schemeClr val="accent1"/>
+          </a:effectRef>
+          <a:fontRef idx="minor">
+            <a:schemeClr val="tx1"/>
+          </a:fontRef>
+        </p:style>
+      </p:cxnSp>
+      <p:sp>
+        <p:nvSpPr>
+          <p:cNvPr id="12" name="Oval 11">
+            <a:extLst>
+              <a:ext uri="{FF2B5EF4-FFF2-40B4-BE49-F238E27FC236}">
+                <a16:creationId xmlns:a16="http://schemas.microsoft.com/office/drawing/2014/main" id="{E0B85B97-B710-784B-AFDC-A4FCE1CFB5F7}"/>
+              </a:ext>
+            </a:extLst>
+          </p:cNvPr>
+          <p:cNvSpPr/>
+          <p:nvPr/>
+        </p:nvSpPr>
+        <p:spPr>
+          <a:xfrm>
+            <a:off x="2577508" y="1900241"/>
+            <a:ext cx="359228" cy="327025"/>
+          </a:xfrm>
+          <a:prstGeom prst="ellipse">
+            <a:avLst/>
+          </a:prstGeom>
+        </p:spPr>
+        <p:style>
+          <a:lnRef idx="2">
+            <a:schemeClr val="dk1"/>
+          </a:lnRef>
+          <a:fillRef idx="1">
+            <a:schemeClr val="lt1"/>
+          </a:fillRef>
+          <a:effectRef idx="0">
+            <a:schemeClr val="dk1"/>
+          </a:effectRef>
+          <a:fontRef idx="minor">
+            <a:schemeClr val="dk1"/>
+          </a:fontRef>
+        </p:style>
+        <p:txBody>
+          <a:bodyPr rtlCol="0" anchor="ctr"/>
+          <a:lstStyle/>
+          <a:p>
+            <a:pPr algn="ctr"/>
+            <a:endParaRPr lang="en-US"/>
+          </a:p>
+        </p:txBody>
+      </p:sp>
+      <p:cxnSp>
+        <p:nvCxnSpPr>
+          <p:cNvPr id="14" name="Straight Arrow Connector 13">
+            <a:extLst>
+              <a:ext uri="{FF2B5EF4-FFF2-40B4-BE49-F238E27FC236}">
+                <a16:creationId xmlns:a16="http://schemas.microsoft.com/office/drawing/2014/main" id="{ACC87593-516D-6A47-91FF-F9A4C2F2D9F4}"/>
+              </a:ext>
+            </a:extLst>
+          </p:cNvPr>
+          <p:cNvCxnSpPr>
+            <a:cxnSpLocks/>
+            <a:endCxn id="12" idx="4"/>
+          </p:cNvCxnSpPr>
+          <p:nvPr/>
+        </p:nvCxnSpPr>
+        <p:spPr>
+          <a:xfrm flipV="1">
+            <a:off x="2757122" y="2227266"/>
+            <a:ext cx="0" cy="603483"/>
+          </a:xfrm>
+          <a:prstGeom prst="straightConnector1">
+            <a:avLst/>
+          </a:prstGeom>
+          <a:ln>
+            <a:solidFill>
+              <a:schemeClr val="tx1"/>
+            </a:solidFill>
+            <a:tailEnd type="triangle"/>
+          </a:ln>
+          <a:effectLst/>
+        </p:spPr>
+        <p:style>
+          <a:lnRef idx="2">
+            <a:schemeClr val="accent1"/>
+          </a:lnRef>
+          <a:fillRef idx="0">
+            <a:schemeClr val="accent1"/>
+          </a:fillRef>
+          <a:effectRef idx="1">
+            <a:schemeClr val="accent1"/>
+          </a:effectRef>
+          <a:fontRef idx="minor">
+            <a:schemeClr val="tx1"/>
+          </a:fontRef>
+        </p:style>
+      </p:cxnSp>
+      <p:cxnSp>
+        <p:nvCxnSpPr>
+          <p:cNvPr id="15" name="Straight Arrow Connector 14">
+            <a:extLst>
+              <a:ext uri="{FF2B5EF4-FFF2-40B4-BE49-F238E27FC236}">
+                <a16:creationId xmlns:a16="http://schemas.microsoft.com/office/drawing/2014/main" id="{BC891721-E3B6-0941-8304-23C7E963187A}"/>
+              </a:ext>
+            </a:extLst>
+          </p:cNvPr>
+          <p:cNvCxnSpPr>
+            <a:cxnSpLocks/>
+          </p:cNvCxnSpPr>
+          <p:nvPr/>
+        </p:nvCxnSpPr>
+        <p:spPr>
+          <a:xfrm>
+            <a:off x="7354111" y="2052535"/>
+            <a:ext cx="0" cy="768486"/>
+          </a:xfrm>
+          <a:prstGeom prst="straightConnector1">
+            <a:avLst/>
+          </a:prstGeom>
+          <a:ln>
+            <a:solidFill>
+              <a:schemeClr val="tx1"/>
+            </a:solidFill>
+            <a:tailEnd type="none"/>
+          </a:ln>
+          <a:effectLst/>
+        </p:spPr>
+        <p:style>
+          <a:lnRef idx="2">
+            <a:schemeClr val="accent1"/>
+          </a:lnRef>
+          <a:fillRef idx="0">
+            <a:schemeClr val="accent1"/>
+          </a:fillRef>
+          <a:effectRef idx="1">
+            <a:schemeClr val="accent1"/>
+          </a:effectRef>
+          <a:fontRef idx="minor">
+            <a:schemeClr val="tx1"/>
+          </a:fontRef>
+        </p:style>
+      </p:cxnSp>
+      <p:cxnSp>
+        <p:nvCxnSpPr>
+          <p:cNvPr id="16" name="Straight Arrow Connector 15">
+            <a:extLst>
+              <a:ext uri="{FF2B5EF4-FFF2-40B4-BE49-F238E27FC236}">
+                <a16:creationId xmlns:a16="http://schemas.microsoft.com/office/drawing/2014/main" id="{F1F4E7A6-2C92-884E-89F8-DD413FF98B44}"/>
+              </a:ext>
+            </a:extLst>
+          </p:cNvPr>
+          <p:cNvCxnSpPr>
+            <a:cxnSpLocks/>
+            <a:endCxn id="12" idx="2"/>
+          </p:cNvCxnSpPr>
+          <p:nvPr/>
+        </p:nvCxnSpPr>
+        <p:spPr>
+          <a:xfrm>
+            <a:off x="2137144" y="2063754"/>
+            <a:ext cx="440364" cy="0"/>
+          </a:xfrm>
+          <a:prstGeom prst="straightConnector1">
+            <a:avLst/>
+          </a:prstGeom>
+          <a:ln>
+            <a:solidFill>
+              <a:schemeClr val="tx1"/>
+            </a:solidFill>
+            <a:tailEnd type="triangle"/>
+          </a:ln>
+          <a:effectLst/>
+        </p:spPr>
+        <p:style>
+          <a:lnRef idx="2">
+            <a:schemeClr val="accent1"/>
+          </a:lnRef>
+          <a:fillRef idx="0">
+            <a:schemeClr val="accent1"/>
+          </a:fillRef>
+          <a:effectRef idx="1">
+            <a:schemeClr val="accent1"/>
+          </a:effectRef>
+          <a:fontRef idx="minor">
+            <a:schemeClr val="tx1"/>
+          </a:fontRef>
+        </p:style>
+      </p:cxnSp>
+      <p:cxnSp>
+        <p:nvCxnSpPr>
+          <p:cNvPr id="18" name="Straight Arrow Connector 17">
+            <a:extLst>
+              <a:ext uri="{FF2B5EF4-FFF2-40B4-BE49-F238E27FC236}">
+                <a16:creationId xmlns:a16="http://schemas.microsoft.com/office/drawing/2014/main" id="{E636E764-4213-0446-B4C0-14EACE217F59}"/>
+              </a:ext>
+            </a:extLst>
+          </p:cNvPr>
+          <p:cNvCxnSpPr>
+            <a:cxnSpLocks/>
+            <a:stCxn id="7" idx="3"/>
+            <a:endCxn id="31" idx="1"/>
+          </p:cNvCxnSpPr>
+          <p:nvPr/>
+        </p:nvCxnSpPr>
+        <p:spPr>
+          <a:xfrm flipV="1">
+            <a:off x="4327452" y="2057476"/>
+            <a:ext cx="1193325" cy="3242"/>
+          </a:xfrm>
+          <a:prstGeom prst="straightConnector1">
+            <a:avLst/>
+          </a:prstGeom>
+          <a:ln>
+            <a:solidFill>
+              <a:schemeClr val="tx1"/>
+            </a:solidFill>
+            <a:tailEnd type="triangle"/>
+          </a:ln>
+          <a:effectLst/>
+        </p:spPr>
+        <p:style>
+          <a:lnRef idx="2">
+            <a:schemeClr val="accent1"/>
+          </a:lnRef>
+          <a:fillRef idx="0">
+            <a:schemeClr val="accent1"/>
+          </a:fillRef>
+          <a:effectRef idx="1">
+            <a:schemeClr val="accent1"/>
+          </a:effectRef>
+          <a:fontRef idx="minor">
+            <a:schemeClr val="tx1"/>
+          </a:fontRef>
+        </p:style>
+      </p:cxnSp>
+      <p:pic>
+        <p:nvPicPr>
+          <p:cNvPr id="19" name="Picture 18">
+            <a:extLst>
+              <a:ext uri="{FF2B5EF4-FFF2-40B4-BE49-F238E27FC236}">
+                <a16:creationId xmlns:a16="http://schemas.microsoft.com/office/drawing/2014/main" id="{727B6C9E-DA06-4E4C-BAE7-3601DC648BA5}"/>
+              </a:ext>
+            </a:extLst>
+          </p:cNvPr>
+          <p:cNvPicPr>
+            <a:picLocks noChangeAspect="1"/>
+          </p:cNvPicPr>
+          <p:nvPr/>
+        </p:nvPicPr>
+        <p:blipFill>
+          <a:blip r:embed="rId2"/>
+          <a:stretch>
+            <a:fillRect/>
+          </a:stretch>
+        </p:blipFill>
+        <p:spPr>
+          <a:xfrm>
+            <a:off x="7040723" y="1667566"/>
+            <a:ext cx="152400" cy="152400"/>
+          </a:xfrm>
+          <a:prstGeom prst="rect">
+            <a:avLst/>
+          </a:prstGeom>
+        </p:spPr>
+      </p:pic>
+      <p:pic>
+        <p:nvPicPr>
+          <p:cNvPr id="20" name="Picture 19">
+            <a:extLst>
+              <a:ext uri="{FF2B5EF4-FFF2-40B4-BE49-F238E27FC236}">
+                <a16:creationId xmlns:a16="http://schemas.microsoft.com/office/drawing/2014/main" id="{E8654D58-0D11-6B48-A8C5-57DBFE52342D}"/>
+              </a:ext>
+            </a:extLst>
+          </p:cNvPr>
+          <p:cNvPicPr>
+            <a:picLocks noChangeAspect="1"/>
+          </p:cNvPicPr>
+          <p:nvPr/>
+        </p:nvPicPr>
+        <p:blipFill>
+          <a:blip r:embed="rId2"/>
+          <a:stretch>
+            <a:fillRect/>
+          </a:stretch>
+        </p:blipFill>
+        <p:spPr>
+          <a:xfrm>
+            <a:off x="6583524" y="2154495"/>
+            <a:ext cx="152400" cy="152400"/>
+          </a:xfrm>
+          <a:prstGeom prst="rect">
+            <a:avLst/>
+          </a:prstGeom>
+        </p:spPr>
+      </p:pic>
+      <p:sp>
+        <p:nvSpPr>
+          <p:cNvPr id="23" name="TextBox 22">
+            <a:extLst>
+              <a:ext uri="{FF2B5EF4-FFF2-40B4-BE49-F238E27FC236}">
+                <a16:creationId xmlns:a16="http://schemas.microsoft.com/office/drawing/2014/main" id="{E87DA33D-8BF8-2E43-9318-9CE664D5E144}"/>
+              </a:ext>
+            </a:extLst>
+          </p:cNvPr>
+          <p:cNvSpPr txBox="1"/>
+          <p:nvPr/>
+        </p:nvSpPr>
+        <p:spPr>
+          <a:xfrm>
+            <a:off x="3827721" y="6018028"/>
+            <a:ext cx="2907784" cy="369332"/>
+          </a:xfrm>
+          <a:prstGeom prst="rect">
+            <a:avLst/>
+          </a:prstGeom>
+          <a:noFill/>
+        </p:spPr>
+        <p:txBody>
+          <a:bodyPr wrap="none" rtlCol="0">
+            <a:spAutoFit/>
+          </a:bodyPr>
+          <a:lstStyle/>
+          <a:p>
+            <a:r>
+              <a:rPr lang="en-US" dirty="0"/>
+              <a:t>Complementary_filter_roll_1</a:t>
+            </a:r>
+          </a:p>
+        </p:txBody>
+      </p:sp>
+      <p:sp>
+        <p:nvSpPr>
+          <p:cNvPr id="31" name="Rectangle 30">
+            <a:extLst>
+              <a:ext uri="{FF2B5EF4-FFF2-40B4-BE49-F238E27FC236}">
+                <a16:creationId xmlns:a16="http://schemas.microsoft.com/office/drawing/2014/main" id="{75A6FAD3-D98A-CE4B-A97D-A38519199096}"/>
+              </a:ext>
+            </a:extLst>
+          </p:cNvPr>
+          <p:cNvSpPr/>
+          <p:nvPr/>
+        </p:nvSpPr>
+        <p:spPr>
+          <a:xfrm>
+            <a:off x="5520777" y="1810928"/>
+            <a:ext cx="748964" cy="493096"/>
+          </a:xfrm>
+          <a:prstGeom prst="rect">
+            <a:avLst/>
+          </a:prstGeom>
+          <a:noFill/>
+        </p:spPr>
+        <p:style>
+          <a:lnRef idx="2">
+            <a:schemeClr val="dk1"/>
+          </a:lnRef>
+          <a:fillRef idx="1">
+            <a:schemeClr val="lt1"/>
+          </a:fillRef>
+          <a:effectRef idx="0">
+            <a:schemeClr val="dk1"/>
+          </a:effectRef>
+          <a:fontRef idx="minor">
+            <a:schemeClr val="dk1"/>
+          </a:fontRef>
+        </p:style>
+        <p:txBody>
+          <a:bodyPr rtlCol="0" anchor="ctr"/>
+          <a:lstStyle/>
+          <a:p>
+            <a:pPr algn="ctr"/>
+            <a:endParaRPr lang="en-US"/>
+          </a:p>
+        </p:txBody>
+      </p:sp>
+      <p:cxnSp>
+        <p:nvCxnSpPr>
+          <p:cNvPr id="35" name="Straight Arrow Connector 34">
+            <a:extLst>
+              <a:ext uri="{FF2B5EF4-FFF2-40B4-BE49-F238E27FC236}">
+                <a16:creationId xmlns:a16="http://schemas.microsoft.com/office/drawing/2014/main" id="{13776A14-9401-ED47-96E6-3A843D47DEDB}"/>
+              </a:ext>
+            </a:extLst>
+          </p:cNvPr>
+          <p:cNvCxnSpPr>
+            <a:cxnSpLocks/>
+            <a:stCxn id="31" idx="3"/>
+            <a:endCxn id="38" idx="2"/>
+          </p:cNvCxnSpPr>
+          <p:nvPr/>
+        </p:nvCxnSpPr>
+        <p:spPr>
+          <a:xfrm flipV="1">
+            <a:off x="6269741" y="2054328"/>
+            <a:ext cx="515619" cy="3148"/>
+          </a:xfrm>
+          <a:prstGeom prst="straightConnector1">
+            <a:avLst/>
+          </a:prstGeom>
+          <a:ln>
+            <a:solidFill>
+              <a:schemeClr val="tx1"/>
+            </a:solidFill>
+            <a:tailEnd type="triangle"/>
+          </a:ln>
+          <a:effectLst/>
+        </p:spPr>
+        <p:style>
+          <a:lnRef idx="2">
+            <a:schemeClr val="accent1"/>
+          </a:lnRef>
+          <a:fillRef idx="0">
+            <a:schemeClr val="accent1"/>
+          </a:fillRef>
+          <a:effectRef idx="1">
+            <a:schemeClr val="accent1"/>
+          </a:effectRef>
+          <a:fontRef idx="minor">
+            <a:schemeClr val="tx1"/>
+          </a:fontRef>
+        </p:style>
+      </p:cxnSp>
+      <p:sp>
+        <p:nvSpPr>
+          <p:cNvPr id="38" name="Oval 37">
+            <a:extLst>
+              <a:ext uri="{FF2B5EF4-FFF2-40B4-BE49-F238E27FC236}">
+                <a16:creationId xmlns:a16="http://schemas.microsoft.com/office/drawing/2014/main" id="{A610B7BA-E624-1642-8FA2-BE02F4D6FF39}"/>
+              </a:ext>
+            </a:extLst>
+          </p:cNvPr>
+          <p:cNvSpPr/>
+          <p:nvPr/>
+        </p:nvSpPr>
+        <p:spPr>
+          <a:xfrm>
+            <a:off x="6785360" y="1890815"/>
+            <a:ext cx="359228" cy="327025"/>
+          </a:xfrm>
+          <a:prstGeom prst="ellipse">
+            <a:avLst/>
+          </a:prstGeom>
+        </p:spPr>
+        <p:style>
+          <a:lnRef idx="2">
+            <a:schemeClr val="dk1"/>
+          </a:lnRef>
+          <a:fillRef idx="1">
+            <a:schemeClr val="lt1"/>
+          </a:fillRef>
+          <a:effectRef idx="0">
+            <a:schemeClr val="dk1"/>
+          </a:effectRef>
+          <a:fontRef idx="minor">
+            <a:schemeClr val="dk1"/>
+          </a:fontRef>
+        </p:style>
+        <p:txBody>
+          <a:bodyPr rtlCol="0" anchor="ctr"/>
+          <a:lstStyle/>
+          <a:p>
+            <a:pPr algn="ctr"/>
+            <a:endParaRPr lang="en-US"/>
+          </a:p>
+        </p:txBody>
+      </p:sp>
+      <p:cxnSp>
+        <p:nvCxnSpPr>
+          <p:cNvPr id="40" name="Straight Arrow Connector 39">
+            <a:extLst>
+              <a:ext uri="{FF2B5EF4-FFF2-40B4-BE49-F238E27FC236}">
+                <a16:creationId xmlns:a16="http://schemas.microsoft.com/office/drawing/2014/main" id="{E05655D1-CECF-C745-852E-12503462789D}"/>
+              </a:ext>
+            </a:extLst>
+          </p:cNvPr>
+          <p:cNvCxnSpPr>
+            <a:cxnSpLocks/>
+            <a:stCxn id="38" idx="6"/>
+          </p:cNvCxnSpPr>
+          <p:nvPr/>
+        </p:nvCxnSpPr>
+        <p:spPr>
+          <a:xfrm>
+            <a:off x="7144588" y="2054328"/>
+            <a:ext cx="472169" cy="0"/>
+          </a:xfrm>
+          <a:prstGeom prst="straightConnector1">
+            <a:avLst/>
+          </a:prstGeom>
+          <a:ln>
+            <a:solidFill>
+              <a:schemeClr val="tx1"/>
+            </a:solidFill>
+            <a:tailEnd type="triangle"/>
+          </a:ln>
+          <a:effectLst/>
+        </p:spPr>
+        <p:style>
+          <a:lnRef idx="2">
+            <a:schemeClr val="accent1"/>
+          </a:lnRef>
+          <a:fillRef idx="0">
+            <a:schemeClr val="accent1"/>
+          </a:fillRef>
+          <a:effectRef idx="1">
+            <a:schemeClr val="accent1"/>
+          </a:effectRef>
+          <a:fontRef idx="minor">
+            <a:schemeClr val="tx1"/>
+          </a:fontRef>
+        </p:style>
+      </p:cxnSp>
+      <p:cxnSp>
+        <p:nvCxnSpPr>
+          <p:cNvPr id="43" name="Straight Arrow Connector 42">
+            <a:extLst>
+              <a:ext uri="{FF2B5EF4-FFF2-40B4-BE49-F238E27FC236}">
+                <a16:creationId xmlns:a16="http://schemas.microsoft.com/office/drawing/2014/main" id="{6DFBE277-62E6-AB44-B98D-0466AE3DC129}"/>
+              </a:ext>
+            </a:extLst>
+          </p:cNvPr>
+          <p:cNvCxnSpPr>
+            <a:cxnSpLocks/>
+            <a:endCxn id="38" idx="0"/>
+          </p:cNvCxnSpPr>
+          <p:nvPr/>
+        </p:nvCxnSpPr>
+        <p:spPr>
+          <a:xfrm>
+            <a:off x="6964974" y="1400783"/>
+            <a:ext cx="0" cy="490032"/>
+          </a:xfrm>
+          <a:prstGeom prst="straightConnector1">
+            <a:avLst/>
+          </a:prstGeom>
+          <a:ln>
+            <a:solidFill>
+              <a:schemeClr val="tx1"/>
+            </a:solidFill>
+            <a:tailEnd type="triangle"/>
+          </a:ln>
+          <a:effectLst/>
+        </p:spPr>
+        <p:style>
+          <a:lnRef idx="2">
+            <a:schemeClr val="accent1"/>
+          </a:lnRef>
+          <a:fillRef idx="0">
+            <a:schemeClr val="accent1"/>
+          </a:fillRef>
+          <a:effectRef idx="1">
+            <a:schemeClr val="accent1"/>
+          </a:effectRef>
+          <a:fontRef idx="minor">
+            <a:schemeClr val="tx1"/>
+          </a:fontRef>
+        </p:style>
+      </p:cxnSp>
+      <p:cxnSp>
+        <p:nvCxnSpPr>
+          <p:cNvPr id="52" name="Straight Arrow Connector 51">
+            <a:extLst>
+              <a:ext uri="{FF2B5EF4-FFF2-40B4-BE49-F238E27FC236}">
+                <a16:creationId xmlns:a16="http://schemas.microsoft.com/office/drawing/2014/main" id="{3E8F693B-A9D2-7042-9F82-35A708EF93E1}"/>
+              </a:ext>
+            </a:extLst>
+          </p:cNvPr>
+          <p:cNvCxnSpPr>
+            <a:cxnSpLocks/>
+          </p:cNvCxnSpPr>
+          <p:nvPr/>
+        </p:nvCxnSpPr>
+        <p:spPr>
+          <a:xfrm flipH="1">
+            <a:off x="2752928" y="2821022"/>
+            <a:ext cx="4610910" cy="0"/>
+          </a:xfrm>
+          <a:prstGeom prst="straightConnector1">
+            <a:avLst/>
+          </a:prstGeom>
+          <a:ln>
+            <a:solidFill>
+              <a:schemeClr val="tx1"/>
+            </a:solidFill>
+            <a:tailEnd type="none"/>
+          </a:ln>
+          <a:effectLst/>
+        </p:spPr>
+        <p:style>
+          <a:lnRef idx="2">
+            <a:schemeClr val="accent1"/>
+          </a:lnRef>
+          <a:fillRef idx="0">
+            <a:schemeClr val="accent1"/>
+          </a:fillRef>
+          <a:effectRef idx="1">
+            <a:schemeClr val="accent1"/>
+          </a:effectRef>
+          <a:fontRef idx="minor">
+            <a:schemeClr val="tx1"/>
+          </a:fontRef>
+        </p:style>
+      </p:cxnSp>
+      <p:pic>
+        <p:nvPicPr>
+          <p:cNvPr id="58" name="Picture 57">
+            <a:extLst>
+              <a:ext uri="{FF2B5EF4-FFF2-40B4-BE49-F238E27FC236}">
+                <a16:creationId xmlns:a16="http://schemas.microsoft.com/office/drawing/2014/main" id="{A26692AF-9C12-5745-AF38-2E70CA20797C}"/>
+              </a:ext>
+            </a:extLst>
+          </p:cNvPr>
+          <p:cNvPicPr>
+            <a:picLocks noChangeAspect="1"/>
+          </p:cNvPicPr>
+          <p:nvPr/>
+        </p:nvPicPr>
+        <p:blipFill>
+          <a:blip r:embed="rId2"/>
+          <a:stretch>
+            <a:fillRect/>
+          </a:stretch>
+        </p:blipFill>
+        <p:spPr>
+          <a:xfrm>
+            <a:off x="2309839" y="1820512"/>
+            <a:ext cx="152400" cy="152400"/>
+          </a:xfrm>
+          <a:prstGeom prst="rect">
+            <a:avLst/>
+          </a:prstGeom>
+        </p:spPr>
+      </p:pic>
+      <p:pic>
+        <p:nvPicPr>
+          <p:cNvPr id="59" name="Picture 58">
+            <a:extLst>
+              <a:ext uri="{FF2B5EF4-FFF2-40B4-BE49-F238E27FC236}">
+                <a16:creationId xmlns:a16="http://schemas.microsoft.com/office/drawing/2014/main" id="{B188BBDE-92B8-0F43-A304-2F069CFE536D}"/>
+              </a:ext>
+            </a:extLst>
+          </p:cNvPr>
+          <p:cNvPicPr>
+            <a:picLocks noChangeAspect="1"/>
+          </p:cNvPicPr>
+          <p:nvPr/>
+        </p:nvPicPr>
+        <p:blipFill>
+          <a:blip r:embed="rId3"/>
+          <a:stretch>
+            <a:fillRect/>
+          </a:stretch>
+        </p:blipFill>
+        <p:spPr>
+          <a:xfrm>
+            <a:off x="2426916" y="2346257"/>
+            <a:ext cx="139700" cy="25400"/>
+          </a:xfrm>
+          <a:prstGeom prst="rect">
+            <a:avLst/>
+          </a:prstGeom>
+        </p:spPr>
+      </p:pic>
+      <p:pic>
+        <p:nvPicPr>
+          <p:cNvPr id="60" name="Picture 59">
+            <a:extLst>
+              <a:ext uri="{FF2B5EF4-FFF2-40B4-BE49-F238E27FC236}">
+                <a16:creationId xmlns:a16="http://schemas.microsoft.com/office/drawing/2014/main" id="{4DA3215B-E685-D54C-82A9-AB7C0831308C}"/>
+              </a:ext>
+            </a:extLst>
+          </p:cNvPr>
+          <p:cNvPicPr>
+            <a:picLocks noChangeAspect="1"/>
+          </p:cNvPicPr>
+          <p:nvPr/>
+        </p:nvPicPr>
+        <p:blipFill>
+          <a:blip r:embed="rId4"/>
+          <a:stretch>
+            <a:fillRect/>
+          </a:stretch>
+        </p:blipFill>
+        <p:spPr>
+          <a:xfrm>
+            <a:off x="5685142" y="1988361"/>
+            <a:ext cx="393700" cy="215900"/>
+          </a:xfrm>
+          <a:prstGeom prst="rect">
+            <a:avLst/>
+          </a:prstGeom>
+        </p:spPr>
+      </p:pic>
+      <p:pic>
+        <p:nvPicPr>
+          <p:cNvPr id="61" name="Picture 60">
+            <a:extLst>
+              <a:ext uri="{FF2B5EF4-FFF2-40B4-BE49-F238E27FC236}">
+                <a16:creationId xmlns:a16="http://schemas.microsoft.com/office/drawing/2014/main" id="{95A363E6-BBB1-F747-8207-7BB287A978F1}"/>
+              </a:ext>
+            </a:extLst>
+          </p:cNvPr>
+          <p:cNvPicPr>
+            <a:picLocks noChangeAspect="1"/>
+          </p:cNvPicPr>
+          <p:nvPr/>
+        </p:nvPicPr>
+        <p:blipFill>
+          <a:blip r:embed="rId5"/>
+          <a:stretch>
+            <a:fillRect/>
+          </a:stretch>
+        </p:blipFill>
+        <p:spPr>
+          <a:xfrm>
+            <a:off x="3768792" y="1978633"/>
+            <a:ext cx="393700" cy="215900"/>
+          </a:xfrm>
+          <a:prstGeom prst="rect">
+            <a:avLst/>
+          </a:prstGeom>
+        </p:spPr>
+      </p:pic>
+      <p:pic>
+        <p:nvPicPr>
+          <p:cNvPr id="2" name="Picture 1">
+            <a:extLst>
+              <a:ext uri="{FF2B5EF4-FFF2-40B4-BE49-F238E27FC236}">
+                <a16:creationId xmlns:a16="http://schemas.microsoft.com/office/drawing/2014/main" id="{DEAD7144-28B8-0745-A8B6-F2A0A9731E84}"/>
+              </a:ext>
+            </a:extLst>
+          </p:cNvPr>
+          <p:cNvPicPr>
+            <a:picLocks noChangeAspect="1"/>
+          </p:cNvPicPr>
+          <p:nvPr/>
+        </p:nvPicPr>
+        <p:blipFill>
+          <a:blip r:embed="rId6"/>
+          <a:stretch>
+            <a:fillRect/>
+          </a:stretch>
+        </p:blipFill>
+        <p:spPr>
+          <a:xfrm>
+            <a:off x="7426933" y="1632625"/>
+            <a:ext cx="139700" cy="304800"/>
+          </a:xfrm>
+          <a:prstGeom prst="rect">
+            <a:avLst/>
+          </a:prstGeom>
+        </p:spPr>
+      </p:pic>
+      <p:pic>
+        <p:nvPicPr>
+          <p:cNvPr id="3" name="Picture 2">
+            <a:extLst>
+              <a:ext uri="{FF2B5EF4-FFF2-40B4-BE49-F238E27FC236}">
+                <a16:creationId xmlns:a16="http://schemas.microsoft.com/office/drawing/2014/main" id="{12F45756-567A-CF4E-B4E5-DE0F1C2240DE}"/>
+              </a:ext>
+            </a:extLst>
+          </p:cNvPr>
+          <p:cNvPicPr>
+            <a:picLocks noChangeAspect="1"/>
+          </p:cNvPicPr>
+          <p:nvPr/>
+        </p:nvPicPr>
+        <p:blipFill>
+          <a:blip r:embed="rId7"/>
+          <a:stretch>
+            <a:fillRect/>
+          </a:stretch>
+        </p:blipFill>
+        <p:spPr>
+          <a:xfrm>
+            <a:off x="1426453" y="1613170"/>
+            <a:ext cx="584200" cy="304800"/>
+          </a:xfrm>
+          <a:prstGeom prst="rect">
+            <a:avLst/>
+          </a:prstGeom>
+        </p:spPr>
+      </p:pic>
+      <p:pic>
+        <p:nvPicPr>
+          <p:cNvPr id="4" name="Picture 3">
+            <a:extLst>
+              <a:ext uri="{FF2B5EF4-FFF2-40B4-BE49-F238E27FC236}">
+                <a16:creationId xmlns:a16="http://schemas.microsoft.com/office/drawing/2014/main" id="{3328CE0E-C52E-DE4D-B67D-5453B5C90EBB}"/>
+              </a:ext>
+            </a:extLst>
+          </p:cNvPr>
+          <p:cNvPicPr>
+            <a:picLocks noChangeAspect="1"/>
+          </p:cNvPicPr>
+          <p:nvPr/>
+        </p:nvPicPr>
+        <p:blipFill>
+          <a:blip r:embed="rId8"/>
+          <a:stretch>
+            <a:fillRect/>
+          </a:stretch>
+        </p:blipFill>
+        <p:spPr>
+          <a:xfrm>
+            <a:off x="6721273" y="938990"/>
+            <a:ext cx="558800" cy="330200"/>
+          </a:xfrm>
+          <a:prstGeom prst="rect">
+            <a:avLst/>
+          </a:prstGeom>
+        </p:spPr>
+      </p:pic>
+    </p:spTree>
+    <p:extLst>
+      <p:ext uri="{BB962C8B-B14F-4D97-AF65-F5344CB8AC3E}">
+        <p14:creationId xmlns:p14="http://schemas.microsoft.com/office/powerpoint/2010/main" val="3667930137"/>
+      </p:ext>
+    </p:extLst>
+  </p:cSld>
+  <p:clrMapOvr>
+    <a:masterClrMapping/>
+  </p:clrMapOvr>
+</p:sld>
+</file>
+
+<file path=ppt/slides/slide5.xml><?xml version="1.0" encoding="utf-8"?>
+<p:sld xmlns:a="http://schemas.openxmlformats.org/drawingml/2006/main" xmlns:r="http://schemas.openxmlformats.org/officeDocument/2006/relationships" xmlns:p="http://schemas.openxmlformats.org/presentationml/2006/main">
+  <p:cSld>
+    <p:spTree>
+      <p:nvGrpSpPr>
+        <p:cNvPr id="1" name=""/>
+        <p:cNvGrpSpPr/>
+        <p:nvPr/>
+      </p:nvGrpSpPr>
+      <p:grpSpPr>
+        <a:xfrm>
+          <a:off x="0" y="0"/>
+          <a:ext cx="0" cy="0"/>
+          <a:chOff x="0" y="0"/>
+          <a:chExt cx="0" cy="0"/>
+        </a:xfrm>
+      </p:grpSpPr>
+      <p:sp>
+        <p:nvSpPr>
+          <p:cNvPr id="7" name="Rectangle 6">
+            <a:extLst>
+              <a:ext uri="{FF2B5EF4-FFF2-40B4-BE49-F238E27FC236}">
+                <a16:creationId xmlns:a16="http://schemas.microsoft.com/office/drawing/2014/main" id="{FBB259EA-D99D-974A-A580-4C3B859E91AF}"/>
+              </a:ext>
+            </a:extLst>
+          </p:cNvPr>
+          <p:cNvSpPr/>
+          <p:nvPr/>
+        </p:nvSpPr>
+        <p:spPr>
+          <a:xfrm>
+            <a:off x="3773041" y="3059311"/>
+            <a:ext cx="748964" cy="493096"/>
+          </a:xfrm>
+          <a:prstGeom prst="rect">
+            <a:avLst/>
+          </a:prstGeom>
+          <a:noFill/>
+        </p:spPr>
+        <p:style>
+          <a:lnRef idx="2">
+            <a:schemeClr val="dk1"/>
+          </a:lnRef>
+          <a:fillRef idx="1">
+            <a:schemeClr val="lt1"/>
+          </a:fillRef>
+          <a:effectRef idx="0">
+            <a:schemeClr val="dk1"/>
+          </a:effectRef>
+          <a:fontRef idx="minor">
+            <a:schemeClr val="dk1"/>
+          </a:fontRef>
+        </p:style>
+        <p:txBody>
+          <a:bodyPr rtlCol="0" anchor="ctr"/>
+          <a:lstStyle/>
+          <a:p>
+            <a:pPr algn="ctr"/>
+            <a:endParaRPr lang="en-US"/>
+          </a:p>
+        </p:txBody>
+      </p:sp>
+      <p:cxnSp>
+        <p:nvCxnSpPr>
+          <p:cNvPr id="11" name="Straight Arrow Connector 10">
+            <a:extLst>
+              <a:ext uri="{FF2B5EF4-FFF2-40B4-BE49-F238E27FC236}">
+                <a16:creationId xmlns:a16="http://schemas.microsoft.com/office/drawing/2014/main" id="{BC76CA9D-E36C-404D-9C8B-B0FD344631D8}"/>
+              </a:ext>
+            </a:extLst>
+          </p:cNvPr>
+          <p:cNvCxnSpPr>
+            <a:cxnSpLocks/>
+            <a:stCxn id="12" idx="6"/>
+            <a:endCxn id="7" idx="1"/>
+          </p:cNvCxnSpPr>
+          <p:nvPr/>
+        </p:nvCxnSpPr>
+        <p:spPr>
+          <a:xfrm flipV="1">
+            <a:off x="3131289" y="3305859"/>
+            <a:ext cx="641752" cy="3036"/>
+          </a:xfrm>
+          <a:prstGeom prst="straightConnector1">
+            <a:avLst/>
+          </a:prstGeom>
+          <a:ln>
+            <a:solidFill>
+              <a:schemeClr val="tx1"/>
+            </a:solidFill>
+            <a:tailEnd type="triangle"/>
+          </a:ln>
+          <a:effectLst/>
+        </p:spPr>
+        <p:style>
+          <a:lnRef idx="2">
+            <a:schemeClr val="accent1"/>
+          </a:lnRef>
+          <a:fillRef idx="0">
+            <a:schemeClr val="accent1"/>
+          </a:fillRef>
+          <a:effectRef idx="1">
+            <a:schemeClr val="accent1"/>
+          </a:effectRef>
+          <a:fontRef idx="minor">
+            <a:schemeClr val="tx1"/>
+          </a:fontRef>
+        </p:style>
+      </p:cxnSp>
+      <p:sp>
+        <p:nvSpPr>
+          <p:cNvPr id="12" name="Oval 11">
+            <a:extLst>
+              <a:ext uri="{FF2B5EF4-FFF2-40B4-BE49-F238E27FC236}">
+                <a16:creationId xmlns:a16="http://schemas.microsoft.com/office/drawing/2014/main" id="{E0B85B97-B710-784B-AFDC-A4FCE1CFB5F7}"/>
+              </a:ext>
+            </a:extLst>
+          </p:cNvPr>
+          <p:cNvSpPr/>
+          <p:nvPr/>
+        </p:nvSpPr>
+        <p:spPr>
+          <a:xfrm>
+            <a:off x="2772061" y="3145382"/>
+            <a:ext cx="359228" cy="327025"/>
+          </a:xfrm>
+          <a:prstGeom prst="ellipse">
+            <a:avLst/>
+          </a:prstGeom>
+        </p:spPr>
+        <p:style>
+          <a:lnRef idx="2">
+            <a:schemeClr val="dk1"/>
+          </a:lnRef>
+          <a:fillRef idx="1">
+            <a:schemeClr val="lt1"/>
+          </a:fillRef>
+          <a:effectRef idx="0">
+            <a:schemeClr val="dk1"/>
+          </a:effectRef>
+          <a:fontRef idx="minor">
+            <a:schemeClr val="dk1"/>
+          </a:fontRef>
+        </p:style>
+        <p:txBody>
+          <a:bodyPr rtlCol="0" anchor="ctr"/>
+          <a:lstStyle/>
+          <a:p>
+            <a:pPr algn="ctr"/>
+            <a:endParaRPr lang="en-US"/>
+          </a:p>
+        </p:txBody>
+      </p:sp>
+      <p:cxnSp>
+        <p:nvCxnSpPr>
+          <p:cNvPr id="14" name="Straight Arrow Connector 13">
+            <a:extLst>
+              <a:ext uri="{FF2B5EF4-FFF2-40B4-BE49-F238E27FC236}">
+                <a16:creationId xmlns:a16="http://schemas.microsoft.com/office/drawing/2014/main" id="{ACC87593-516D-6A47-91FF-F9A4C2F2D9F4}"/>
+              </a:ext>
+            </a:extLst>
+          </p:cNvPr>
+          <p:cNvCxnSpPr>
+            <a:cxnSpLocks/>
+            <a:endCxn id="12" idx="4"/>
+          </p:cNvCxnSpPr>
+          <p:nvPr/>
+        </p:nvCxnSpPr>
+        <p:spPr>
+          <a:xfrm flipV="1">
+            <a:off x="2951675" y="3472407"/>
+            <a:ext cx="0" cy="603483"/>
+          </a:xfrm>
+          <a:prstGeom prst="straightConnector1">
+            <a:avLst/>
+          </a:prstGeom>
+          <a:ln>
+            <a:solidFill>
+              <a:schemeClr val="tx1"/>
+            </a:solidFill>
+            <a:tailEnd type="triangle"/>
+          </a:ln>
+          <a:effectLst/>
+        </p:spPr>
+        <p:style>
+          <a:lnRef idx="2">
+            <a:schemeClr val="accent1"/>
+          </a:lnRef>
+          <a:fillRef idx="0">
+            <a:schemeClr val="accent1"/>
+          </a:fillRef>
+          <a:effectRef idx="1">
+            <a:schemeClr val="accent1"/>
+          </a:effectRef>
+          <a:fontRef idx="minor">
+            <a:schemeClr val="tx1"/>
+          </a:fontRef>
+        </p:style>
+      </p:cxnSp>
+      <p:cxnSp>
+        <p:nvCxnSpPr>
+          <p:cNvPr id="15" name="Straight Arrow Connector 14">
+            <a:extLst>
+              <a:ext uri="{FF2B5EF4-FFF2-40B4-BE49-F238E27FC236}">
+                <a16:creationId xmlns:a16="http://schemas.microsoft.com/office/drawing/2014/main" id="{BC891721-E3B6-0941-8304-23C7E963187A}"/>
+              </a:ext>
+            </a:extLst>
+          </p:cNvPr>
+          <p:cNvCxnSpPr>
+            <a:cxnSpLocks/>
+          </p:cNvCxnSpPr>
+          <p:nvPr/>
+        </p:nvCxnSpPr>
+        <p:spPr>
+          <a:xfrm>
+            <a:off x="7548664" y="3297676"/>
+            <a:ext cx="0" cy="768486"/>
+          </a:xfrm>
+          <a:prstGeom prst="straightConnector1">
+            <a:avLst/>
+          </a:prstGeom>
+          <a:ln>
+            <a:solidFill>
+              <a:schemeClr val="tx1"/>
+            </a:solidFill>
+            <a:tailEnd type="none"/>
+          </a:ln>
+          <a:effectLst/>
+        </p:spPr>
+        <p:style>
+          <a:lnRef idx="2">
+            <a:schemeClr val="accent1"/>
+          </a:lnRef>
+          <a:fillRef idx="0">
+            <a:schemeClr val="accent1"/>
+          </a:fillRef>
+          <a:effectRef idx="1">
+            <a:schemeClr val="accent1"/>
+          </a:effectRef>
+          <a:fontRef idx="minor">
+            <a:schemeClr val="tx1"/>
+          </a:fontRef>
+        </p:style>
+      </p:cxnSp>
+      <p:cxnSp>
+        <p:nvCxnSpPr>
+          <p:cNvPr id="16" name="Straight Arrow Connector 15">
+            <a:extLst>
+              <a:ext uri="{FF2B5EF4-FFF2-40B4-BE49-F238E27FC236}">
+                <a16:creationId xmlns:a16="http://schemas.microsoft.com/office/drawing/2014/main" id="{F1F4E7A6-2C92-884E-89F8-DD413FF98B44}"/>
+              </a:ext>
+            </a:extLst>
+          </p:cNvPr>
+          <p:cNvCxnSpPr>
+            <a:cxnSpLocks/>
+            <a:endCxn id="12" idx="2"/>
+          </p:cNvCxnSpPr>
+          <p:nvPr/>
+        </p:nvCxnSpPr>
+        <p:spPr>
+          <a:xfrm>
+            <a:off x="2331697" y="3308895"/>
+            <a:ext cx="440364" cy="0"/>
+          </a:xfrm>
+          <a:prstGeom prst="straightConnector1">
+            <a:avLst/>
+          </a:prstGeom>
+          <a:ln>
+            <a:solidFill>
+              <a:schemeClr val="tx1"/>
+            </a:solidFill>
+            <a:tailEnd type="triangle"/>
+          </a:ln>
+          <a:effectLst/>
+        </p:spPr>
+        <p:style>
+          <a:lnRef idx="2">
+            <a:schemeClr val="accent1"/>
+          </a:lnRef>
+          <a:fillRef idx="0">
+            <a:schemeClr val="accent1"/>
+          </a:fillRef>
+          <a:effectRef idx="1">
+            <a:schemeClr val="accent1"/>
+          </a:effectRef>
+          <a:fontRef idx="minor">
+            <a:schemeClr val="tx1"/>
+          </a:fontRef>
+        </p:style>
+      </p:cxnSp>
+      <p:cxnSp>
+        <p:nvCxnSpPr>
+          <p:cNvPr id="18" name="Straight Arrow Connector 17">
+            <a:extLst>
+              <a:ext uri="{FF2B5EF4-FFF2-40B4-BE49-F238E27FC236}">
+                <a16:creationId xmlns:a16="http://schemas.microsoft.com/office/drawing/2014/main" id="{E636E764-4213-0446-B4C0-14EACE217F59}"/>
+              </a:ext>
+            </a:extLst>
+          </p:cNvPr>
+          <p:cNvCxnSpPr>
+            <a:cxnSpLocks/>
+            <a:stCxn id="7" idx="3"/>
+            <a:endCxn id="31" idx="1"/>
+          </p:cNvCxnSpPr>
+          <p:nvPr/>
+        </p:nvCxnSpPr>
+        <p:spPr>
+          <a:xfrm>
+            <a:off x="4522005" y="3305859"/>
+            <a:ext cx="1193325" cy="3338"/>
+          </a:xfrm>
+          <a:prstGeom prst="straightConnector1">
+            <a:avLst/>
+          </a:prstGeom>
+          <a:ln>
+            <a:solidFill>
+              <a:schemeClr val="tx1"/>
+            </a:solidFill>
+            <a:tailEnd type="triangle"/>
+          </a:ln>
+          <a:effectLst/>
+        </p:spPr>
+        <p:style>
+          <a:lnRef idx="2">
+            <a:schemeClr val="accent1"/>
+          </a:lnRef>
+          <a:fillRef idx="0">
+            <a:schemeClr val="accent1"/>
+          </a:fillRef>
+          <a:effectRef idx="1">
+            <a:schemeClr val="accent1"/>
+          </a:effectRef>
+          <a:fontRef idx="minor">
+            <a:schemeClr val="tx1"/>
+          </a:fontRef>
+        </p:style>
+      </p:cxnSp>
+      <p:pic>
+        <p:nvPicPr>
+          <p:cNvPr id="19" name="Picture 18">
+            <a:extLst>
+              <a:ext uri="{FF2B5EF4-FFF2-40B4-BE49-F238E27FC236}">
+                <a16:creationId xmlns:a16="http://schemas.microsoft.com/office/drawing/2014/main" id="{727B6C9E-DA06-4E4C-BAE7-3601DC648BA5}"/>
+              </a:ext>
+            </a:extLst>
+          </p:cNvPr>
+          <p:cNvPicPr>
+            <a:picLocks noChangeAspect="1"/>
+          </p:cNvPicPr>
+          <p:nvPr/>
+        </p:nvPicPr>
+        <p:blipFill>
+          <a:blip r:embed="rId2"/>
+          <a:stretch>
+            <a:fillRect/>
+          </a:stretch>
+        </p:blipFill>
+        <p:spPr>
+          <a:xfrm>
+            <a:off x="7235276" y="2912707"/>
+            <a:ext cx="152400" cy="152400"/>
+          </a:xfrm>
+          <a:prstGeom prst="rect">
+            <a:avLst/>
+          </a:prstGeom>
+        </p:spPr>
+      </p:pic>
+      <p:pic>
+        <p:nvPicPr>
+          <p:cNvPr id="20" name="Picture 19">
+            <a:extLst>
+              <a:ext uri="{FF2B5EF4-FFF2-40B4-BE49-F238E27FC236}">
+                <a16:creationId xmlns:a16="http://schemas.microsoft.com/office/drawing/2014/main" id="{E8654D58-0D11-6B48-A8C5-57DBFE52342D}"/>
+              </a:ext>
+            </a:extLst>
+          </p:cNvPr>
+          <p:cNvPicPr>
+            <a:picLocks noChangeAspect="1"/>
+          </p:cNvPicPr>
+          <p:nvPr/>
+        </p:nvPicPr>
+        <p:blipFill>
+          <a:blip r:embed="rId2"/>
+          <a:stretch>
+            <a:fillRect/>
+          </a:stretch>
+        </p:blipFill>
+        <p:spPr>
+          <a:xfrm>
+            <a:off x="6778077" y="3399636"/>
+            <a:ext cx="152400" cy="152400"/>
+          </a:xfrm>
+          <a:prstGeom prst="rect">
+            <a:avLst/>
+          </a:prstGeom>
+        </p:spPr>
+      </p:pic>
+      <p:sp>
+        <p:nvSpPr>
+          <p:cNvPr id="23" name="TextBox 22">
+            <a:extLst>
+              <a:ext uri="{FF2B5EF4-FFF2-40B4-BE49-F238E27FC236}">
+                <a16:creationId xmlns:a16="http://schemas.microsoft.com/office/drawing/2014/main" id="{E87DA33D-8BF8-2E43-9318-9CE664D5E144}"/>
+              </a:ext>
+            </a:extLst>
+          </p:cNvPr>
+          <p:cNvSpPr txBox="1"/>
+          <p:nvPr/>
+        </p:nvSpPr>
+        <p:spPr>
+          <a:xfrm>
+            <a:off x="3827721" y="6018028"/>
+            <a:ext cx="2907784" cy="369332"/>
+          </a:xfrm>
+          <a:prstGeom prst="rect">
+            <a:avLst/>
+          </a:prstGeom>
+          <a:noFill/>
+        </p:spPr>
+        <p:txBody>
+          <a:bodyPr wrap="none" rtlCol="0">
+            <a:spAutoFit/>
+          </a:bodyPr>
+          <a:lstStyle/>
+          <a:p>
+            <a:r>
+              <a:rPr lang="en-US" dirty="0"/>
+              <a:t>Complementary_filter_roll_2</a:t>
+            </a:r>
+          </a:p>
+        </p:txBody>
+      </p:sp>
+      <p:sp>
+        <p:nvSpPr>
+          <p:cNvPr id="31" name="Rectangle 30">
+            <a:extLst>
+              <a:ext uri="{FF2B5EF4-FFF2-40B4-BE49-F238E27FC236}">
+                <a16:creationId xmlns:a16="http://schemas.microsoft.com/office/drawing/2014/main" id="{75A6FAD3-D98A-CE4B-A97D-A38519199096}"/>
+              </a:ext>
+            </a:extLst>
+          </p:cNvPr>
+          <p:cNvSpPr/>
+          <p:nvPr/>
+        </p:nvSpPr>
+        <p:spPr>
+          <a:xfrm>
+            <a:off x="5715330" y="2984112"/>
+            <a:ext cx="568738" cy="650170"/>
+          </a:xfrm>
+          <a:prstGeom prst="rect">
+            <a:avLst/>
+          </a:prstGeom>
+          <a:noFill/>
+        </p:spPr>
+        <p:style>
+          <a:lnRef idx="2">
+            <a:schemeClr val="dk1"/>
+          </a:lnRef>
+          <a:fillRef idx="1">
+            <a:schemeClr val="lt1"/>
+          </a:fillRef>
+          <a:effectRef idx="0">
+            <a:schemeClr val="dk1"/>
+          </a:effectRef>
+          <a:fontRef idx="minor">
+            <a:schemeClr val="dk1"/>
+          </a:fontRef>
+        </p:style>
+        <p:txBody>
+          <a:bodyPr rtlCol="0" anchor="ctr"/>
+          <a:lstStyle/>
+          <a:p>
+            <a:pPr algn="ctr"/>
+            <a:endParaRPr lang="en-US"/>
+          </a:p>
+        </p:txBody>
+      </p:sp>
+      <p:cxnSp>
+        <p:nvCxnSpPr>
+          <p:cNvPr id="35" name="Straight Arrow Connector 34">
+            <a:extLst>
+              <a:ext uri="{FF2B5EF4-FFF2-40B4-BE49-F238E27FC236}">
+                <a16:creationId xmlns:a16="http://schemas.microsoft.com/office/drawing/2014/main" id="{13776A14-9401-ED47-96E6-3A843D47DEDB}"/>
+              </a:ext>
+            </a:extLst>
+          </p:cNvPr>
+          <p:cNvCxnSpPr>
+            <a:cxnSpLocks/>
+            <a:stCxn id="31" idx="3"/>
+            <a:endCxn id="38" idx="2"/>
+          </p:cNvCxnSpPr>
+          <p:nvPr/>
+        </p:nvCxnSpPr>
+        <p:spPr>
+          <a:xfrm>
+            <a:off x="6284068" y="3309197"/>
+            <a:ext cx="695845" cy="0"/>
+          </a:xfrm>
+          <a:prstGeom prst="straightConnector1">
+            <a:avLst/>
+          </a:prstGeom>
+          <a:ln>
+            <a:solidFill>
+              <a:schemeClr val="tx1"/>
+            </a:solidFill>
+            <a:tailEnd type="triangle"/>
+          </a:ln>
+          <a:effectLst/>
+        </p:spPr>
+        <p:style>
+          <a:lnRef idx="2">
+            <a:schemeClr val="accent1"/>
+          </a:lnRef>
+          <a:fillRef idx="0">
+            <a:schemeClr val="accent1"/>
+          </a:fillRef>
+          <a:effectRef idx="1">
+            <a:schemeClr val="accent1"/>
+          </a:effectRef>
+          <a:fontRef idx="minor">
+            <a:schemeClr val="tx1"/>
+          </a:fontRef>
+        </p:style>
+      </p:cxnSp>
+      <p:sp>
+        <p:nvSpPr>
+          <p:cNvPr id="38" name="Oval 37">
+            <a:extLst>
+              <a:ext uri="{FF2B5EF4-FFF2-40B4-BE49-F238E27FC236}">
+                <a16:creationId xmlns:a16="http://schemas.microsoft.com/office/drawing/2014/main" id="{A610B7BA-E624-1642-8FA2-BE02F4D6FF39}"/>
+              </a:ext>
+            </a:extLst>
+          </p:cNvPr>
+          <p:cNvSpPr/>
+          <p:nvPr/>
+        </p:nvSpPr>
+        <p:spPr>
+          <a:xfrm>
+            <a:off x="6979913" y="3145684"/>
+            <a:ext cx="359228" cy="327025"/>
+          </a:xfrm>
+          <a:prstGeom prst="ellipse">
+            <a:avLst/>
+          </a:prstGeom>
+        </p:spPr>
+        <p:style>
+          <a:lnRef idx="2">
+            <a:schemeClr val="dk1"/>
+          </a:lnRef>
+          <a:fillRef idx="1">
+            <a:schemeClr val="lt1"/>
+          </a:fillRef>
+          <a:effectRef idx="0">
+            <a:schemeClr val="dk1"/>
+          </a:effectRef>
+          <a:fontRef idx="minor">
+            <a:schemeClr val="dk1"/>
+          </a:fontRef>
+        </p:style>
+        <p:txBody>
+          <a:bodyPr rtlCol="0" anchor="ctr"/>
+          <a:lstStyle/>
+          <a:p>
+            <a:pPr algn="ctr"/>
+            <a:endParaRPr lang="en-US"/>
+          </a:p>
+        </p:txBody>
+      </p:sp>
+      <p:cxnSp>
+        <p:nvCxnSpPr>
+          <p:cNvPr id="40" name="Straight Arrow Connector 39">
+            <a:extLst>
+              <a:ext uri="{FF2B5EF4-FFF2-40B4-BE49-F238E27FC236}">
+                <a16:creationId xmlns:a16="http://schemas.microsoft.com/office/drawing/2014/main" id="{E05655D1-CECF-C745-852E-12503462789D}"/>
+              </a:ext>
+            </a:extLst>
+          </p:cNvPr>
+          <p:cNvCxnSpPr>
+            <a:cxnSpLocks/>
+            <a:stCxn id="38" idx="6"/>
+          </p:cNvCxnSpPr>
+          <p:nvPr/>
+        </p:nvCxnSpPr>
+        <p:spPr>
+          <a:xfrm>
+            <a:off x="7339141" y="3309197"/>
+            <a:ext cx="472169" cy="0"/>
+          </a:xfrm>
+          <a:prstGeom prst="straightConnector1">
+            <a:avLst/>
+          </a:prstGeom>
+          <a:ln>
+            <a:solidFill>
+              <a:schemeClr val="tx1"/>
+            </a:solidFill>
+            <a:tailEnd type="triangle"/>
+          </a:ln>
+          <a:effectLst/>
+        </p:spPr>
+        <p:style>
+          <a:lnRef idx="2">
+            <a:schemeClr val="accent1"/>
+          </a:lnRef>
+          <a:fillRef idx="0">
+            <a:schemeClr val="accent1"/>
+          </a:fillRef>
+          <a:effectRef idx="1">
+            <a:schemeClr val="accent1"/>
+          </a:effectRef>
+          <a:fontRef idx="minor">
+            <a:schemeClr val="tx1"/>
+          </a:fontRef>
+        </p:style>
+      </p:cxnSp>
+      <p:cxnSp>
+        <p:nvCxnSpPr>
+          <p:cNvPr id="43" name="Straight Arrow Connector 42">
+            <a:extLst>
+              <a:ext uri="{FF2B5EF4-FFF2-40B4-BE49-F238E27FC236}">
+                <a16:creationId xmlns:a16="http://schemas.microsoft.com/office/drawing/2014/main" id="{6DFBE277-62E6-AB44-B98D-0466AE3DC129}"/>
+              </a:ext>
+            </a:extLst>
+          </p:cNvPr>
+          <p:cNvCxnSpPr>
+            <a:cxnSpLocks/>
+            <a:stCxn id="34" idx="2"/>
+            <a:endCxn id="38" idx="0"/>
+          </p:cNvCxnSpPr>
+          <p:nvPr/>
+        </p:nvCxnSpPr>
+        <p:spPr>
+          <a:xfrm>
+            <a:off x="7154048" y="2541544"/>
+            <a:ext cx="5479" cy="604140"/>
+          </a:xfrm>
+          <a:prstGeom prst="straightConnector1">
+            <a:avLst/>
+          </a:prstGeom>
+          <a:ln>
+            <a:solidFill>
+              <a:schemeClr val="tx1"/>
+            </a:solidFill>
+            <a:tailEnd type="triangle"/>
+          </a:ln>
+          <a:effectLst/>
+        </p:spPr>
+        <p:style>
+          <a:lnRef idx="2">
+            <a:schemeClr val="accent1"/>
+          </a:lnRef>
+          <a:fillRef idx="0">
+            <a:schemeClr val="accent1"/>
+          </a:fillRef>
+          <a:effectRef idx="1">
+            <a:schemeClr val="accent1"/>
+          </a:effectRef>
+          <a:fontRef idx="minor">
+            <a:schemeClr val="tx1"/>
+          </a:fontRef>
+        </p:style>
+      </p:cxnSp>
+      <p:cxnSp>
+        <p:nvCxnSpPr>
+          <p:cNvPr id="52" name="Straight Arrow Connector 51">
+            <a:extLst>
+              <a:ext uri="{FF2B5EF4-FFF2-40B4-BE49-F238E27FC236}">
+                <a16:creationId xmlns:a16="http://schemas.microsoft.com/office/drawing/2014/main" id="{3E8F693B-A9D2-7042-9F82-35A708EF93E1}"/>
+              </a:ext>
+            </a:extLst>
+          </p:cNvPr>
+          <p:cNvCxnSpPr>
+            <a:cxnSpLocks/>
+          </p:cNvCxnSpPr>
+          <p:nvPr/>
+        </p:nvCxnSpPr>
+        <p:spPr>
+          <a:xfrm flipH="1">
+            <a:off x="2947481" y="4066163"/>
+            <a:ext cx="4610910" cy="0"/>
+          </a:xfrm>
+          <a:prstGeom prst="straightConnector1">
+            <a:avLst/>
+          </a:prstGeom>
+          <a:ln>
+            <a:solidFill>
+              <a:schemeClr val="tx1"/>
+            </a:solidFill>
+            <a:tailEnd type="none"/>
+          </a:ln>
+          <a:effectLst/>
+        </p:spPr>
+        <p:style>
+          <a:lnRef idx="2">
+            <a:schemeClr val="accent1"/>
+          </a:lnRef>
+          <a:fillRef idx="0">
+            <a:schemeClr val="accent1"/>
+          </a:fillRef>
+          <a:effectRef idx="1">
+            <a:schemeClr val="accent1"/>
+          </a:effectRef>
+          <a:fontRef idx="minor">
+            <a:schemeClr val="tx1"/>
+          </a:fontRef>
+        </p:style>
+      </p:cxnSp>
+      <p:pic>
+        <p:nvPicPr>
+          <p:cNvPr id="58" name="Picture 57">
+            <a:extLst>
+              <a:ext uri="{FF2B5EF4-FFF2-40B4-BE49-F238E27FC236}">
+                <a16:creationId xmlns:a16="http://schemas.microsoft.com/office/drawing/2014/main" id="{A26692AF-9C12-5745-AF38-2E70CA20797C}"/>
+              </a:ext>
+            </a:extLst>
+          </p:cNvPr>
+          <p:cNvPicPr>
+            <a:picLocks noChangeAspect="1"/>
+          </p:cNvPicPr>
+          <p:nvPr/>
+        </p:nvPicPr>
+        <p:blipFill>
+          <a:blip r:embed="rId2"/>
+          <a:stretch>
+            <a:fillRect/>
+          </a:stretch>
+        </p:blipFill>
+        <p:spPr>
+          <a:xfrm>
+            <a:off x="2504392" y="3065653"/>
+            <a:ext cx="152400" cy="152400"/>
+          </a:xfrm>
+          <a:prstGeom prst="rect">
+            <a:avLst/>
+          </a:prstGeom>
+        </p:spPr>
+      </p:pic>
+      <p:pic>
+        <p:nvPicPr>
+          <p:cNvPr id="59" name="Picture 58">
+            <a:extLst>
+              <a:ext uri="{FF2B5EF4-FFF2-40B4-BE49-F238E27FC236}">
+                <a16:creationId xmlns:a16="http://schemas.microsoft.com/office/drawing/2014/main" id="{B188BBDE-92B8-0F43-A304-2F069CFE536D}"/>
+              </a:ext>
+            </a:extLst>
+          </p:cNvPr>
+          <p:cNvPicPr>
+            <a:picLocks noChangeAspect="1"/>
+          </p:cNvPicPr>
+          <p:nvPr/>
+        </p:nvPicPr>
+        <p:blipFill>
+          <a:blip r:embed="rId3"/>
+          <a:stretch>
+            <a:fillRect/>
+          </a:stretch>
+        </p:blipFill>
+        <p:spPr>
+          <a:xfrm>
+            <a:off x="2621469" y="3591398"/>
+            <a:ext cx="139700" cy="25400"/>
+          </a:xfrm>
+          <a:prstGeom prst="rect">
+            <a:avLst/>
+          </a:prstGeom>
+        </p:spPr>
+      </p:pic>
+      <p:pic>
+        <p:nvPicPr>
+          <p:cNvPr id="2" name="Picture 1">
+            <a:extLst>
+              <a:ext uri="{FF2B5EF4-FFF2-40B4-BE49-F238E27FC236}">
+                <a16:creationId xmlns:a16="http://schemas.microsoft.com/office/drawing/2014/main" id="{DEAD7144-28B8-0745-A8B6-F2A0A9731E84}"/>
+              </a:ext>
+            </a:extLst>
+          </p:cNvPr>
+          <p:cNvPicPr>
+            <a:picLocks noChangeAspect="1"/>
+          </p:cNvPicPr>
+          <p:nvPr/>
+        </p:nvPicPr>
+        <p:blipFill>
+          <a:blip r:embed="rId4"/>
+          <a:stretch>
+            <a:fillRect/>
+          </a:stretch>
+        </p:blipFill>
+        <p:spPr>
+          <a:xfrm>
+            <a:off x="7621486" y="2877766"/>
+            <a:ext cx="139700" cy="304800"/>
+          </a:xfrm>
+          <a:prstGeom prst="rect">
+            <a:avLst/>
+          </a:prstGeom>
+        </p:spPr>
+      </p:pic>
+      <p:pic>
+        <p:nvPicPr>
+          <p:cNvPr id="3" name="Picture 2">
+            <a:extLst>
+              <a:ext uri="{FF2B5EF4-FFF2-40B4-BE49-F238E27FC236}">
+                <a16:creationId xmlns:a16="http://schemas.microsoft.com/office/drawing/2014/main" id="{12F45756-567A-CF4E-B4E5-DE0F1C2240DE}"/>
+              </a:ext>
+            </a:extLst>
+          </p:cNvPr>
+          <p:cNvPicPr>
+            <a:picLocks noChangeAspect="1"/>
+          </p:cNvPicPr>
+          <p:nvPr/>
+        </p:nvPicPr>
+        <p:blipFill>
+          <a:blip r:embed="rId5"/>
+          <a:stretch>
+            <a:fillRect/>
+          </a:stretch>
+        </p:blipFill>
+        <p:spPr>
+          <a:xfrm>
+            <a:off x="1621006" y="2858311"/>
+            <a:ext cx="584200" cy="304800"/>
+          </a:xfrm>
+          <a:prstGeom prst="rect">
+            <a:avLst/>
+          </a:prstGeom>
+        </p:spPr>
+      </p:pic>
+      <p:pic>
+        <p:nvPicPr>
+          <p:cNvPr id="4" name="Picture 3">
+            <a:extLst>
+              <a:ext uri="{FF2B5EF4-FFF2-40B4-BE49-F238E27FC236}">
+                <a16:creationId xmlns:a16="http://schemas.microsoft.com/office/drawing/2014/main" id="{3328CE0E-C52E-DE4D-B67D-5453B5C90EBB}"/>
+              </a:ext>
+            </a:extLst>
+          </p:cNvPr>
+          <p:cNvPicPr>
+            <a:picLocks noChangeAspect="1"/>
+          </p:cNvPicPr>
+          <p:nvPr/>
+        </p:nvPicPr>
+        <p:blipFill>
+          <a:blip r:embed="rId6"/>
+          <a:stretch>
+            <a:fillRect/>
+          </a:stretch>
+        </p:blipFill>
+        <p:spPr>
+          <a:xfrm>
+            <a:off x="6478081" y="2631603"/>
+            <a:ext cx="558800" cy="330200"/>
+          </a:xfrm>
+          <a:prstGeom prst="rect">
+            <a:avLst/>
+          </a:prstGeom>
+        </p:spPr>
+      </p:pic>
+      <p:pic>
+        <p:nvPicPr>
+          <p:cNvPr id="6" name="Picture 5">
+            <a:extLst>
+              <a:ext uri="{FF2B5EF4-FFF2-40B4-BE49-F238E27FC236}">
+                <a16:creationId xmlns:a16="http://schemas.microsoft.com/office/drawing/2014/main" id="{5F4BA8F5-6EA6-074F-8E21-53132D26E5FC}"/>
+              </a:ext>
+            </a:extLst>
+          </p:cNvPr>
+          <p:cNvPicPr>
+            <a:picLocks noChangeAspect="1"/>
+          </p:cNvPicPr>
+          <p:nvPr/>
+        </p:nvPicPr>
+        <p:blipFill>
+          <a:blip r:embed="rId7"/>
+          <a:stretch>
+            <a:fillRect/>
+          </a:stretch>
+        </p:blipFill>
+        <p:spPr>
+          <a:xfrm>
+            <a:off x="5941573" y="3096368"/>
+            <a:ext cx="114300" cy="431800"/>
+          </a:xfrm>
+          <a:prstGeom prst="rect">
+            <a:avLst/>
+          </a:prstGeom>
+        </p:spPr>
+      </p:pic>
+      <p:pic>
+        <p:nvPicPr>
+          <p:cNvPr id="10" name="Picture 9">
+            <a:extLst>
+              <a:ext uri="{FF2B5EF4-FFF2-40B4-BE49-F238E27FC236}">
+                <a16:creationId xmlns:a16="http://schemas.microsoft.com/office/drawing/2014/main" id="{FFAB2EAC-E8EC-BB4B-9206-2AA678B796A7}"/>
+              </a:ext>
+            </a:extLst>
+          </p:cNvPr>
+          <p:cNvPicPr>
+            <a:picLocks noChangeAspect="1"/>
+          </p:cNvPicPr>
+          <p:nvPr/>
+        </p:nvPicPr>
+        <p:blipFill>
+          <a:blip r:embed="rId8"/>
+          <a:stretch>
+            <a:fillRect/>
+          </a:stretch>
+        </p:blipFill>
+        <p:spPr>
+          <a:xfrm>
+            <a:off x="4042112" y="3220396"/>
+            <a:ext cx="177800" cy="203200"/>
+          </a:xfrm>
+          <a:prstGeom prst="rect">
+            <a:avLst/>
+          </a:prstGeom>
+        </p:spPr>
+      </p:pic>
+      <p:sp>
+        <p:nvSpPr>
+          <p:cNvPr id="34" name="Rectangle 33">
+            <a:extLst>
+              <a:ext uri="{FF2B5EF4-FFF2-40B4-BE49-F238E27FC236}">
+                <a16:creationId xmlns:a16="http://schemas.microsoft.com/office/drawing/2014/main" id="{89C9FFB5-6F6D-0D4B-B93C-CE6FDF851333}"/>
+              </a:ext>
+            </a:extLst>
+          </p:cNvPr>
+          <p:cNvSpPr/>
+          <p:nvPr/>
+        </p:nvSpPr>
+        <p:spPr>
+          <a:xfrm>
+            <a:off x="6869679" y="1891374"/>
+            <a:ext cx="568738" cy="650170"/>
+          </a:xfrm>
+          <a:prstGeom prst="rect">
+            <a:avLst/>
+          </a:prstGeom>
+          <a:noFill/>
+        </p:spPr>
+        <p:style>
+          <a:lnRef idx="2">
+            <a:schemeClr val="dk1"/>
+          </a:lnRef>
+          <a:fillRef idx="1">
+            <a:schemeClr val="lt1"/>
+          </a:fillRef>
+          <a:effectRef idx="0">
+            <a:schemeClr val="dk1"/>
+          </a:effectRef>
+          <a:fontRef idx="minor">
+            <a:schemeClr val="dk1"/>
+          </a:fontRef>
+        </p:style>
+        <p:txBody>
+          <a:bodyPr rtlCol="0" anchor="ctr"/>
+          <a:lstStyle/>
+          <a:p>
+            <a:pPr algn="ctr"/>
+            <a:endParaRPr lang="en-US"/>
+          </a:p>
+        </p:txBody>
+      </p:sp>
+      <p:pic>
+        <p:nvPicPr>
+          <p:cNvPr id="36" name="Picture 35">
+            <a:extLst>
+              <a:ext uri="{FF2B5EF4-FFF2-40B4-BE49-F238E27FC236}">
+                <a16:creationId xmlns:a16="http://schemas.microsoft.com/office/drawing/2014/main" id="{978F0CEA-125D-DA4E-A40A-7B7584CE6F85}"/>
+              </a:ext>
+            </a:extLst>
+          </p:cNvPr>
+          <p:cNvPicPr>
+            <a:picLocks noChangeAspect="1"/>
+          </p:cNvPicPr>
+          <p:nvPr/>
+        </p:nvPicPr>
+        <p:blipFill>
+          <a:blip r:embed="rId7"/>
+          <a:stretch>
+            <a:fillRect/>
+          </a:stretch>
+        </p:blipFill>
+        <p:spPr>
+          <a:xfrm>
+            <a:off x="7105649" y="2003628"/>
+            <a:ext cx="114300" cy="431800"/>
+          </a:xfrm>
+          <a:prstGeom prst="rect">
+            <a:avLst/>
+          </a:prstGeom>
+        </p:spPr>
+      </p:pic>
+      <p:cxnSp>
+        <p:nvCxnSpPr>
+          <p:cNvPr id="39" name="Straight Arrow Connector 38">
+            <a:extLst>
+              <a:ext uri="{FF2B5EF4-FFF2-40B4-BE49-F238E27FC236}">
+                <a16:creationId xmlns:a16="http://schemas.microsoft.com/office/drawing/2014/main" id="{BAFCCA30-C33B-F345-B3ED-03EAA8D6DA75}"/>
+              </a:ext>
+            </a:extLst>
+          </p:cNvPr>
+          <p:cNvCxnSpPr>
+            <a:cxnSpLocks/>
+            <a:endCxn id="34" idx="0"/>
+          </p:cNvCxnSpPr>
+          <p:nvPr/>
+        </p:nvCxnSpPr>
+        <p:spPr>
+          <a:xfrm>
+            <a:off x="7154048" y="1507787"/>
+            <a:ext cx="0" cy="383587"/>
+          </a:xfrm>
+          <a:prstGeom prst="straightConnector1">
+            <a:avLst/>
+          </a:prstGeom>
+          <a:ln>
+            <a:solidFill>
+              <a:schemeClr val="tx1"/>
+            </a:solidFill>
+            <a:tailEnd type="triangle"/>
+          </a:ln>
+          <a:effectLst/>
+        </p:spPr>
+        <p:style>
+          <a:lnRef idx="2">
+            <a:schemeClr val="accent1"/>
+          </a:lnRef>
+          <a:fillRef idx="0">
+            <a:schemeClr val="accent1"/>
+          </a:fillRef>
+          <a:effectRef idx="1">
+            <a:schemeClr val="accent1"/>
+          </a:effectRef>
+          <a:fontRef idx="minor">
+            <a:schemeClr val="tx1"/>
+          </a:fontRef>
+        </p:style>
+      </p:cxnSp>
+      <p:pic>
+        <p:nvPicPr>
+          <p:cNvPr id="30" name="Picture 29">
+            <a:extLst>
+              <a:ext uri="{FF2B5EF4-FFF2-40B4-BE49-F238E27FC236}">
+                <a16:creationId xmlns:a16="http://schemas.microsoft.com/office/drawing/2014/main" id="{DFF2D8F3-BD4A-794C-B85A-174325866A8B}"/>
+              </a:ext>
+            </a:extLst>
+          </p:cNvPr>
+          <p:cNvPicPr>
+            <a:picLocks noChangeAspect="1"/>
+          </p:cNvPicPr>
+          <p:nvPr/>
+        </p:nvPicPr>
+        <p:blipFill>
+          <a:blip r:embed="rId9"/>
+          <a:stretch>
+            <a:fillRect/>
+          </a:stretch>
+        </p:blipFill>
+        <p:spPr>
+          <a:xfrm>
+            <a:off x="6428851" y="1449291"/>
+            <a:ext cx="558800" cy="190500"/>
+          </a:xfrm>
+          <a:prstGeom prst="rect">
+            <a:avLst/>
+          </a:prstGeom>
+        </p:spPr>
+      </p:pic>
+    </p:spTree>
+    <p:extLst>
+      <p:ext uri="{BB962C8B-B14F-4D97-AF65-F5344CB8AC3E}">
+        <p14:creationId xmlns:p14="http://schemas.microsoft.com/office/powerpoint/2010/main" val="1539783952"/>
+      </p:ext>
+    </p:extLst>
+  </p:cSld>
+  <p:clrMapOvr>
+    <a:masterClrMapping/>
+  </p:clrMapOvr>
+</p:sld>
+</file>
+
+<file path=ppt/slides/slide6.xml><?xml version="1.0" encoding="utf-8"?>
+<p:sld xmlns:a="http://schemas.openxmlformats.org/drawingml/2006/main" xmlns:r="http://schemas.openxmlformats.org/officeDocument/2006/relationships" xmlns:p="http://schemas.openxmlformats.org/presentationml/2006/main">
+  <p:cSld>
+    <p:spTree>
+      <p:nvGrpSpPr>
+        <p:cNvPr id="1" name=""/>
+        <p:cNvGrpSpPr/>
+        <p:nvPr/>
+      </p:nvGrpSpPr>
+      <p:grpSpPr>
+        <a:xfrm>
+          <a:off x="0" y="0"/>
+          <a:ext cx="0" cy="0"/>
+          <a:chOff x="0" y="0"/>
+          <a:chExt cx="0" cy="0"/>
+        </a:xfrm>
+      </p:grpSpPr>
+      <p:sp>
+        <p:nvSpPr>
+          <p:cNvPr id="7" name="Rectangle 6">
+            <a:extLst>
+              <a:ext uri="{FF2B5EF4-FFF2-40B4-BE49-F238E27FC236}">
+                <a16:creationId xmlns:a16="http://schemas.microsoft.com/office/drawing/2014/main" id="{FBB259EA-D99D-974A-A580-4C3B859E91AF}"/>
+              </a:ext>
+            </a:extLst>
+          </p:cNvPr>
+          <p:cNvSpPr/>
+          <p:nvPr/>
+        </p:nvSpPr>
+        <p:spPr>
+          <a:xfrm>
+            <a:off x="3549304" y="3059311"/>
+            <a:ext cx="748964" cy="493096"/>
+          </a:xfrm>
+          <a:prstGeom prst="rect">
+            <a:avLst/>
+          </a:prstGeom>
+          <a:noFill/>
+        </p:spPr>
+        <p:style>
+          <a:lnRef idx="2">
+            <a:schemeClr val="dk1"/>
+          </a:lnRef>
+          <a:fillRef idx="1">
+            <a:schemeClr val="lt1"/>
+          </a:fillRef>
+          <a:effectRef idx="0">
+            <a:schemeClr val="dk1"/>
+          </a:effectRef>
+          <a:fontRef idx="minor">
+            <a:schemeClr val="dk1"/>
+          </a:fontRef>
+        </p:style>
+        <p:txBody>
+          <a:bodyPr rtlCol="0" anchor="ctr"/>
+          <a:lstStyle/>
+          <a:p>
+            <a:pPr algn="ctr"/>
+            <a:endParaRPr lang="en-US"/>
+          </a:p>
+        </p:txBody>
+      </p:sp>
+      <p:cxnSp>
+        <p:nvCxnSpPr>
+          <p:cNvPr id="11" name="Straight Arrow Connector 10">
+            <a:extLst>
+              <a:ext uri="{FF2B5EF4-FFF2-40B4-BE49-F238E27FC236}">
+                <a16:creationId xmlns:a16="http://schemas.microsoft.com/office/drawing/2014/main" id="{BC76CA9D-E36C-404D-9C8B-B0FD344631D8}"/>
+              </a:ext>
+            </a:extLst>
+          </p:cNvPr>
+          <p:cNvCxnSpPr>
+            <a:cxnSpLocks/>
+            <a:stCxn id="12" idx="6"/>
+            <a:endCxn id="7" idx="1"/>
+          </p:cNvCxnSpPr>
+          <p:nvPr/>
+        </p:nvCxnSpPr>
+        <p:spPr>
+          <a:xfrm flipV="1">
+            <a:off x="3131289" y="3305859"/>
+            <a:ext cx="418015" cy="3036"/>
+          </a:xfrm>
+          <a:prstGeom prst="straightConnector1">
+            <a:avLst/>
+          </a:prstGeom>
+          <a:ln>
+            <a:solidFill>
+              <a:schemeClr val="tx1"/>
+            </a:solidFill>
+            <a:tailEnd type="triangle"/>
+          </a:ln>
+          <a:effectLst/>
+        </p:spPr>
+        <p:style>
+          <a:lnRef idx="2">
+            <a:schemeClr val="accent1"/>
+          </a:lnRef>
+          <a:fillRef idx="0">
+            <a:schemeClr val="accent1"/>
+          </a:fillRef>
+          <a:effectRef idx="1">
+            <a:schemeClr val="accent1"/>
+          </a:effectRef>
+          <a:fontRef idx="minor">
+            <a:schemeClr val="tx1"/>
+          </a:fontRef>
+        </p:style>
+      </p:cxnSp>
+      <p:sp>
+        <p:nvSpPr>
+          <p:cNvPr id="12" name="Oval 11">
+            <a:extLst>
+              <a:ext uri="{FF2B5EF4-FFF2-40B4-BE49-F238E27FC236}">
+                <a16:creationId xmlns:a16="http://schemas.microsoft.com/office/drawing/2014/main" id="{E0B85B97-B710-784B-AFDC-A4FCE1CFB5F7}"/>
+              </a:ext>
+            </a:extLst>
+          </p:cNvPr>
+          <p:cNvSpPr/>
+          <p:nvPr/>
+        </p:nvSpPr>
+        <p:spPr>
+          <a:xfrm>
+            <a:off x="2772061" y="3145382"/>
+            <a:ext cx="359228" cy="327025"/>
+          </a:xfrm>
+          <a:prstGeom prst="ellipse">
+            <a:avLst/>
+          </a:prstGeom>
+        </p:spPr>
+        <p:style>
+          <a:lnRef idx="2">
+            <a:schemeClr val="dk1"/>
+          </a:lnRef>
+          <a:fillRef idx="1">
+            <a:schemeClr val="lt1"/>
+          </a:fillRef>
+          <a:effectRef idx="0">
+            <a:schemeClr val="dk1"/>
+          </a:effectRef>
+          <a:fontRef idx="minor">
+            <a:schemeClr val="dk1"/>
+          </a:fontRef>
+        </p:style>
+        <p:txBody>
+          <a:bodyPr rtlCol="0" anchor="ctr"/>
+          <a:lstStyle/>
+          <a:p>
+            <a:pPr algn="ctr"/>
+            <a:endParaRPr lang="en-US"/>
+          </a:p>
+        </p:txBody>
+      </p:sp>
+      <p:cxnSp>
+        <p:nvCxnSpPr>
+          <p:cNvPr id="14" name="Straight Arrow Connector 13">
+            <a:extLst>
+              <a:ext uri="{FF2B5EF4-FFF2-40B4-BE49-F238E27FC236}">
+                <a16:creationId xmlns:a16="http://schemas.microsoft.com/office/drawing/2014/main" id="{ACC87593-516D-6A47-91FF-F9A4C2F2D9F4}"/>
+              </a:ext>
+            </a:extLst>
+          </p:cNvPr>
+          <p:cNvCxnSpPr>
+            <a:cxnSpLocks/>
+            <a:endCxn id="12" idx="4"/>
+          </p:cNvCxnSpPr>
+          <p:nvPr/>
+        </p:nvCxnSpPr>
+        <p:spPr>
+          <a:xfrm flipV="1">
+            <a:off x="2951675" y="3472407"/>
+            <a:ext cx="0" cy="603483"/>
+          </a:xfrm>
+          <a:prstGeom prst="straightConnector1">
+            <a:avLst/>
+          </a:prstGeom>
+          <a:ln>
+            <a:solidFill>
+              <a:schemeClr val="tx1"/>
+            </a:solidFill>
+            <a:tailEnd type="triangle"/>
+          </a:ln>
+          <a:effectLst/>
+        </p:spPr>
+        <p:style>
+          <a:lnRef idx="2">
+            <a:schemeClr val="accent1"/>
+          </a:lnRef>
+          <a:fillRef idx="0">
+            <a:schemeClr val="accent1"/>
+          </a:fillRef>
+          <a:effectRef idx="1">
+            <a:schemeClr val="accent1"/>
+          </a:effectRef>
+          <a:fontRef idx="minor">
+            <a:schemeClr val="tx1"/>
+          </a:fontRef>
+        </p:style>
+      </p:cxnSp>
+      <p:cxnSp>
+        <p:nvCxnSpPr>
+          <p:cNvPr id="15" name="Straight Arrow Connector 14">
+            <a:extLst>
+              <a:ext uri="{FF2B5EF4-FFF2-40B4-BE49-F238E27FC236}">
+                <a16:creationId xmlns:a16="http://schemas.microsoft.com/office/drawing/2014/main" id="{BC891721-E3B6-0941-8304-23C7E963187A}"/>
+              </a:ext>
+            </a:extLst>
+          </p:cNvPr>
+          <p:cNvCxnSpPr>
+            <a:cxnSpLocks/>
+          </p:cNvCxnSpPr>
+          <p:nvPr/>
+        </p:nvCxnSpPr>
+        <p:spPr>
+          <a:xfrm>
+            <a:off x="6585626" y="3321424"/>
+            <a:ext cx="0" cy="735010"/>
+          </a:xfrm>
+          <a:prstGeom prst="straightConnector1">
+            <a:avLst/>
+          </a:prstGeom>
+          <a:ln>
+            <a:solidFill>
+              <a:schemeClr val="tx1"/>
+            </a:solidFill>
+            <a:tailEnd type="none"/>
+          </a:ln>
+          <a:effectLst/>
+        </p:spPr>
+        <p:style>
+          <a:lnRef idx="2">
+            <a:schemeClr val="accent1"/>
+          </a:lnRef>
+          <a:fillRef idx="0">
+            <a:schemeClr val="accent1"/>
+          </a:fillRef>
+          <a:effectRef idx="1">
+            <a:schemeClr val="accent1"/>
+          </a:effectRef>
+          <a:fontRef idx="minor">
+            <a:schemeClr val="tx1"/>
+          </a:fontRef>
+        </p:style>
+      </p:cxnSp>
+      <p:cxnSp>
+        <p:nvCxnSpPr>
+          <p:cNvPr id="16" name="Straight Arrow Connector 15">
+            <a:extLst>
+              <a:ext uri="{FF2B5EF4-FFF2-40B4-BE49-F238E27FC236}">
+                <a16:creationId xmlns:a16="http://schemas.microsoft.com/office/drawing/2014/main" id="{F1F4E7A6-2C92-884E-89F8-DD413FF98B44}"/>
+              </a:ext>
+            </a:extLst>
+          </p:cNvPr>
+          <p:cNvCxnSpPr>
+            <a:cxnSpLocks/>
+            <a:endCxn id="12" idx="2"/>
+          </p:cNvCxnSpPr>
+          <p:nvPr/>
+        </p:nvCxnSpPr>
+        <p:spPr>
+          <a:xfrm>
+            <a:off x="2331697" y="3308895"/>
+            <a:ext cx="440364" cy="0"/>
+          </a:xfrm>
+          <a:prstGeom prst="straightConnector1">
+            <a:avLst/>
+          </a:prstGeom>
+          <a:ln>
+            <a:solidFill>
+              <a:schemeClr val="tx1"/>
+            </a:solidFill>
+            <a:tailEnd type="triangle"/>
+          </a:ln>
+          <a:effectLst/>
+        </p:spPr>
+        <p:style>
+          <a:lnRef idx="2">
+            <a:schemeClr val="accent1"/>
+          </a:lnRef>
+          <a:fillRef idx="0">
+            <a:schemeClr val="accent1"/>
+          </a:fillRef>
+          <a:effectRef idx="1">
+            <a:schemeClr val="accent1"/>
+          </a:effectRef>
+          <a:fontRef idx="minor">
+            <a:schemeClr val="tx1"/>
+          </a:fontRef>
+        </p:style>
+      </p:cxnSp>
+      <p:cxnSp>
+        <p:nvCxnSpPr>
+          <p:cNvPr id="18" name="Straight Arrow Connector 17">
+            <a:extLst>
+              <a:ext uri="{FF2B5EF4-FFF2-40B4-BE49-F238E27FC236}">
+                <a16:creationId xmlns:a16="http://schemas.microsoft.com/office/drawing/2014/main" id="{E636E764-4213-0446-B4C0-14EACE217F59}"/>
+              </a:ext>
+            </a:extLst>
+          </p:cNvPr>
+          <p:cNvCxnSpPr>
+            <a:cxnSpLocks/>
+            <a:stCxn id="7" idx="3"/>
+            <a:endCxn id="38" idx="2"/>
+          </p:cNvCxnSpPr>
+          <p:nvPr/>
+        </p:nvCxnSpPr>
+        <p:spPr>
+          <a:xfrm>
+            <a:off x="4298268" y="3305859"/>
+            <a:ext cx="609654" cy="3338"/>
+          </a:xfrm>
+          <a:prstGeom prst="straightConnector1">
+            <a:avLst/>
+          </a:prstGeom>
+          <a:ln>
+            <a:solidFill>
+              <a:schemeClr val="tx1"/>
+            </a:solidFill>
+            <a:tailEnd type="triangle"/>
+          </a:ln>
+          <a:effectLst/>
+        </p:spPr>
+        <p:style>
+          <a:lnRef idx="2">
+            <a:schemeClr val="accent1"/>
+          </a:lnRef>
+          <a:fillRef idx="0">
+            <a:schemeClr val="accent1"/>
+          </a:fillRef>
+          <a:effectRef idx="1">
+            <a:schemeClr val="accent1"/>
+          </a:effectRef>
+          <a:fontRef idx="minor">
+            <a:schemeClr val="tx1"/>
+          </a:fontRef>
+        </p:style>
+      </p:cxnSp>
+      <p:pic>
+        <p:nvPicPr>
+          <p:cNvPr id="19" name="Picture 18">
+            <a:extLst>
+              <a:ext uri="{FF2B5EF4-FFF2-40B4-BE49-F238E27FC236}">
+                <a16:creationId xmlns:a16="http://schemas.microsoft.com/office/drawing/2014/main" id="{727B6C9E-DA06-4E4C-BAE7-3601DC648BA5}"/>
+              </a:ext>
+            </a:extLst>
+          </p:cNvPr>
+          <p:cNvPicPr>
+            <a:picLocks noChangeAspect="1"/>
+          </p:cNvPicPr>
+          <p:nvPr/>
+        </p:nvPicPr>
+        <p:blipFill>
+          <a:blip r:embed="rId2"/>
+          <a:stretch>
+            <a:fillRect/>
+          </a:stretch>
+        </p:blipFill>
+        <p:spPr>
+          <a:xfrm>
+            <a:off x="5202195" y="2932162"/>
+            <a:ext cx="152400" cy="152400"/>
+          </a:xfrm>
+          <a:prstGeom prst="rect">
+            <a:avLst/>
+          </a:prstGeom>
+        </p:spPr>
+      </p:pic>
+      <p:pic>
+        <p:nvPicPr>
+          <p:cNvPr id="20" name="Picture 19">
+            <a:extLst>
+              <a:ext uri="{FF2B5EF4-FFF2-40B4-BE49-F238E27FC236}">
+                <a16:creationId xmlns:a16="http://schemas.microsoft.com/office/drawing/2014/main" id="{E8654D58-0D11-6B48-A8C5-57DBFE52342D}"/>
+              </a:ext>
+            </a:extLst>
+          </p:cNvPr>
+          <p:cNvPicPr>
+            <a:picLocks noChangeAspect="1"/>
+          </p:cNvPicPr>
+          <p:nvPr/>
+        </p:nvPicPr>
+        <p:blipFill>
+          <a:blip r:embed="rId2"/>
+          <a:stretch>
+            <a:fillRect/>
+          </a:stretch>
+        </p:blipFill>
+        <p:spPr>
+          <a:xfrm>
+            <a:off x="4696358" y="3399636"/>
+            <a:ext cx="152400" cy="152400"/>
+          </a:xfrm>
+          <a:prstGeom prst="rect">
+            <a:avLst/>
+          </a:prstGeom>
+        </p:spPr>
+      </p:pic>
+      <p:sp>
+        <p:nvSpPr>
+          <p:cNvPr id="23" name="TextBox 22">
+            <a:extLst>
+              <a:ext uri="{FF2B5EF4-FFF2-40B4-BE49-F238E27FC236}">
+                <a16:creationId xmlns:a16="http://schemas.microsoft.com/office/drawing/2014/main" id="{E87DA33D-8BF8-2E43-9318-9CE664D5E144}"/>
+              </a:ext>
+            </a:extLst>
+          </p:cNvPr>
+          <p:cNvSpPr txBox="1"/>
+          <p:nvPr/>
+        </p:nvSpPr>
+        <p:spPr>
+          <a:xfrm>
+            <a:off x="3827721" y="6018028"/>
+            <a:ext cx="2907784" cy="369332"/>
+          </a:xfrm>
+          <a:prstGeom prst="rect">
+            <a:avLst/>
+          </a:prstGeom>
+          <a:noFill/>
+        </p:spPr>
+        <p:txBody>
+          <a:bodyPr wrap="none" rtlCol="0">
+            <a:spAutoFit/>
+          </a:bodyPr>
+          <a:lstStyle/>
+          <a:p>
+            <a:r>
+              <a:rPr lang="en-US" dirty="0"/>
+              <a:t>Complementary_filter_roll_3</a:t>
+            </a:r>
+          </a:p>
+        </p:txBody>
+      </p:sp>
+      <p:sp>
+        <p:nvSpPr>
+          <p:cNvPr id="31" name="Rectangle 30">
+            <a:extLst>
+              <a:ext uri="{FF2B5EF4-FFF2-40B4-BE49-F238E27FC236}">
+                <a16:creationId xmlns:a16="http://schemas.microsoft.com/office/drawing/2014/main" id="{75A6FAD3-D98A-CE4B-A97D-A38519199096}"/>
+              </a:ext>
+            </a:extLst>
+          </p:cNvPr>
+          <p:cNvSpPr/>
+          <p:nvPr/>
+        </p:nvSpPr>
+        <p:spPr>
+          <a:xfrm>
+            <a:off x="5715330" y="2984112"/>
+            <a:ext cx="568738" cy="650170"/>
+          </a:xfrm>
+          <a:prstGeom prst="rect">
+            <a:avLst/>
+          </a:prstGeom>
+          <a:noFill/>
+        </p:spPr>
+        <p:style>
+          <a:lnRef idx="2">
+            <a:schemeClr val="dk1"/>
+          </a:lnRef>
+          <a:fillRef idx="1">
+            <a:schemeClr val="lt1"/>
+          </a:fillRef>
+          <a:effectRef idx="0">
+            <a:schemeClr val="dk1"/>
+          </a:effectRef>
+          <a:fontRef idx="minor">
+            <a:schemeClr val="dk1"/>
+          </a:fontRef>
+        </p:style>
+        <p:txBody>
+          <a:bodyPr rtlCol="0" anchor="ctr"/>
+          <a:lstStyle/>
+          <a:p>
+            <a:pPr algn="ctr"/>
+            <a:endParaRPr lang="en-US"/>
+          </a:p>
+        </p:txBody>
+      </p:sp>
+      <p:sp>
+        <p:nvSpPr>
+          <p:cNvPr id="38" name="Oval 37">
+            <a:extLst>
+              <a:ext uri="{FF2B5EF4-FFF2-40B4-BE49-F238E27FC236}">
+                <a16:creationId xmlns:a16="http://schemas.microsoft.com/office/drawing/2014/main" id="{A610B7BA-E624-1642-8FA2-BE02F4D6FF39}"/>
+              </a:ext>
+            </a:extLst>
+          </p:cNvPr>
+          <p:cNvSpPr/>
+          <p:nvPr/>
+        </p:nvSpPr>
+        <p:spPr>
+          <a:xfrm>
+            <a:off x="4907922" y="3145684"/>
+            <a:ext cx="359228" cy="327025"/>
+          </a:xfrm>
+          <a:prstGeom prst="ellipse">
+            <a:avLst/>
+          </a:prstGeom>
+        </p:spPr>
+        <p:style>
+          <a:lnRef idx="2">
+            <a:schemeClr val="dk1"/>
+          </a:lnRef>
+          <a:fillRef idx="1">
+            <a:schemeClr val="lt1"/>
+          </a:fillRef>
+          <a:effectRef idx="0">
+            <a:schemeClr val="dk1"/>
+          </a:effectRef>
+          <a:fontRef idx="minor">
+            <a:schemeClr val="dk1"/>
+          </a:fontRef>
+        </p:style>
+        <p:txBody>
+          <a:bodyPr rtlCol="0" anchor="ctr"/>
+          <a:lstStyle/>
+          <a:p>
+            <a:pPr algn="ctr"/>
+            <a:endParaRPr lang="en-US"/>
+          </a:p>
+        </p:txBody>
+      </p:sp>
+      <p:cxnSp>
+        <p:nvCxnSpPr>
+          <p:cNvPr id="40" name="Straight Arrow Connector 39">
+            <a:extLst>
+              <a:ext uri="{FF2B5EF4-FFF2-40B4-BE49-F238E27FC236}">
+                <a16:creationId xmlns:a16="http://schemas.microsoft.com/office/drawing/2014/main" id="{E05655D1-CECF-C745-852E-12503462789D}"/>
+              </a:ext>
+            </a:extLst>
+          </p:cNvPr>
+          <p:cNvCxnSpPr>
+            <a:cxnSpLocks/>
+            <a:stCxn id="31" idx="3"/>
+          </p:cNvCxnSpPr>
+          <p:nvPr/>
+        </p:nvCxnSpPr>
+        <p:spPr>
+          <a:xfrm>
+            <a:off x="6284068" y="3309197"/>
+            <a:ext cx="593387" cy="0"/>
+          </a:xfrm>
+          <a:prstGeom prst="straightConnector1">
+            <a:avLst/>
+          </a:prstGeom>
+          <a:ln>
+            <a:solidFill>
+              <a:schemeClr val="tx1"/>
+            </a:solidFill>
+            <a:tailEnd type="triangle"/>
+          </a:ln>
+          <a:effectLst/>
+        </p:spPr>
+        <p:style>
+          <a:lnRef idx="2">
+            <a:schemeClr val="accent1"/>
+          </a:lnRef>
+          <a:fillRef idx="0">
+            <a:schemeClr val="accent1"/>
+          </a:fillRef>
+          <a:effectRef idx="1">
+            <a:schemeClr val="accent1"/>
+          </a:effectRef>
+          <a:fontRef idx="minor">
+            <a:schemeClr val="tx1"/>
+          </a:fontRef>
+        </p:style>
+      </p:cxnSp>
+      <p:cxnSp>
+        <p:nvCxnSpPr>
+          <p:cNvPr id="43" name="Straight Arrow Connector 42">
+            <a:extLst>
+              <a:ext uri="{FF2B5EF4-FFF2-40B4-BE49-F238E27FC236}">
+                <a16:creationId xmlns:a16="http://schemas.microsoft.com/office/drawing/2014/main" id="{6DFBE277-62E6-AB44-B98D-0466AE3DC129}"/>
+              </a:ext>
+            </a:extLst>
+          </p:cNvPr>
+          <p:cNvCxnSpPr>
+            <a:cxnSpLocks/>
+            <a:endCxn id="38" idx="0"/>
+          </p:cNvCxnSpPr>
+          <p:nvPr/>
+        </p:nvCxnSpPr>
+        <p:spPr>
+          <a:xfrm>
+            <a:off x="5087536" y="2519464"/>
+            <a:ext cx="0" cy="626220"/>
+          </a:xfrm>
+          <a:prstGeom prst="straightConnector1">
+            <a:avLst/>
+          </a:prstGeom>
+          <a:ln>
+            <a:solidFill>
+              <a:schemeClr val="tx1"/>
+            </a:solidFill>
+            <a:tailEnd type="triangle"/>
+          </a:ln>
+          <a:effectLst/>
+        </p:spPr>
+        <p:style>
+          <a:lnRef idx="2">
+            <a:schemeClr val="accent1"/>
+          </a:lnRef>
+          <a:fillRef idx="0">
+            <a:schemeClr val="accent1"/>
+          </a:fillRef>
+          <a:effectRef idx="1">
+            <a:schemeClr val="accent1"/>
+          </a:effectRef>
+          <a:fontRef idx="minor">
+            <a:schemeClr val="tx1"/>
+          </a:fontRef>
+        </p:style>
+      </p:cxnSp>
+      <p:cxnSp>
+        <p:nvCxnSpPr>
+          <p:cNvPr id="52" name="Straight Arrow Connector 51">
+            <a:extLst>
+              <a:ext uri="{FF2B5EF4-FFF2-40B4-BE49-F238E27FC236}">
+                <a16:creationId xmlns:a16="http://schemas.microsoft.com/office/drawing/2014/main" id="{3E8F693B-A9D2-7042-9F82-35A708EF93E1}"/>
+              </a:ext>
+            </a:extLst>
+          </p:cNvPr>
+          <p:cNvCxnSpPr>
+            <a:cxnSpLocks/>
+          </p:cNvCxnSpPr>
+          <p:nvPr/>
+        </p:nvCxnSpPr>
+        <p:spPr>
+          <a:xfrm flipH="1">
+            <a:off x="2947481" y="4066163"/>
+            <a:ext cx="3647872" cy="0"/>
+          </a:xfrm>
+          <a:prstGeom prst="straightConnector1">
+            <a:avLst/>
+          </a:prstGeom>
+          <a:ln>
+            <a:solidFill>
+              <a:schemeClr val="tx1"/>
+            </a:solidFill>
+            <a:tailEnd type="none"/>
+          </a:ln>
+          <a:effectLst/>
+        </p:spPr>
+        <p:style>
+          <a:lnRef idx="2">
+            <a:schemeClr val="accent1"/>
+          </a:lnRef>
+          <a:fillRef idx="0">
+            <a:schemeClr val="accent1"/>
+          </a:fillRef>
+          <a:effectRef idx="1">
+            <a:schemeClr val="accent1"/>
+          </a:effectRef>
+          <a:fontRef idx="minor">
+            <a:schemeClr val="tx1"/>
+          </a:fontRef>
+        </p:style>
+      </p:cxnSp>
+      <p:pic>
+        <p:nvPicPr>
+          <p:cNvPr id="58" name="Picture 57">
+            <a:extLst>
+              <a:ext uri="{FF2B5EF4-FFF2-40B4-BE49-F238E27FC236}">
+                <a16:creationId xmlns:a16="http://schemas.microsoft.com/office/drawing/2014/main" id="{A26692AF-9C12-5745-AF38-2E70CA20797C}"/>
+              </a:ext>
+            </a:extLst>
+          </p:cNvPr>
+          <p:cNvPicPr>
+            <a:picLocks noChangeAspect="1"/>
+          </p:cNvPicPr>
+          <p:nvPr/>
+        </p:nvPicPr>
+        <p:blipFill>
+          <a:blip r:embed="rId2"/>
+          <a:stretch>
+            <a:fillRect/>
+          </a:stretch>
+        </p:blipFill>
+        <p:spPr>
+          <a:xfrm>
+            <a:off x="2504392" y="3065653"/>
+            <a:ext cx="152400" cy="152400"/>
+          </a:xfrm>
+          <a:prstGeom prst="rect">
+            <a:avLst/>
+          </a:prstGeom>
+        </p:spPr>
+      </p:pic>
+      <p:pic>
+        <p:nvPicPr>
+          <p:cNvPr id="59" name="Picture 58">
+            <a:extLst>
+              <a:ext uri="{FF2B5EF4-FFF2-40B4-BE49-F238E27FC236}">
+                <a16:creationId xmlns:a16="http://schemas.microsoft.com/office/drawing/2014/main" id="{B188BBDE-92B8-0F43-A304-2F069CFE536D}"/>
+              </a:ext>
+            </a:extLst>
+          </p:cNvPr>
+          <p:cNvPicPr>
+            <a:picLocks noChangeAspect="1"/>
+          </p:cNvPicPr>
+          <p:nvPr/>
+        </p:nvPicPr>
+        <p:blipFill>
+          <a:blip r:embed="rId3"/>
+          <a:stretch>
+            <a:fillRect/>
+          </a:stretch>
+        </p:blipFill>
+        <p:spPr>
+          <a:xfrm>
+            <a:off x="2621469" y="3591398"/>
+            <a:ext cx="139700" cy="25400"/>
+          </a:xfrm>
+          <a:prstGeom prst="rect">
+            <a:avLst/>
+          </a:prstGeom>
+        </p:spPr>
+      </p:pic>
+      <p:pic>
+        <p:nvPicPr>
+          <p:cNvPr id="2" name="Picture 1">
+            <a:extLst>
+              <a:ext uri="{FF2B5EF4-FFF2-40B4-BE49-F238E27FC236}">
+                <a16:creationId xmlns:a16="http://schemas.microsoft.com/office/drawing/2014/main" id="{DEAD7144-28B8-0745-A8B6-F2A0A9731E84}"/>
+              </a:ext>
+            </a:extLst>
+          </p:cNvPr>
+          <p:cNvPicPr>
+            <a:picLocks noChangeAspect="1"/>
+          </p:cNvPicPr>
+          <p:nvPr/>
+        </p:nvPicPr>
+        <p:blipFill>
+          <a:blip r:embed="rId4"/>
+          <a:stretch>
+            <a:fillRect/>
+          </a:stretch>
+        </p:blipFill>
+        <p:spPr>
+          <a:xfrm>
+            <a:off x="6638992" y="2936132"/>
+            <a:ext cx="139700" cy="304800"/>
+          </a:xfrm>
+          <a:prstGeom prst="rect">
+            <a:avLst/>
+          </a:prstGeom>
+        </p:spPr>
+      </p:pic>
+      <p:pic>
+        <p:nvPicPr>
+          <p:cNvPr id="3" name="Picture 2">
+            <a:extLst>
+              <a:ext uri="{FF2B5EF4-FFF2-40B4-BE49-F238E27FC236}">
+                <a16:creationId xmlns:a16="http://schemas.microsoft.com/office/drawing/2014/main" id="{12F45756-567A-CF4E-B4E5-DE0F1C2240DE}"/>
+              </a:ext>
+            </a:extLst>
+          </p:cNvPr>
+          <p:cNvPicPr>
+            <a:picLocks noChangeAspect="1"/>
+          </p:cNvPicPr>
+          <p:nvPr/>
+        </p:nvPicPr>
+        <p:blipFill>
+          <a:blip r:embed="rId5"/>
+          <a:stretch>
+            <a:fillRect/>
+          </a:stretch>
+        </p:blipFill>
+        <p:spPr>
+          <a:xfrm>
+            <a:off x="1621006" y="2858311"/>
+            <a:ext cx="584200" cy="304800"/>
+          </a:xfrm>
+          <a:prstGeom prst="rect">
+            <a:avLst/>
+          </a:prstGeom>
+        </p:spPr>
+      </p:pic>
+      <p:pic>
+        <p:nvPicPr>
+          <p:cNvPr id="6" name="Picture 5">
+            <a:extLst>
+              <a:ext uri="{FF2B5EF4-FFF2-40B4-BE49-F238E27FC236}">
+                <a16:creationId xmlns:a16="http://schemas.microsoft.com/office/drawing/2014/main" id="{5F4BA8F5-6EA6-074F-8E21-53132D26E5FC}"/>
+              </a:ext>
+            </a:extLst>
+          </p:cNvPr>
+          <p:cNvPicPr>
+            <a:picLocks noChangeAspect="1"/>
+          </p:cNvPicPr>
+          <p:nvPr/>
+        </p:nvPicPr>
+        <p:blipFill>
+          <a:blip r:embed="rId6"/>
+          <a:stretch>
+            <a:fillRect/>
+          </a:stretch>
+        </p:blipFill>
+        <p:spPr>
+          <a:xfrm>
+            <a:off x="5941573" y="3096368"/>
+            <a:ext cx="114300" cy="431800"/>
+          </a:xfrm>
+          <a:prstGeom prst="rect">
+            <a:avLst/>
+          </a:prstGeom>
+        </p:spPr>
+      </p:pic>
+      <p:pic>
+        <p:nvPicPr>
+          <p:cNvPr id="10" name="Picture 9">
+            <a:extLst>
+              <a:ext uri="{FF2B5EF4-FFF2-40B4-BE49-F238E27FC236}">
+                <a16:creationId xmlns:a16="http://schemas.microsoft.com/office/drawing/2014/main" id="{FFAB2EAC-E8EC-BB4B-9206-2AA678B796A7}"/>
+              </a:ext>
+            </a:extLst>
+          </p:cNvPr>
+          <p:cNvPicPr>
+            <a:picLocks noChangeAspect="1"/>
+          </p:cNvPicPr>
+          <p:nvPr/>
+        </p:nvPicPr>
+        <p:blipFill>
+          <a:blip r:embed="rId7"/>
+          <a:stretch>
+            <a:fillRect/>
+          </a:stretch>
+        </p:blipFill>
+        <p:spPr>
+          <a:xfrm>
+            <a:off x="3818375" y="3220396"/>
+            <a:ext cx="177800" cy="203200"/>
+          </a:xfrm>
+          <a:prstGeom prst="rect">
+            <a:avLst/>
+          </a:prstGeom>
+        </p:spPr>
+      </p:pic>
+      <p:cxnSp>
+        <p:nvCxnSpPr>
+          <p:cNvPr id="37" name="Straight Arrow Connector 36">
+            <a:extLst>
+              <a:ext uri="{FF2B5EF4-FFF2-40B4-BE49-F238E27FC236}">
+                <a16:creationId xmlns:a16="http://schemas.microsoft.com/office/drawing/2014/main" id="{D10D7F24-5140-504C-8D36-606118ACB44A}"/>
+              </a:ext>
+            </a:extLst>
+          </p:cNvPr>
+          <p:cNvCxnSpPr>
+            <a:cxnSpLocks/>
+            <a:stCxn id="38" idx="6"/>
+            <a:endCxn id="31" idx="1"/>
+          </p:cNvCxnSpPr>
+          <p:nvPr/>
+        </p:nvCxnSpPr>
+        <p:spPr>
+          <a:xfrm>
+            <a:off x="5267150" y="3309197"/>
+            <a:ext cx="448180" cy="0"/>
+          </a:xfrm>
+          <a:prstGeom prst="straightConnector1">
+            <a:avLst/>
+          </a:prstGeom>
+          <a:ln>
+            <a:solidFill>
+              <a:schemeClr val="tx1"/>
+            </a:solidFill>
+            <a:tailEnd type="triangle"/>
+          </a:ln>
+          <a:effectLst/>
+        </p:spPr>
+        <p:style>
+          <a:lnRef idx="2">
+            <a:schemeClr val="accent1"/>
+          </a:lnRef>
+          <a:fillRef idx="0">
+            <a:schemeClr val="accent1"/>
+          </a:fillRef>
+          <a:effectRef idx="1">
+            <a:schemeClr val="accent1"/>
+          </a:effectRef>
+          <a:fontRef idx="minor">
+            <a:schemeClr val="tx1"/>
+          </a:fontRef>
+        </p:style>
+      </p:cxnSp>
+      <p:pic>
+        <p:nvPicPr>
+          <p:cNvPr id="30" name="Picture 29">
+            <a:extLst>
+              <a:ext uri="{FF2B5EF4-FFF2-40B4-BE49-F238E27FC236}">
+                <a16:creationId xmlns:a16="http://schemas.microsoft.com/office/drawing/2014/main" id="{2E82B3AC-7983-1B40-83F9-3BE00B4492EA}"/>
+              </a:ext>
+            </a:extLst>
+          </p:cNvPr>
+          <p:cNvPicPr>
+            <a:picLocks noChangeAspect="1"/>
+          </p:cNvPicPr>
+          <p:nvPr/>
+        </p:nvPicPr>
+        <p:blipFill>
+          <a:blip r:embed="rId8"/>
+          <a:stretch>
+            <a:fillRect/>
+          </a:stretch>
+        </p:blipFill>
+        <p:spPr>
+          <a:xfrm>
+            <a:off x="4361511" y="2451155"/>
+            <a:ext cx="558800" cy="190500"/>
+          </a:xfrm>
+          <a:prstGeom prst="rect">
+            <a:avLst/>
+          </a:prstGeom>
+        </p:spPr>
+      </p:pic>
+    </p:spTree>
+    <p:extLst>
+      <p:ext uri="{BB962C8B-B14F-4D97-AF65-F5344CB8AC3E}">
+        <p14:creationId xmlns:p14="http://schemas.microsoft.com/office/powerpoint/2010/main" val="3531009272"/>
+      </p:ext>
+    </p:extLst>
+  </p:cSld>
+  <p:clrMapOvr>
+    <a:masterClrMapping/>
+  </p:clrMapOvr>
+</p:sld>
+</file>
+
+<file path=ppt/slides/slide7.xml><?xml version="1.0" encoding="utf-8"?>
+<p:sld xmlns:a="http://schemas.openxmlformats.org/drawingml/2006/main" xmlns:r="http://schemas.openxmlformats.org/officeDocument/2006/relationships" xmlns:p="http://schemas.openxmlformats.org/presentationml/2006/main">
+  <p:cSld>
+    <p:spTree>
+      <p:nvGrpSpPr>
+        <p:cNvPr id="1" name=""/>
+        <p:cNvGrpSpPr/>
+        <p:nvPr/>
+      </p:nvGrpSpPr>
+      <p:grpSpPr>
+        <a:xfrm>
+          <a:off x="0" y="0"/>
+          <a:ext cx="0" cy="0"/>
+          <a:chOff x="0" y="0"/>
+          <a:chExt cx="0" cy="0"/>
+        </a:xfrm>
+      </p:grpSpPr>
+      <p:sp>
+        <p:nvSpPr>
+          <p:cNvPr id="7" name="Rectangle 6">
+            <a:extLst>
+              <a:ext uri="{FF2B5EF4-FFF2-40B4-BE49-F238E27FC236}">
+                <a16:creationId xmlns:a16="http://schemas.microsoft.com/office/drawing/2014/main" id="{FBB259EA-D99D-974A-A580-4C3B859E91AF}"/>
+              </a:ext>
+            </a:extLst>
+          </p:cNvPr>
+          <p:cNvSpPr/>
+          <p:nvPr/>
+        </p:nvSpPr>
+        <p:spPr>
+          <a:xfrm>
+            <a:off x="3549304" y="3138825"/>
+            <a:ext cx="338884" cy="327945"/>
+          </a:xfrm>
+          <a:prstGeom prst="rect">
+            <a:avLst/>
+          </a:prstGeom>
+          <a:noFill/>
+        </p:spPr>
+        <p:style>
+          <a:lnRef idx="2">
+            <a:schemeClr val="dk1"/>
+          </a:lnRef>
+          <a:fillRef idx="1">
+            <a:schemeClr val="lt1"/>
+          </a:fillRef>
+          <a:effectRef idx="0">
+            <a:schemeClr val="dk1"/>
+          </a:effectRef>
+          <a:fontRef idx="minor">
+            <a:schemeClr val="dk1"/>
+          </a:fontRef>
+        </p:style>
+        <p:txBody>
+          <a:bodyPr rtlCol="0" anchor="ctr"/>
+          <a:lstStyle/>
+          <a:p>
+            <a:pPr algn="ctr"/>
+            <a:endParaRPr lang="en-US"/>
+          </a:p>
+        </p:txBody>
+      </p:sp>
+      <p:cxnSp>
+        <p:nvCxnSpPr>
+          <p:cNvPr id="11" name="Straight Arrow Connector 10">
+            <a:extLst>
+              <a:ext uri="{FF2B5EF4-FFF2-40B4-BE49-F238E27FC236}">
+                <a16:creationId xmlns:a16="http://schemas.microsoft.com/office/drawing/2014/main" id="{BC76CA9D-E36C-404D-9C8B-B0FD344631D8}"/>
+              </a:ext>
+            </a:extLst>
+          </p:cNvPr>
+          <p:cNvCxnSpPr>
+            <a:cxnSpLocks/>
+            <a:stCxn id="12" idx="6"/>
+            <a:endCxn id="7" idx="1"/>
+          </p:cNvCxnSpPr>
+          <p:nvPr/>
+        </p:nvCxnSpPr>
+        <p:spPr>
+          <a:xfrm flipV="1">
+            <a:off x="2725774" y="3302798"/>
+            <a:ext cx="823530" cy="6097"/>
+          </a:xfrm>
+          <a:prstGeom prst="straightConnector1">
+            <a:avLst/>
+          </a:prstGeom>
+          <a:ln>
+            <a:solidFill>
+              <a:schemeClr val="tx1"/>
+            </a:solidFill>
+            <a:tailEnd type="triangle"/>
+          </a:ln>
+          <a:effectLst/>
+        </p:spPr>
+        <p:style>
+          <a:lnRef idx="2">
+            <a:schemeClr val="accent1"/>
+          </a:lnRef>
+          <a:fillRef idx="0">
+            <a:schemeClr val="accent1"/>
+          </a:fillRef>
+          <a:effectRef idx="1">
+            <a:schemeClr val="accent1"/>
+          </a:effectRef>
+          <a:fontRef idx="minor">
+            <a:schemeClr val="tx1"/>
+          </a:fontRef>
+        </p:style>
+      </p:cxnSp>
+      <p:sp>
+        <p:nvSpPr>
+          <p:cNvPr id="12" name="Oval 11">
+            <a:extLst>
+              <a:ext uri="{FF2B5EF4-FFF2-40B4-BE49-F238E27FC236}">
+                <a16:creationId xmlns:a16="http://schemas.microsoft.com/office/drawing/2014/main" id="{E0B85B97-B710-784B-AFDC-A4FCE1CFB5F7}"/>
+              </a:ext>
+            </a:extLst>
+          </p:cNvPr>
+          <p:cNvSpPr/>
+          <p:nvPr/>
+        </p:nvSpPr>
+        <p:spPr>
+          <a:xfrm>
+            <a:off x="2366546" y="3145382"/>
+            <a:ext cx="359228" cy="327025"/>
+          </a:xfrm>
+          <a:prstGeom prst="ellipse">
+            <a:avLst/>
+          </a:prstGeom>
+        </p:spPr>
+        <p:style>
+          <a:lnRef idx="2">
+            <a:schemeClr val="dk1"/>
+          </a:lnRef>
+          <a:fillRef idx="1">
+            <a:schemeClr val="lt1"/>
+          </a:fillRef>
+          <a:effectRef idx="0">
+            <a:schemeClr val="dk1"/>
+          </a:effectRef>
+          <a:fontRef idx="minor">
+            <a:schemeClr val="dk1"/>
+          </a:fontRef>
+        </p:style>
+        <p:txBody>
+          <a:bodyPr rtlCol="0" anchor="ctr"/>
+          <a:lstStyle/>
+          <a:p>
+            <a:pPr algn="ctr"/>
+            <a:endParaRPr lang="en-US"/>
+          </a:p>
+        </p:txBody>
+      </p:sp>
+      <p:cxnSp>
+        <p:nvCxnSpPr>
+          <p:cNvPr id="14" name="Straight Arrow Connector 13">
+            <a:extLst>
+              <a:ext uri="{FF2B5EF4-FFF2-40B4-BE49-F238E27FC236}">
+                <a16:creationId xmlns:a16="http://schemas.microsoft.com/office/drawing/2014/main" id="{ACC87593-516D-6A47-91FF-F9A4C2F2D9F4}"/>
+              </a:ext>
+            </a:extLst>
+          </p:cNvPr>
+          <p:cNvCxnSpPr>
+            <a:cxnSpLocks/>
+            <a:endCxn id="12" idx="4"/>
+          </p:cNvCxnSpPr>
+          <p:nvPr/>
+        </p:nvCxnSpPr>
+        <p:spPr>
+          <a:xfrm flipV="1">
+            <a:off x="2546160" y="3472407"/>
+            <a:ext cx="0" cy="603483"/>
+          </a:xfrm>
+          <a:prstGeom prst="straightConnector1">
+            <a:avLst/>
+          </a:prstGeom>
+          <a:ln>
+            <a:solidFill>
+              <a:schemeClr val="tx1"/>
+            </a:solidFill>
+            <a:tailEnd type="triangle"/>
+          </a:ln>
+          <a:effectLst/>
+        </p:spPr>
+        <p:style>
+          <a:lnRef idx="2">
+            <a:schemeClr val="accent1"/>
+          </a:lnRef>
+          <a:fillRef idx="0">
+            <a:schemeClr val="accent1"/>
+          </a:fillRef>
+          <a:effectRef idx="1">
+            <a:schemeClr val="accent1"/>
+          </a:effectRef>
+          <a:fontRef idx="minor">
+            <a:schemeClr val="tx1"/>
+          </a:fontRef>
+        </p:style>
+      </p:cxnSp>
+      <p:cxnSp>
+        <p:nvCxnSpPr>
+          <p:cNvPr id="15" name="Straight Arrow Connector 14">
+            <a:extLst>
+              <a:ext uri="{FF2B5EF4-FFF2-40B4-BE49-F238E27FC236}">
+                <a16:creationId xmlns:a16="http://schemas.microsoft.com/office/drawing/2014/main" id="{BC891721-E3B6-0941-8304-23C7E963187A}"/>
+              </a:ext>
+            </a:extLst>
+          </p:cNvPr>
+          <p:cNvCxnSpPr>
+            <a:cxnSpLocks/>
+          </p:cNvCxnSpPr>
+          <p:nvPr/>
+        </p:nvCxnSpPr>
+        <p:spPr>
+          <a:xfrm>
+            <a:off x="6585626" y="3321424"/>
+            <a:ext cx="0" cy="735010"/>
+          </a:xfrm>
+          <a:prstGeom prst="straightConnector1">
+            <a:avLst/>
+          </a:prstGeom>
+          <a:ln>
+            <a:solidFill>
+              <a:schemeClr val="tx1"/>
+            </a:solidFill>
+            <a:tailEnd type="none"/>
+          </a:ln>
+          <a:effectLst/>
+        </p:spPr>
+        <p:style>
+          <a:lnRef idx="2">
+            <a:schemeClr val="accent1"/>
+          </a:lnRef>
+          <a:fillRef idx="0">
+            <a:schemeClr val="accent1"/>
+          </a:fillRef>
+          <a:effectRef idx="1">
+            <a:schemeClr val="accent1"/>
+          </a:effectRef>
+          <a:fontRef idx="minor">
+            <a:schemeClr val="tx1"/>
+          </a:fontRef>
+        </p:style>
+      </p:cxnSp>
+      <p:cxnSp>
+        <p:nvCxnSpPr>
+          <p:cNvPr id="16" name="Straight Arrow Connector 15">
+            <a:extLst>
+              <a:ext uri="{FF2B5EF4-FFF2-40B4-BE49-F238E27FC236}">
+                <a16:creationId xmlns:a16="http://schemas.microsoft.com/office/drawing/2014/main" id="{F1F4E7A6-2C92-884E-89F8-DD413FF98B44}"/>
+              </a:ext>
+            </a:extLst>
+          </p:cNvPr>
+          <p:cNvCxnSpPr>
+            <a:cxnSpLocks/>
+            <a:endCxn id="12" idx="2"/>
+          </p:cNvCxnSpPr>
+          <p:nvPr/>
+        </p:nvCxnSpPr>
+        <p:spPr>
+          <a:xfrm>
+            <a:off x="1926182" y="3308895"/>
+            <a:ext cx="440364" cy="0"/>
+          </a:xfrm>
+          <a:prstGeom prst="straightConnector1">
+            <a:avLst/>
+          </a:prstGeom>
+          <a:ln>
+            <a:solidFill>
+              <a:schemeClr val="tx1"/>
+            </a:solidFill>
+            <a:tailEnd type="triangle"/>
+          </a:ln>
+          <a:effectLst/>
+        </p:spPr>
+        <p:style>
+          <a:lnRef idx="2">
+            <a:schemeClr val="accent1"/>
+          </a:lnRef>
+          <a:fillRef idx="0">
+            <a:schemeClr val="accent1"/>
+          </a:fillRef>
+          <a:effectRef idx="1">
+            <a:schemeClr val="accent1"/>
+          </a:effectRef>
+          <a:fontRef idx="minor">
+            <a:schemeClr val="tx1"/>
+          </a:fontRef>
+        </p:style>
+      </p:cxnSp>
+      <p:cxnSp>
+        <p:nvCxnSpPr>
+          <p:cNvPr id="18" name="Straight Arrow Connector 17">
+            <a:extLst>
+              <a:ext uri="{FF2B5EF4-FFF2-40B4-BE49-F238E27FC236}">
+                <a16:creationId xmlns:a16="http://schemas.microsoft.com/office/drawing/2014/main" id="{E636E764-4213-0446-B4C0-14EACE217F59}"/>
+              </a:ext>
+            </a:extLst>
+          </p:cNvPr>
+          <p:cNvCxnSpPr>
+            <a:cxnSpLocks/>
+            <a:stCxn id="7" idx="3"/>
+            <a:endCxn id="33" idx="2"/>
+          </p:cNvCxnSpPr>
+          <p:nvPr/>
+        </p:nvCxnSpPr>
+        <p:spPr>
+          <a:xfrm flipV="1">
+            <a:off x="3888188" y="3302570"/>
+            <a:ext cx="297490" cy="228"/>
+          </a:xfrm>
+          <a:prstGeom prst="straightConnector1">
+            <a:avLst/>
+          </a:prstGeom>
+          <a:ln>
+            <a:solidFill>
+              <a:schemeClr val="tx1"/>
+            </a:solidFill>
+            <a:tailEnd type="triangle"/>
+          </a:ln>
+          <a:effectLst/>
+        </p:spPr>
+        <p:style>
+          <a:lnRef idx="2">
+            <a:schemeClr val="accent1"/>
+          </a:lnRef>
+          <a:fillRef idx="0">
+            <a:schemeClr val="accent1"/>
+          </a:fillRef>
+          <a:effectRef idx="1">
+            <a:schemeClr val="accent1"/>
+          </a:effectRef>
+          <a:fontRef idx="minor">
+            <a:schemeClr val="tx1"/>
+          </a:fontRef>
+        </p:style>
+      </p:cxnSp>
+      <p:pic>
+        <p:nvPicPr>
+          <p:cNvPr id="19" name="Picture 18">
+            <a:extLst>
+              <a:ext uri="{FF2B5EF4-FFF2-40B4-BE49-F238E27FC236}">
+                <a16:creationId xmlns:a16="http://schemas.microsoft.com/office/drawing/2014/main" id="{727B6C9E-DA06-4E4C-BAE7-3601DC648BA5}"/>
+              </a:ext>
+            </a:extLst>
+          </p:cNvPr>
+          <p:cNvPicPr>
+            <a:picLocks noChangeAspect="1"/>
+          </p:cNvPicPr>
+          <p:nvPr/>
+        </p:nvPicPr>
+        <p:blipFill>
+          <a:blip r:embed="rId2"/>
+          <a:stretch>
+            <a:fillRect/>
+          </a:stretch>
+        </p:blipFill>
+        <p:spPr>
+          <a:xfrm>
+            <a:off x="5202195" y="2932162"/>
+            <a:ext cx="152400" cy="152400"/>
+          </a:xfrm>
+          <a:prstGeom prst="rect">
+            <a:avLst/>
+          </a:prstGeom>
+        </p:spPr>
+      </p:pic>
+      <p:pic>
+        <p:nvPicPr>
+          <p:cNvPr id="20" name="Picture 19">
+            <a:extLst>
+              <a:ext uri="{FF2B5EF4-FFF2-40B4-BE49-F238E27FC236}">
+                <a16:creationId xmlns:a16="http://schemas.microsoft.com/office/drawing/2014/main" id="{E8654D58-0D11-6B48-A8C5-57DBFE52342D}"/>
+              </a:ext>
+            </a:extLst>
+          </p:cNvPr>
+          <p:cNvPicPr>
+            <a:picLocks noChangeAspect="1"/>
+          </p:cNvPicPr>
+          <p:nvPr/>
+        </p:nvPicPr>
+        <p:blipFill>
+          <a:blip r:embed="rId2"/>
+          <a:stretch>
+            <a:fillRect/>
+          </a:stretch>
+        </p:blipFill>
+        <p:spPr>
+          <a:xfrm>
+            <a:off x="4696358" y="3399636"/>
+            <a:ext cx="152400" cy="152400"/>
+          </a:xfrm>
+          <a:prstGeom prst="rect">
+            <a:avLst/>
+          </a:prstGeom>
+        </p:spPr>
+      </p:pic>
+      <p:sp>
+        <p:nvSpPr>
+          <p:cNvPr id="23" name="TextBox 22">
+            <a:extLst>
+              <a:ext uri="{FF2B5EF4-FFF2-40B4-BE49-F238E27FC236}">
+                <a16:creationId xmlns:a16="http://schemas.microsoft.com/office/drawing/2014/main" id="{E87DA33D-8BF8-2E43-9318-9CE664D5E144}"/>
+              </a:ext>
+            </a:extLst>
+          </p:cNvPr>
+          <p:cNvSpPr txBox="1"/>
+          <p:nvPr/>
+        </p:nvSpPr>
+        <p:spPr>
+          <a:xfrm>
+            <a:off x="3827721" y="6018028"/>
+            <a:ext cx="2675348" cy="369332"/>
+          </a:xfrm>
+          <a:prstGeom prst="rect">
+            <a:avLst/>
+          </a:prstGeom>
+          <a:noFill/>
+        </p:spPr>
+        <p:txBody>
+          <a:bodyPr wrap="none" rtlCol="0">
+            <a:spAutoFit/>
+          </a:bodyPr>
+          <a:lstStyle/>
+          <a:p>
+            <a:r>
+              <a:rPr lang="en-US" dirty="0" err="1"/>
+              <a:t>Complementary_filter_roll</a:t>
+            </a:r>
+            <a:endParaRPr lang="en-US" dirty="0"/>
+          </a:p>
+        </p:txBody>
+      </p:sp>
+      <p:sp>
+        <p:nvSpPr>
+          <p:cNvPr id="31" name="Rectangle 30">
+            <a:extLst>
+              <a:ext uri="{FF2B5EF4-FFF2-40B4-BE49-F238E27FC236}">
+                <a16:creationId xmlns:a16="http://schemas.microsoft.com/office/drawing/2014/main" id="{75A6FAD3-D98A-CE4B-A97D-A38519199096}"/>
+              </a:ext>
+            </a:extLst>
+          </p:cNvPr>
+          <p:cNvSpPr/>
+          <p:nvPr/>
+        </p:nvSpPr>
+        <p:spPr>
+          <a:xfrm>
+            <a:off x="5715330" y="2984112"/>
+            <a:ext cx="568738" cy="650170"/>
+          </a:xfrm>
+          <a:prstGeom prst="rect">
+            <a:avLst/>
+          </a:prstGeom>
+          <a:noFill/>
+        </p:spPr>
+        <p:style>
+          <a:lnRef idx="2">
+            <a:schemeClr val="dk1"/>
+          </a:lnRef>
+          <a:fillRef idx="1">
+            <a:schemeClr val="lt1"/>
+          </a:fillRef>
+          <a:effectRef idx="0">
+            <a:schemeClr val="dk1"/>
+          </a:effectRef>
+          <a:fontRef idx="minor">
+            <a:schemeClr val="dk1"/>
+          </a:fontRef>
+        </p:style>
+        <p:txBody>
+          <a:bodyPr rtlCol="0" anchor="ctr"/>
+          <a:lstStyle/>
+          <a:p>
+            <a:pPr algn="ctr"/>
+            <a:endParaRPr lang="en-US"/>
+          </a:p>
+        </p:txBody>
+      </p:sp>
+      <p:sp>
+        <p:nvSpPr>
+          <p:cNvPr id="38" name="Oval 37">
+            <a:extLst>
+              <a:ext uri="{FF2B5EF4-FFF2-40B4-BE49-F238E27FC236}">
+                <a16:creationId xmlns:a16="http://schemas.microsoft.com/office/drawing/2014/main" id="{A610B7BA-E624-1642-8FA2-BE02F4D6FF39}"/>
+              </a:ext>
+            </a:extLst>
+          </p:cNvPr>
+          <p:cNvSpPr/>
+          <p:nvPr/>
+        </p:nvSpPr>
+        <p:spPr>
+          <a:xfrm>
+            <a:off x="4907922" y="3145684"/>
+            <a:ext cx="359228" cy="327025"/>
+          </a:xfrm>
+          <a:prstGeom prst="ellipse">
+            <a:avLst/>
+          </a:prstGeom>
+        </p:spPr>
+        <p:style>
+          <a:lnRef idx="2">
+            <a:schemeClr val="dk1"/>
+          </a:lnRef>
+          <a:fillRef idx="1">
+            <a:schemeClr val="lt1"/>
+          </a:fillRef>
+          <a:effectRef idx="0">
+            <a:schemeClr val="dk1"/>
+          </a:effectRef>
+          <a:fontRef idx="minor">
+            <a:schemeClr val="dk1"/>
+          </a:fontRef>
+        </p:style>
+        <p:txBody>
+          <a:bodyPr rtlCol="0" anchor="ctr"/>
+          <a:lstStyle/>
+          <a:p>
+            <a:pPr algn="ctr"/>
+            <a:endParaRPr lang="en-US"/>
+          </a:p>
+        </p:txBody>
+      </p:sp>
+      <p:cxnSp>
+        <p:nvCxnSpPr>
+          <p:cNvPr id="40" name="Straight Arrow Connector 39">
+            <a:extLst>
+              <a:ext uri="{FF2B5EF4-FFF2-40B4-BE49-F238E27FC236}">
+                <a16:creationId xmlns:a16="http://schemas.microsoft.com/office/drawing/2014/main" id="{E05655D1-CECF-C745-852E-12503462789D}"/>
+              </a:ext>
+            </a:extLst>
+          </p:cNvPr>
+          <p:cNvCxnSpPr>
+            <a:cxnSpLocks/>
+            <a:stCxn id="31" idx="3"/>
+          </p:cNvCxnSpPr>
+          <p:nvPr/>
+        </p:nvCxnSpPr>
+        <p:spPr>
+          <a:xfrm>
+            <a:off x="6284068" y="3309197"/>
+            <a:ext cx="593387" cy="0"/>
+          </a:xfrm>
+          <a:prstGeom prst="straightConnector1">
+            <a:avLst/>
+          </a:prstGeom>
+          <a:ln>
+            <a:solidFill>
+              <a:schemeClr val="tx1"/>
+            </a:solidFill>
+            <a:tailEnd type="triangle"/>
+          </a:ln>
+          <a:effectLst/>
+        </p:spPr>
+        <p:style>
+          <a:lnRef idx="2">
+            <a:schemeClr val="accent1"/>
+          </a:lnRef>
+          <a:fillRef idx="0">
+            <a:schemeClr val="accent1"/>
+          </a:fillRef>
+          <a:effectRef idx="1">
+            <a:schemeClr val="accent1"/>
+          </a:effectRef>
+          <a:fontRef idx="minor">
+            <a:schemeClr val="tx1"/>
+          </a:fontRef>
+        </p:style>
+      </p:cxnSp>
+      <p:cxnSp>
+        <p:nvCxnSpPr>
+          <p:cNvPr id="43" name="Straight Arrow Connector 42">
+            <a:extLst>
+              <a:ext uri="{FF2B5EF4-FFF2-40B4-BE49-F238E27FC236}">
+                <a16:creationId xmlns:a16="http://schemas.microsoft.com/office/drawing/2014/main" id="{6DFBE277-62E6-AB44-B98D-0466AE3DC129}"/>
+              </a:ext>
+            </a:extLst>
+          </p:cNvPr>
+          <p:cNvCxnSpPr>
+            <a:cxnSpLocks/>
+            <a:endCxn id="38" idx="0"/>
+          </p:cNvCxnSpPr>
+          <p:nvPr/>
+        </p:nvCxnSpPr>
+        <p:spPr>
+          <a:xfrm>
+            <a:off x="5087536" y="2519464"/>
+            <a:ext cx="0" cy="626220"/>
+          </a:xfrm>
+          <a:prstGeom prst="straightConnector1">
+            <a:avLst/>
+          </a:prstGeom>
+          <a:ln>
+            <a:solidFill>
+              <a:schemeClr val="tx1"/>
+            </a:solidFill>
+            <a:tailEnd type="triangle"/>
+          </a:ln>
+          <a:effectLst/>
+        </p:spPr>
+        <p:style>
+          <a:lnRef idx="2">
+            <a:schemeClr val="accent1"/>
+          </a:lnRef>
+          <a:fillRef idx="0">
+            <a:schemeClr val="accent1"/>
+          </a:fillRef>
+          <a:effectRef idx="1">
+            <a:schemeClr val="accent1"/>
+          </a:effectRef>
+          <a:fontRef idx="minor">
+            <a:schemeClr val="tx1"/>
+          </a:fontRef>
+        </p:style>
+      </p:cxnSp>
+      <p:cxnSp>
+        <p:nvCxnSpPr>
+          <p:cNvPr id="52" name="Straight Arrow Connector 51">
+            <a:extLst>
+              <a:ext uri="{FF2B5EF4-FFF2-40B4-BE49-F238E27FC236}">
+                <a16:creationId xmlns:a16="http://schemas.microsoft.com/office/drawing/2014/main" id="{3E8F693B-A9D2-7042-9F82-35A708EF93E1}"/>
+              </a:ext>
+            </a:extLst>
+          </p:cNvPr>
+          <p:cNvCxnSpPr>
+            <a:cxnSpLocks/>
+          </p:cNvCxnSpPr>
+          <p:nvPr/>
+        </p:nvCxnSpPr>
+        <p:spPr>
+          <a:xfrm flipH="1">
+            <a:off x="2552369" y="4066163"/>
+            <a:ext cx="4042984" cy="0"/>
+          </a:xfrm>
+          <a:prstGeom prst="straightConnector1">
+            <a:avLst/>
+          </a:prstGeom>
+          <a:ln>
+            <a:solidFill>
+              <a:schemeClr val="tx1"/>
+            </a:solidFill>
+            <a:tailEnd type="none"/>
+          </a:ln>
+          <a:effectLst/>
+        </p:spPr>
+        <p:style>
+          <a:lnRef idx="2">
+            <a:schemeClr val="accent1"/>
+          </a:lnRef>
+          <a:fillRef idx="0">
+            <a:schemeClr val="accent1"/>
+          </a:fillRef>
+          <a:effectRef idx="1">
+            <a:schemeClr val="accent1"/>
+          </a:effectRef>
+          <a:fontRef idx="minor">
+            <a:schemeClr val="tx1"/>
+          </a:fontRef>
+        </p:style>
+      </p:cxnSp>
+      <p:pic>
+        <p:nvPicPr>
+          <p:cNvPr id="58" name="Picture 57">
+            <a:extLst>
+              <a:ext uri="{FF2B5EF4-FFF2-40B4-BE49-F238E27FC236}">
+                <a16:creationId xmlns:a16="http://schemas.microsoft.com/office/drawing/2014/main" id="{A26692AF-9C12-5745-AF38-2E70CA20797C}"/>
+              </a:ext>
+            </a:extLst>
+          </p:cNvPr>
+          <p:cNvPicPr>
+            <a:picLocks noChangeAspect="1"/>
+          </p:cNvPicPr>
+          <p:nvPr/>
+        </p:nvPicPr>
+        <p:blipFill>
+          <a:blip r:embed="rId2"/>
+          <a:stretch>
+            <a:fillRect/>
+          </a:stretch>
+        </p:blipFill>
+        <p:spPr>
+          <a:xfrm>
+            <a:off x="2098877" y="3065653"/>
+            <a:ext cx="152400" cy="152400"/>
+          </a:xfrm>
+          <a:prstGeom prst="rect">
+            <a:avLst/>
+          </a:prstGeom>
+        </p:spPr>
+      </p:pic>
+      <p:pic>
+        <p:nvPicPr>
+          <p:cNvPr id="59" name="Picture 58">
+            <a:extLst>
+              <a:ext uri="{FF2B5EF4-FFF2-40B4-BE49-F238E27FC236}">
+                <a16:creationId xmlns:a16="http://schemas.microsoft.com/office/drawing/2014/main" id="{B188BBDE-92B8-0F43-A304-2F069CFE536D}"/>
+              </a:ext>
+            </a:extLst>
+          </p:cNvPr>
+          <p:cNvPicPr>
+            <a:picLocks noChangeAspect="1"/>
+          </p:cNvPicPr>
+          <p:nvPr/>
+        </p:nvPicPr>
+        <p:blipFill>
+          <a:blip r:embed="rId3"/>
+          <a:stretch>
+            <a:fillRect/>
+          </a:stretch>
+        </p:blipFill>
+        <p:spPr>
+          <a:xfrm>
+            <a:off x="4442319" y="3026856"/>
+            <a:ext cx="139700" cy="25400"/>
+          </a:xfrm>
+          <a:prstGeom prst="rect">
+            <a:avLst/>
+          </a:prstGeom>
+        </p:spPr>
+      </p:pic>
+      <p:pic>
+        <p:nvPicPr>
+          <p:cNvPr id="2" name="Picture 1">
+            <a:extLst>
+              <a:ext uri="{FF2B5EF4-FFF2-40B4-BE49-F238E27FC236}">
+                <a16:creationId xmlns:a16="http://schemas.microsoft.com/office/drawing/2014/main" id="{DEAD7144-28B8-0745-A8B6-F2A0A9731E84}"/>
+              </a:ext>
+            </a:extLst>
+          </p:cNvPr>
+          <p:cNvPicPr>
+            <a:picLocks noChangeAspect="1"/>
+          </p:cNvPicPr>
+          <p:nvPr/>
+        </p:nvPicPr>
+        <p:blipFill>
+          <a:blip r:embed="rId4"/>
+          <a:stretch>
+            <a:fillRect/>
+          </a:stretch>
+        </p:blipFill>
+        <p:spPr>
+          <a:xfrm>
+            <a:off x="6638992" y="2936132"/>
+            <a:ext cx="139700" cy="304800"/>
+          </a:xfrm>
+          <a:prstGeom prst="rect">
+            <a:avLst/>
+          </a:prstGeom>
+        </p:spPr>
+      </p:pic>
+      <p:pic>
+        <p:nvPicPr>
+          <p:cNvPr id="3" name="Picture 2">
+            <a:extLst>
+              <a:ext uri="{FF2B5EF4-FFF2-40B4-BE49-F238E27FC236}">
+                <a16:creationId xmlns:a16="http://schemas.microsoft.com/office/drawing/2014/main" id="{12F45756-567A-CF4E-B4E5-DE0F1C2240DE}"/>
+              </a:ext>
+            </a:extLst>
+          </p:cNvPr>
+          <p:cNvPicPr>
+            <a:picLocks noChangeAspect="1"/>
+          </p:cNvPicPr>
+          <p:nvPr/>
+        </p:nvPicPr>
+        <p:blipFill>
+          <a:blip r:embed="rId5"/>
+          <a:stretch>
+            <a:fillRect/>
+          </a:stretch>
+        </p:blipFill>
+        <p:spPr>
+          <a:xfrm>
+            <a:off x="1215491" y="2858311"/>
+            <a:ext cx="584200" cy="304800"/>
+          </a:xfrm>
+          <a:prstGeom prst="rect">
+            <a:avLst/>
+          </a:prstGeom>
+        </p:spPr>
+      </p:pic>
+      <p:pic>
+        <p:nvPicPr>
+          <p:cNvPr id="6" name="Picture 5">
+            <a:extLst>
+              <a:ext uri="{FF2B5EF4-FFF2-40B4-BE49-F238E27FC236}">
+                <a16:creationId xmlns:a16="http://schemas.microsoft.com/office/drawing/2014/main" id="{5F4BA8F5-6EA6-074F-8E21-53132D26E5FC}"/>
+              </a:ext>
+            </a:extLst>
+          </p:cNvPr>
+          <p:cNvPicPr>
+            <a:picLocks noChangeAspect="1"/>
+          </p:cNvPicPr>
+          <p:nvPr/>
+        </p:nvPicPr>
+        <p:blipFill>
+          <a:blip r:embed="rId6"/>
+          <a:stretch>
+            <a:fillRect/>
+          </a:stretch>
+        </p:blipFill>
+        <p:spPr>
+          <a:xfrm>
+            <a:off x="5941573" y="3096368"/>
+            <a:ext cx="114300" cy="431800"/>
+          </a:xfrm>
+          <a:prstGeom prst="rect">
+            <a:avLst/>
+          </a:prstGeom>
+        </p:spPr>
+      </p:pic>
+      <p:pic>
+        <p:nvPicPr>
+          <p:cNvPr id="10" name="Picture 9">
+            <a:extLst>
+              <a:ext uri="{FF2B5EF4-FFF2-40B4-BE49-F238E27FC236}">
+                <a16:creationId xmlns:a16="http://schemas.microsoft.com/office/drawing/2014/main" id="{FFAB2EAC-E8EC-BB4B-9206-2AA678B796A7}"/>
+              </a:ext>
+            </a:extLst>
+          </p:cNvPr>
+          <p:cNvPicPr>
+            <a:picLocks noChangeAspect="1"/>
+          </p:cNvPicPr>
+          <p:nvPr/>
+        </p:nvPicPr>
+        <p:blipFill>
+          <a:blip r:embed="rId7"/>
+          <a:stretch>
+            <a:fillRect/>
+          </a:stretch>
+        </p:blipFill>
+        <p:spPr>
+          <a:xfrm>
+            <a:off x="3651398" y="3220397"/>
+            <a:ext cx="177800" cy="203200"/>
+          </a:xfrm>
+          <a:prstGeom prst="rect">
+            <a:avLst/>
+          </a:prstGeom>
+        </p:spPr>
+      </p:pic>
+      <p:cxnSp>
+        <p:nvCxnSpPr>
+          <p:cNvPr id="37" name="Straight Arrow Connector 36">
+            <a:extLst>
+              <a:ext uri="{FF2B5EF4-FFF2-40B4-BE49-F238E27FC236}">
+                <a16:creationId xmlns:a16="http://schemas.microsoft.com/office/drawing/2014/main" id="{D10D7F24-5140-504C-8D36-606118ACB44A}"/>
+              </a:ext>
+            </a:extLst>
+          </p:cNvPr>
+          <p:cNvCxnSpPr>
+            <a:cxnSpLocks/>
+            <a:stCxn id="38" idx="6"/>
+            <a:endCxn id="31" idx="1"/>
+          </p:cNvCxnSpPr>
+          <p:nvPr/>
+        </p:nvCxnSpPr>
+        <p:spPr>
+          <a:xfrm>
+            <a:off x="5267150" y="3309197"/>
+            <a:ext cx="448180" cy="0"/>
+          </a:xfrm>
+          <a:prstGeom prst="straightConnector1">
+            <a:avLst/>
+          </a:prstGeom>
+          <a:ln>
+            <a:solidFill>
+              <a:schemeClr val="tx1"/>
+            </a:solidFill>
+            <a:tailEnd type="triangle"/>
+          </a:ln>
+          <a:effectLst/>
+        </p:spPr>
+        <p:style>
+          <a:lnRef idx="2">
+            <a:schemeClr val="accent1"/>
+          </a:lnRef>
+          <a:fillRef idx="0">
+            <a:schemeClr val="accent1"/>
+          </a:fillRef>
+          <a:effectRef idx="1">
+            <a:schemeClr val="accent1"/>
+          </a:effectRef>
+          <a:fontRef idx="minor">
+            <a:schemeClr val="tx1"/>
+          </a:fontRef>
+        </p:style>
+      </p:cxnSp>
+      <p:sp>
+        <p:nvSpPr>
+          <p:cNvPr id="27" name="Rectangle 26">
+            <a:extLst>
+              <a:ext uri="{FF2B5EF4-FFF2-40B4-BE49-F238E27FC236}">
+                <a16:creationId xmlns:a16="http://schemas.microsoft.com/office/drawing/2014/main" id="{469C26B3-8CDE-744A-9BD9-E849FD51D977}"/>
+              </a:ext>
+            </a:extLst>
+          </p:cNvPr>
+          <p:cNvSpPr/>
+          <p:nvPr/>
+        </p:nvSpPr>
+        <p:spPr>
+          <a:xfrm>
+            <a:off x="3673170" y="2357284"/>
+            <a:ext cx="334286" cy="568796"/>
+          </a:xfrm>
+          <a:prstGeom prst="rect">
+            <a:avLst/>
+          </a:prstGeom>
+          <a:noFill/>
+        </p:spPr>
+        <p:style>
+          <a:lnRef idx="2">
+            <a:schemeClr val="dk1"/>
+          </a:lnRef>
+          <a:fillRef idx="1">
+            <a:schemeClr val="lt1"/>
+          </a:fillRef>
+          <a:effectRef idx="0">
+            <a:schemeClr val="dk1"/>
+          </a:effectRef>
+          <a:fontRef idx="minor">
+            <a:schemeClr val="dk1"/>
+          </a:fontRef>
+        </p:style>
+        <p:txBody>
+          <a:bodyPr rtlCol="0" anchor="ctr"/>
+          <a:lstStyle/>
+          <a:p>
+            <a:pPr algn="ctr"/>
+            <a:endParaRPr lang="en-US"/>
+          </a:p>
+        </p:txBody>
+      </p:sp>
+      <p:pic>
+        <p:nvPicPr>
+          <p:cNvPr id="8" name="Picture 7">
+            <a:extLst>
+              <a:ext uri="{FF2B5EF4-FFF2-40B4-BE49-F238E27FC236}">
+                <a16:creationId xmlns:a16="http://schemas.microsoft.com/office/drawing/2014/main" id="{232485F7-07E8-274B-911F-AB13EC042D4E}"/>
+              </a:ext>
+            </a:extLst>
+          </p:cNvPr>
+          <p:cNvPicPr>
+            <a:picLocks noChangeAspect="1"/>
+          </p:cNvPicPr>
+          <p:nvPr/>
+        </p:nvPicPr>
+        <p:blipFill>
+          <a:blip r:embed="rId8"/>
+          <a:stretch>
+            <a:fillRect/>
+          </a:stretch>
+        </p:blipFill>
+        <p:spPr>
+          <a:xfrm>
+            <a:off x="3780679" y="2417970"/>
+            <a:ext cx="114300" cy="431800"/>
+          </a:xfrm>
+          <a:prstGeom prst="rect">
+            <a:avLst/>
+          </a:prstGeom>
+        </p:spPr>
+      </p:pic>
+      <p:sp>
+        <p:nvSpPr>
+          <p:cNvPr id="30" name="Rectangle 29">
+            <a:extLst>
+              <a:ext uri="{FF2B5EF4-FFF2-40B4-BE49-F238E27FC236}">
+                <a16:creationId xmlns:a16="http://schemas.microsoft.com/office/drawing/2014/main" id="{BD4E3512-133D-C344-9B8E-8DFCEEB7FA11}"/>
+              </a:ext>
+            </a:extLst>
+          </p:cNvPr>
+          <p:cNvSpPr/>
+          <p:nvPr/>
+        </p:nvSpPr>
+        <p:spPr>
+          <a:xfrm>
+            <a:off x="2866818" y="2480192"/>
+            <a:ext cx="425023" cy="327945"/>
+          </a:xfrm>
+          <a:prstGeom prst="rect">
+            <a:avLst/>
+          </a:prstGeom>
+          <a:noFill/>
+        </p:spPr>
+        <p:style>
+          <a:lnRef idx="2">
+            <a:schemeClr val="dk1"/>
+          </a:lnRef>
+          <a:fillRef idx="1">
+            <a:schemeClr val="lt1"/>
+          </a:fillRef>
+          <a:effectRef idx="0">
+            <a:schemeClr val="dk1"/>
+          </a:effectRef>
+          <a:fontRef idx="minor">
+            <a:schemeClr val="dk1"/>
+          </a:fontRef>
+        </p:style>
+        <p:txBody>
+          <a:bodyPr rtlCol="0" anchor="ctr"/>
+          <a:lstStyle/>
+          <a:p>
+            <a:pPr algn="ctr"/>
+            <a:endParaRPr lang="en-US"/>
+          </a:p>
+        </p:txBody>
+      </p:sp>
+      <p:sp>
+        <p:nvSpPr>
+          <p:cNvPr id="33" name="Oval 32">
+            <a:extLst>
+              <a:ext uri="{FF2B5EF4-FFF2-40B4-BE49-F238E27FC236}">
+                <a16:creationId xmlns:a16="http://schemas.microsoft.com/office/drawing/2014/main" id="{8039B6FB-8CC0-0A47-85D6-E8C8F61C8581}"/>
+              </a:ext>
+            </a:extLst>
+          </p:cNvPr>
+          <p:cNvSpPr/>
+          <p:nvPr/>
+        </p:nvSpPr>
+        <p:spPr>
+          <a:xfrm>
+            <a:off x="4185678" y="3139057"/>
+            <a:ext cx="359228" cy="327025"/>
+          </a:xfrm>
+          <a:prstGeom prst="ellipse">
+            <a:avLst/>
+          </a:prstGeom>
+        </p:spPr>
+        <p:style>
+          <a:lnRef idx="2">
+            <a:schemeClr val="dk1"/>
+          </a:lnRef>
+          <a:fillRef idx="1">
+            <a:schemeClr val="lt1"/>
+          </a:fillRef>
+          <a:effectRef idx="0">
+            <a:schemeClr val="dk1"/>
+          </a:effectRef>
+          <a:fontRef idx="minor">
+            <a:schemeClr val="dk1"/>
+          </a:fontRef>
+        </p:style>
+        <p:txBody>
+          <a:bodyPr rtlCol="0" anchor="ctr"/>
+          <a:lstStyle/>
+          <a:p>
+            <a:pPr algn="ctr"/>
+            <a:endParaRPr lang="en-US"/>
+          </a:p>
+        </p:txBody>
+      </p:sp>
+      <p:cxnSp>
+        <p:nvCxnSpPr>
+          <p:cNvPr id="34" name="Straight Arrow Connector 33">
+            <a:extLst>
+              <a:ext uri="{FF2B5EF4-FFF2-40B4-BE49-F238E27FC236}">
+                <a16:creationId xmlns:a16="http://schemas.microsoft.com/office/drawing/2014/main" id="{26E5BF23-0B7B-A14B-9E41-5B20FE67D537}"/>
+              </a:ext>
+            </a:extLst>
+          </p:cNvPr>
+          <p:cNvCxnSpPr>
+            <a:cxnSpLocks/>
+            <a:endCxn id="38" idx="2"/>
+          </p:cNvCxnSpPr>
+          <p:nvPr/>
+        </p:nvCxnSpPr>
+        <p:spPr>
+          <a:xfrm>
+            <a:off x="4572000" y="3309197"/>
+            <a:ext cx="335922" cy="0"/>
+          </a:xfrm>
+          <a:prstGeom prst="straightConnector1">
+            <a:avLst/>
+          </a:prstGeom>
+          <a:ln>
+            <a:solidFill>
+              <a:schemeClr val="tx1"/>
+            </a:solidFill>
+            <a:tailEnd type="triangle"/>
+          </a:ln>
+          <a:effectLst/>
+        </p:spPr>
+        <p:style>
+          <a:lnRef idx="2">
+            <a:schemeClr val="accent1"/>
+          </a:lnRef>
+          <a:fillRef idx="0">
+            <a:schemeClr val="accent1"/>
+          </a:fillRef>
+          <a:effectRef idx="1">
+            <a:schemeClr val="accent1"/>
+          </a:effectRef>
+          <a:fontRef idx="minor">
+            <a:schemeClr val="tx1"/>
+          </a:fontRef>
+        </p:style>
+      </p:cxnSp>
+      <p:cxnSp>
+        <p:nvCxnSpPr>
+          <p:cNvPr id="39" name="Straight Arrow Connector 38">
+            <a:extLst>
+              <a:ext uri="{FF2B5EF4-FFF2-40B4-BE49-F238E27FC236}">
+                <a16:creationId xmlns:a16="http://schemas.microsoft.com/office/drawing/2014/main" id="{A884270B-F381-8948-A186-730AB5A0811C}"/>
+              </a:ext>
+            </a:extLst>
+          </p:cNvPr>
+          <p:cNvCxnSpPr>
+            <a:cxnSpLocks/>
+            <a:endCxn id="30" idx="2"/>
+          </p:cNvCxnSpPr>
+          <p:nvPr/>
+        </p:nvCxnSpPr>
+        <p:spPr>
+          <a:xfrm flipV="1">
+            <a:off x="3079330" y="2808137"/>
+            <a:ext cx="0" cy="491654"/>
+          </a:xfrm>
+          <a:prstGeom prst="straightConnector1">
+            <a:avLst/>
+          </a:prstGeom>
+          <a:ln>
+            <a:solidFill>
+              <a:schemeClr val="tx1"/>
+            </a:solidFill>
+            <a:tailEnd type="triangle"/>
+          </a:ln>
+          <a:effectLst/>
+        </p:spPr>
+        <p:style>
+          <a:lnRef idx="2">
+            <a:schemeClr val="accent1"/>
+          </a:lnRef>
+          <a:fillRef idx="0">
+            <a:schemeClr val="accent1"/>
+          </a:fillRef>
+          <a:effectRef idx="1">
+            <a:schemeClr val="accent1"/>
+          </a:effectRef>
+          <a:fontRef idx="minor">
+            <a:schemeClr val="tx1"/>
+          </a:fontRef>
+        </p:style>
+      </p:cxnSp>
+      <p:cxnSp>
+        <p:nvCxnSpPr>
+          <p:cNvPr id="41" name="Straight Arrow Connector 40">
+            <a:extLst>
+              <a:ext uri="{FF2B5EF4-FFF2-40B4-BE49-F238E27FC236}">
+                <a16:creationId xmlns:a16="http://schemas.microsoft.com/office/drawing/2014/main" id="{E3C9CB4B-1295-AB42-95EA-8AEBC61FB91E}"/>
+              </a:ext>
+            </a:extLst>
+          </p:cNvPr>
+          <p:cNvCxnSpPr>
+            <a:cxnSpLocks/>
+            <a:stCxn id="30" idx="3"/>
+            <a:endCxn id="27" idx="1"/>
+          </p:cNvCxnSpPr>
+          <p:nvPr/>
+        </p:nvCxnSpPr>
+        <p:spPr>
+          <a:xfrm flipV="1">
+            <a:off x="3291841" y="2641682"/>
+            <a:ext cx="381329" cy="2483"/>
+          </a:xfrm>
+          <a:prstGeom prst="straightConnector1">
+            <a:avLst/>
+          </a:prstGeom>
+          <a:ln>
+            <a:solidFill>
+              <a:schemeClr val="tx1"/>
+            </a:solidFill>
+            <a:tailEnd type="triangle"/>
+          </a:ln>
+          <a:effectLst/>
+        </p:spPr>
+        <p:style>
+          <a:lnRef idx="2">
+            <a:schemeClr val="accent1"/>
+          </a:lnRef>
+          <a:fillRef idx="0">
+            <a:schemeClr val="accent1"/>
+          </a:fillRef>
+          <a:effectRef idx="1">
+            <a:schemeClr val="accent1"/>
+          </a:effectRef>
+          <a:fontRef idx="minor">
+            <a:schemeClr val="tx1"/>
+          </a:fontRef>
+        </p:style>
+      </p:cxnSp>
+      <p:cxnSp>
+        <p:nvCxnSpPr>
+          <p:cNvPr id="35" name="Elbow Connector 34">
+            <a:extLst>
+              <a:ext uri="{FF2B5EF4-FFF2-40B4-BE49-F238E27FC236}">
+                <a16:creationId xmlns:a16="http://schemas.microsoft.com/office/drawing/2014/main" id="{F388F2AA-B4B0-3049-9E00-436F87F774D0}"/>
+              </a:ext>
+            </a:extLst>
+          </p:cNvPr>
+          <p:cNvCxnSpPr>
+            <a:stCxn id="27" idx="3"/>
+            <a:endCxn id="33" idx="0"/>
+          </p:cNvCxnSpPr>
+          <p:nvPr/>
+        </p:nvCxnSpPr>
+        <p:spPr>
+          <a:xfrm>
+            <a:off x="4007456" y="2641682"/>
+            <a:ext cx="357836" cy="497375"/>
+          </a:xfrm>
+          <a:prstGeom prst="bentConnector2">
+            <a:avLst/>
+          </a:prstGeom>
+          <a:ln w="12700">
+            <a:solidFill>
+              <a:schemeClr val="tx1"/>
+            </a:solidFill>
+            <a:tailEnd type="triangle"/>
+          </a:ln>
+        </p:spPr>
+        <p:style>
+          <a:lnRef idx="1">
+            <a:schemeClr val="accent1"/>
+          </a:lnRef>
+          <a:fillRef idx="0">
+            <a:schemeClr val="accent1"/>
+          </a:fillRef>
+          <a:effectRef idx="0">
+            <a:schemeClr val="accent1"/>
+          </a:effectRef>
+          <a:fontRef idx="minor">
+            <a:schemeClr val="tx1"/>
+          </a:fontRef>
+        </p:style>
+      </p:cxnSp>
+      <p:pic>
+        <p:nvPicPr>
+          <p:cNvPr id="46" name="Picture 45">
+            <a:extLst>
+              <a:ext uri="{FF2B5EF4-FFF2-40B4-BE49-F238E27FC236}">
+                <a16:creationId xmlns:a16="http://schemas.microsoft.com/office/drawing/2014/main" id="{5EBC2491-F216-D94F-A23F-948FC2BC07EC}"/>
+              </a:ext>
+            </a:extLst>
+          </p:cNvPr>
+          <p:cNvPicPr>
+            <a:picLocks noChangeAspect="1"/>
+          </p:cNvPicPr>
+          <p:nvPr/>
+        </p:nvPicPr>
+        <p:blipFill>
+          <a:blip r:embed="rId3"/>
+          <a:stretch>
+            <a:fillRect/>
+          </a:stretch>
+        </p:blipFill>
+        <p:spPr>
+          <a:xfrm>
+            <a:off x="2280889" y="3624529"/>
+            <a:ext cx="139700" cy="25400"/>
+          </a:xfrm>
+          <a:prstGeom prst="rect">
+            <a:avLst/>
+          </a:prstGeom>
+        </p:spPr>
+      </p:pic>
+      <p:pic>
+        <p:nvPicPr>
+          <p:cNvPr id="47" name="Picture 46">
+            <a:extLst>
+              <a:ext uri="{FF2B5EF4-FFF2-40B4-BE49-F238E27FC236}">
+                <a16:creationId xmlns:a16="http://schemas.microsoft.com/office/drawing/2014/main" id="{5DD08A99-FC38-7742-A227-655E3CE8780C}"/>
+              </a:ext>
+            </a:extLst>
+          </p:cNvPr>
+          <p:cNvPicPr>
+            <a:picLocks noChangeAspect="1"/>
+          </p:cNvPicPr>
+          <p:nvPr/>
+        </p:nvPicPr>
+        <p:blipFill>
+          <a:blip r:embed="rId2"/>
+          <a:stretch>
+            <a:fillRect/>
+          </a:stretch>
+        </p:blipFill>
+        <p:spPr>
+          <a:xfrm>
+            <a:off x="3997968" y="3361205"/>
+            <a:ext cx="152400" cy="152400"/>
+          </a:xfrm>
+          <a:prstGeom prst="rect">
+            <a:avLst/>
+          </a:prstGeom>
+        </p:spPr>
+      </p:pic>
+      <p:pic>
+        <p:nvPicPr>
+          <p:cNvPr id="42" name="Picture 41">
+            <a:extLst>
+              <a:ext uri="{FF2B5EF4-FFF2-40B4-BE49-F238E27FC236}">
+                <a16:creationId xmlns:a16="http://schemas.microsoft.com/office/drawing/2014/main" id="{F61069DA-D296-3A40-B483-68F8B13DCAC0}"/>
+              </a:ext>
+            </a:extLst>
+          </p:cNvPr>
+          <p:cNvPicPr>
+            <a:picLocks noChangeAspect="1"/>
+          </p:cNvPicPr>
+          <p:nvPr/>
+        </p:nvPicPr>
+        <p:blipFill>
+          <a:blip r:embed="rId9"/>
+          <a:stretch>
+            <a:fillRect/>
+          </a:stretch>
+        </p:blipFill>
+        <p:spPr>
+          <a:xfrm>
+            <a:off x="2907805" y="2562474"/>
+            <a:ext cx="317500" cy="190500"/>
+          </a:xfrm>
+          <a:prstGeom prst="rect">
+            <a:avLst/>
+          </a:prstGeom>
+        </p:spPr>
+      </p:pic>
+      <p:pic>
+        <p:nvPicPr>
+          <p:cNvPr id="50" name="Picture 49">
+            <a:extLst>
+              <a:ext uri="{FF2B5EF4-FFF2-40B4-BE49-F238E27FC236}">
+                <a16:creationId xmlns:a16="http://schemas.microsoft.com/office/drawing/2014/main" id="{4E74122A-A27D-A846-82C8-722919BBF819}"/>
+              </a:ext>
+            </a:extLst>
+          </p:cNvPr>
+          <p:cNvPicPr>
+            <a:picLocks noChangeAspect="1"/>
+          </p:cNvPicPr>
+          <p:nvPr/>
+        </p:nvPicPr>
+        <p:blipFill>
+          <a:blip r:embed="rId10"/>
+          <a:stretch>
+            <a:fillRect/>
+          </a:stretch>
+        </p:blipFill>
+        <p:spPr>
+          <a:xfrm>
+            <a:off x="5180495" y="2403447"/>
+            <a:ext cx="558800" cy="190500"/>
+          </a:xfrm>
+          <a:prstGeom prst="rect">
+            <a:avLst/>
+          </a:prstGeom>
+        </p:spPr>
+      </p:pic>
+      <p:pic>
+        <p:nvPicPr>
+          <p:cNvPr id="51" name="Picture 50">
+            <a:extLst>
+              <a:ext uri="{FF2B5EF4-FFF2-40B4-BE49-F238E27FC236}">
+                <a16:creationId xmlns:a16="http://schemas.microsoft.com/office/drawing/2014/main" id="{EB701327-AB6C-3548-B62D-7E2FD890D4AF}"/>
+              </a:ext>
+            </a:extLst>
+          </p:cNvPr>
+          <p:cNvPicPr>
+            <a:picLocks noChangeAspect="1"/>
+          </p:cNvPicPr>
+          <p:nvPr/>
+        </p:nvPicPr>
+        <p:blipFill>
+          <a:blip r:embed="rId11"/>
+          <a:stretch>
+            <a:fillRect/>
+          </a:stretch>
+        </p:blipFill>
+        <p:spPr>
+          <a:xfrm>
+            <a:off x="4143347" y="2254085"/>
+            <a:ext cx="215900" cy="330200"/>
+          </a:xfrm>
+          <a:prstGeom prst="rect">
+            <a:avLst/>
+          </a:prstGeom>
+        </p:spPr>
+      </p:pic>
+      <p:pic>
+        <p:nvPicPr>
+          <p:cNvPr id="53" name="Picture 52">
+            <a:extLst>
+              <a:ext uri="{FF2B5EF4-FFF2-40B4-BE49-F238E27FC236}">
+                <a16:creationId xmlns:a16="http://schemas.microsoft.com/office/drawing/2014/main" id="{C0BC7A5A-800D-B04A-A266-8B027B75297B}"/>
+              </a:ext>
+            </a:extLst>
+          </p:cNvPr>
+          <p:cNvPicPr>
+            <a:picLocks noChangeAspect="1"/>
+          </p:cNvPicPr>
+          <p:nvPr/>
+        </p:nvPicPr>
+        <p:blipFill>
+          <a:blip r:embed="rId12"/>
+          <a:stretch>
+            <a:fillRect/>
+          </a:stretch>
+        </p:blipFill>
+        <p:spPr>
+          <a:xfrm>
+            <a:off x="2936350" y="3421214"/>
+            <a:ext cx="228600" cy="190500"/>
+          </a:xfrm>
+          <a:prstGeom prst="rect">
+            <a:avLst/>
+          </a:prstGeom>
+        </p:spPr>
+      </p:pic>
+    </p:spTree>
+    <p:extLst>
+      <p:ext uri="{BB962C8B-B14F-4D97-AF65-F5344CB8AC3E}">
+        <p14:creationId xmlns:p14="http://schemas.microsoft.com/office/powerpoint/2010/main" val="2229217234"/>
       </p:ext>
     </p:extLst>
   </p:cSld>
